--- a/Стародубцев Максим.pptx
+++ b/Стародубцев Максим.pptx
@@ -7,14 +7,16 @@
   <p:sldIdLst>
     <p:sldId id="256" r:id="rId2"/>
     <p:sldId id="257" r:id="rId3"/>
-    <p:sldId id="258" r:id="rId4"/>
-    <p:sldId id="259" r:id="rId5"/>
-    <p:sldId id="260" r:id="rId6"/>
-    <p:sldId id="261" r:id="rId7"/>
-    <p:sldId id="262" r:id="rId8"/>
-    <p:sldId id="263" r:id="rId9"/>
-    <p:sldId id="264" r:id="rId10"/>
-    <p:sldId id="265" r:id="rId11"/>
+    <p:sldId id="266" r:id="rId4"/>
+    <p:sldId id="258" r:id="rId5"/>
+    <p:sldId id="267" r:id="rId6"/>
+    <p:sldId id="259" r:id="rId7"/>
+    <p:sldId id="260" r:id="rId8"/>
+    <p:sldId id="261" r:id="rId9"/>
+    <p:sldId id="262" r:id="rId10"/>
+    <p:sldId id="263" r:id="rId11"/>
+    <p:sldId id="264" r:id="rId12"/>
+    <p:sldId id="265" r:id="rId13"/>
   </p:sldIdLst>
   <p:sldSz cx="12192000" cy="6858000"/>
   <p:notesSz cx="6858000" cy="9144000"/>
@@ -176,7 +178,7 @@
           </a:lstStyle>
           <a:p>
             <a:r>
-              <a:rPr lang="ru-RU" smtClean="0"/>
+              <a:rPr lang="ru-RU"/>
               <a:t>Образец заголовка</a:t>
             </a:r>
             <a:endParaRPr lang="en-US" dirty="0"/>
@@ -296,7 +298,7 @@
           </a:lstStyle>
           <a:p>
             <a:r>
-              <a:rPr lang="ru-RU" smtClean="0"/>
+              <a:rPr lang="ru-RU"/>
               <a:t>Образец подзаголовка</a:t>
             </a:r>
             <a:endParaRPr lang="en-US" dirty="0"/>
@@ -320,7 +322,7 @@
           <a:p>
             <a:fld id="{7619B51A-FAEE-4495-82D7-18A91D5116D9}" type="datetimeFigureOut">
               <a:rPr lang="ru-RU" smtClean="0"/>
-              <a:t>14.01.2024</a:t>
+              <a:t>25.01.2024</a:t>
             </a:fld>
             <a:endParaRPr lang="ru-RU"/>
           </a:p>
@@ -512,7 +514,7 @@
           </a:lstStyle>
           <a:p>
             <a:r>
-              <a:rPr lang="ru-RU" smtClean="0"/>
+              <a:rPr lang="ru-RU"/>
               <a:t>Образец заголовка</a:t>
             </a:r>
             <a:endParaRPr lang="en-US" dirty="0"/>
@@ -635,7 +637,7 @@
           <a:p>
             <a:pPr lvl="0"/>
             <a:r>
-              <a:rPr lang="ru-RU" smtClean="0"/>
+              <a:rPr lang="ru-RU"/>
               <a:t>Образец текста</a:t>
             </a:r>
           </a:p>
@@ -658,7 +660,7 @@
           <a:p>
             <a:fld id="{7619B51A-FAEE-4495-82D7-18A91D5116D9}" type="datetimeFigureOut">
               <a:rPr lang="ru-RU" smtClean="0"/>
-              <a:t>14.01.2024</a:t>
+              <a:t>25.01.2024</a:t>
             </a:fld>
             <a:endParaRPr lang="ru-RU"/>
           </a:p>
@@ -850,7 +852,7 @@
           </a:lstStyle>
           <a:p>
             <a:r>
-              <a:rPr lang="ru-RU" smtClean="0"/>
+              <a:rPr lang="ru-RU"/>
               <a:t>Образец заголовка</a:t>
             </a:r>
             <a:endParaRPr lang="en-US" dirty="0"/>
@@ -914,7 +916,7 @@
           <a:p>
             <a:pPr lvl="0"/>
             <a:r>
-              <a:rPr lang="ru-RU" smtClean="0"/>
+              <a:rPr lang="ru-RU"/>
               <a:t>Образец текста</a:t>
             </a:r>
           </a:p>
@@ -1036,7 +1038,7 @@
           <a:p>
             <a:pPr lvl="0"/>
             <a:r>
-              <a:rPr lang="ru-RU" smtClean="0"/>
+              <a:rPr lang="ru-RU"/>
               <a:t>Образец текста</a:t>
             </a:r>
           </a:p>
@@ -1059,7 +1061,7 @@
           <a:p>
             <a:fld id="{7619B51A-FAEE-4495-82D7-18A91D5116D9}" type="datetimeFigureOut">
               <a:rPr lang="ru-RU" smtClean="0"/>
-              <a:t>14.01.2024</a:t>
+              <a:t>25.01.2024</a:t>
             </a:fld>
             <a:endParaRPr lang="ru-RU"/>
           </a:p>
@@ -1327,7 +1329,7 @@
           </a:lstStyle>
           <a:p>
             <a:r>
-              <a:rPr lang="ru-RU" smtClean="0"/>
+              <a:rPr lang="ru-RU"/>
               <a:t>Образец заголовка</a:t>
             </a:r>
             <a:endParaRPr lang="en-US" dirty="0"/>
@@ -1372,7 +1374,7 @@
               <a:buNone/>
             </a:pPr>
             <a:r>
-              <a:rPr lang="ru-RU" smtClean="0"/>
+              <a:rPr lang="ru-RU"/>
               <a:t>Образец текста</a:t>
             </a:r>
           </a:p>
@@ -1395,7 +1397,7 @@
           <a:p>
             <a:fld id="{7619B51A-FAEE-4495-82D7-18A91D5116D9}" type="datetimeFigureOut">
               <a:rPr lang="ru-RU" smtClean="0"/>
-              <a:t>14.01.2024</a:t>
+              <a:t>25.01.2024</a:t>
             </a:fld>
             <a:endParaRPr lang="ru-RU"/>
           </a:p>
@@ -1587,7 +1589,7 @@
           </a:lstStyle>
           <a:p>
             <a:r>
-              <a:rPr lang="ru-RU" smtClean="0"/>
+              <a:rPr lang="ru-RU"/>
               <a:t>Образец заголовка</a:t>
             </a:r>
             <a:endParaRPr lang="en-US" dirty="0"/>
@@ -1648,7 +1650,7 @@
           <a:p>
             <a:pPr lvl="0"/>
             <a:r>
-              <a:rPr lang="ru-RU" smtClean="0"/>
+              <a:rPr lang="ru-RU"/>
               <a:t>Образец текста</a:t>
             </a:r>
           </a:p>
@@ -1692,7 +1694,7 @@
               <a:buNone/>
             </a:pPr>
             <a:r>
-              <a:rPr lang="ru-RU" smtClean="0"/>
+              <a:rPr lang="ru-RU"/>
               <a:t>Образец текста</a:t>
             </a:r>
           </a:p>
@@ -1715,7 +1717,7 @@
           <a:p>
             <a:fld id="{7619B51A-FAEE-4495-82D7-18A91D5116D9}" type="datetimeFigureOut">
               <a:rPr lang="ru-RU" smtClean="0"/>
-              <a:t>14.01.2024</a:t>
+              <a:t>25.01.2024</a:t>
             </a:fld>
             <a:endParaRPr lang="ru-RU"/>
           </a:p>
@@ -1983,7 +1985,7 @@
           </a:lstStyle>
           <a:p>
             <a:r>
-              <a:rPr lang="ru-RU" smtClean="0"/>
+              <a:rPr lang="ru-RU"/>
               <a:t>Образец заголовка</a:t>
             </a:r>
             <a:endParaRPr lang="en-US" dirty="0"/>
@@ -2044,7 +2046,7 @@
           <a:p>
             <a:pPr lvl="0"/>
             <a:r>
-              <a:rPr lang="ru-RU" smtClean="0"/>
+              <a:rPr lang="ru-RU"/>
               <a:t>Образец текста</a:t>
             </a:r>
           </a:p>
@@ -2088,7 +2090,7 @@
               <a:buNone/>
             </a:pPr>
             <a:r>
-              <a:rPr lang="ru-RU" smtClean="0"/>
+              <a:rPr lang="ru-RU"/>
               <a:t>Образец текста</a:t>
             </a:r>
           </a:p>
@@ -2111,7 +2113,7 @@
           <a:p>
             <a:fld id="{7619B51A-FAEE-4495-82D7-18A91D5116D9}" type="datetimeFigureOut">
               <a:rPr lang="ru-RU" smtClean="0"/>
-              <a:t>14.01.2024</a:t>
+              <a:t>25.01.2024</a:t>
             </a:fld>
             <a:endParaRPr lang="ru-RU"/>
           </a:p>
@@ -2292,7 +2294,7 @@
           <a:lstStyle/>
           <a:p>
             <a:r>
-              <a:rPr lang="ru-RU" smtClean="0"/>
+              <a:rPr lang="ru-RU"/>
               <a:t>Образец заголовка</a:t>
             </a:r>
             <a:endParaRPr lang="en-US" dirty="0"/>
@@ -2316,35 +2318,35 @@
           <a:p>
             <a:pPr lvl="0"/>
             <a:r>
-              <a:rPr lang="ru-RU" smtClean="0"/>
+              <a:rPr lang="ru-RU"/>
               <a:t>Образец текста</a:t>
             </a:r>
           </a:p>
           <a:p>
             <a:pPr lvl="1"/>
             <a:r>
-              <a:rPr lang="ru-RU" smtClean="0"/>
+              <a:rPr lang="ru-RU"/>
               <a:t>Второй уровень</a:t>
             </a:r>
           </a:p>
           <a:p>
             <a:pPr lvl="2"/>
             <a:r>
-              <a:rPr lang="ru-RU" smtClean="0"/>
+              <a:rPr lang="ru-RU"/>
               <a:t>Третий уровень</a:t>
             </a:r>
           </a:p>
           <a:p>
             <a:pPr lvl="3"/>
             <a:r>
-              <a:rPr lang="ru-RU" smtClean="0"/>
+              <a:rPr lang="ru-RU"/>
               <a:t>Четвертый уровень</a:t>
             </a:r>
           </a:p>
           <a:p>
             <a:pPr lvl="4"/>
             <a:r>
-              <a:rPr lang="ru-RU" smtClean="0"/>
+              <a:rPr lang="ru-RU"/>
               <a:t>Пятый уровень</a:t>
             </a:r>
             <a:endParaRPr lang="en-US" dirty="0"/>
@@ -2368,7 +2370,7 @@
           <a:p>
             <a:fld id="{7619B51A-FAEE-4495-82D7-18A91D5116D9}" type="datetimeFigureOut">
               <a:rPr lang="ru-RU" smtClean="0"/>
-              <a:t>14.01.2024</a:t>
+              <a:t>25.01.2024</a:t>
             </a:fld>
             <a:endParaRPr lang="ru-RU"/>
           </a:p>
@@ -2549,7 +2551,7 @@
           <a:lstStyle/>
           <a:p>
             <a:r>
-              <a:rPr lang="ru-RU" smtClean="0"/>
+              <a:rPr lang="ru-RU"/>
               <a:t>Образец заголовка</a:t>
             </a:r>
             <a:endParaRPr lang="en-US" dirty="0"/>
@@ -2578,35 +2580,35 @@
           <a:p>
             <a:pPr lvl="0"/>
             <a:r>
-              <a:rPr lang="ru-RU" smtClean="0"/>
+              <a:rPr lang="ru-RU"/>
               <a:t>Образец текста</a:t>
             </a:r>
           </a:p>
           <a:p>
             <a:pPr lvl="1"/>
             <a:r>
-              <a:rPr lang="ru-RU" smtClean="0"/>
+              <a:rPr lang="ru-RU"/>
               <a:t>Второй уровень</a:t>
             </a:r>
           </a:p>
           <a:p>
             <a:pPr lvl="2"/>
             <a:r>
-              <a:rPr lang="ru-RU" smtClean="0"/>
+              <a:rPr lang="ru-RU"/>
               <a:t>Третий уровень</a:t>
             </a:r>
           </a:p>
           <a:p>
             <a:pPr lvl="3"/>
             <a:r>
-              <a:rPr lang="ru-RU" smtClean="0"/>
+              <a:rPr lang="ru-RU"/>
               <a:t>Четвертый уровень</a:t>
             </a:r>
           </a:p>
           <a:p>
             <a:pPr lvl="4"/>
             <a:r>
-              <a:rPr lang="ru-RU" smtClean="0"/>
+              <a:rPr lang="ru-RU"/>
               <a:t>Пятый уровень</a:t>
             </a:r>
             <a:endParaRPr lang="en-US" dirty="0"/>
@@ -2630,7 +2632,7 @@
           <a:p>
             <a:fld id="{7619B51A-FAEE-4495-82D7-18A91D5116D9}" type="datetimeFigureOut">
               <a:rPr lang="ru-RU" smtClean="0"/>
-              <a:t>14.01.2024</a:t>
+              <a:t>25.01.2024</a:t>
             </a:fld>
             <a:endParaRPr lang="ru-RU"/>
           </a:p>
@@ -2811,7 +2813,7 @@
           <a:lstStyle/>
           <a:p>
             <a:r>
-              <a:rPr lang="ru-RU" smtClean="0"/>
+              <a:rPr lang="ru-RU"/>
               <a:t>Образец заголовка</a:t>
             </a:r>
             <a:endParaRPr lang="en-US" dirty="0"/>
@@ -2840,35 +2842,35 @@
           <a:p>
             <a:pPr lvl="0"/>
             <a:r>
-              <a:rPr lang="ru-RU" smtClean="0"/>
+              <a:rPr lang="ru-RU"/>
               <a:t>Образец текста</a:t>
             </a:r>
           </a:p>
           <a:p>
             <a:pPr lvl="1"/>
             <a:r>
-              <a:rPr lang="ru-RU" smtClean="0"/>
+              <a:rPr lang="ru-RU"/>
               <a:t>Второй уровень</a:t>
             </a:r>
           </a:p>
           <a:p>
             <a:pPr lvl="2"/>
             <a:r>
-              <a:rPr lang="ru-RU" smtClean="0"/>
+              <a:rPr lang="ru-RU"/>
               <a:t>Третий уровень</a:t>
             </a:r>
           </a:p>
           <a:p>
             <a:pPr lvl="3"/>
             <a:r>
-              <a:rPr lang="ru-RU" smtClean="0"/>
+              <a:rPr lang="ru-RU"/>
               <a:t>Четвертый уровень</a:t>
             </a:r>
           </a:p>
           <a:p>
             <a:pPr lvl="4"/>
             <a:r>
-              <a:rPr lang="ru-RU" smtClean="0"/>
+              <a:rPr lang="ru-RU"/>
               <a:t>Пятый уровень</a:t>
             </a:r>
             <a:endParaRPr lang="en-US" dirty="0"/>
@@ -2892,7 +2894,7 @@
           <a:p>
             <a:fld id="{7619B51A-FAEE-4495-82D7-18A91D5116D9}" type="datetimeFigureOut">
               <a:rPr lang="ru-RU" smtClean="0"/>
-              <a:t>14.01.2024</a:t>
+              <a:t>25.01.2024</a:t>
             </a:fld>
             <a:endParaRPr lang="ru-RU"/>
           </a:p>
@@ -3077,7 +3079,7 @@
           </a:lstStyle>
           <a:p>
             <a:r>
-              <a:rPr lang="ru-RU" smtClean="0"/>
+              <a:rPr lang="ru-RU"/>
               <a:t>Образец заголовка</a:t>
             </a:r>
             <a:endParaRPr lang="en-US" dirty="0"/>
@@ -3198,7 +3200,7 @@
           <a:p>
             <a:pPr lvl="0"/>
             <a:r>
-              <a:rPr lang="ru-RU" smtClean="0"/>
+              <a:rPr lang="ru-RU"/>
               <a:t>Образец текста</a:t>
             </a:r>
           </a:p>
@@ -3221,7 +3223,7 @@
           <a:p>
             <a:fld id="{7619B51A-FAEE-4495-82D7-18A91D5116D9}" type="datetimeFigureOut">
               <a:rPr lang="ru-RU" smtClean="0"/>
-              <a:t>14.01.2024</a:t>
+              <a:t>25.01.2024</a:t>
             </a:fld>
             <a:endParaRPr lang="ru-RU"/>
           </a:p>
@@ -3402,7 +3404,7 @@
           <a:lstStyle/>
           <a:p>
             <a:r>
-              <a:rPr lang="ru-RU" smtClean="0"/>
+              <a:rPr lang="ru-RU"/>
               <a:t>Образец заголовка</a:t>
             </a:r>
             <a:endParaRPr lang="en-US" dirty="0"/>
@@ -3433,35 +3435,35 @@
           <a:p>
             <a:pPr lvl="0"/>
             <a:r>
-              <a:rPr lang="ru-RU" smtClean="0"/>
+              <a:rPr lang="ru-RU"/>
               <a:t>Образец текста</a:t>
             </a:r>
           </a:p>
           <a:p>
             <a:pPr lvl="1"/>
             <a:r>
-              <a:rPr lang="ru-RU" smtClean="0"/>
+              <a:rPr lang="ru-RU"/>
               <a:t>Второй уровень</a:t>
             </a:r>
           </a:p>
           <a:p>
             <a:pPr lvl="2"/>
             <a:r>
-              <a:rPr lang="ru-RU" smtClean="0"/>
+              <a:rPr lang="ru-RU"/>
               <a:t>Третий уровень</a:t>
             </a:r>
           </a:p>
           <a:p>
             <a:pPr lvl="3"/>
             <a:r>
-              <a:rPr lang="ru-RU" smtClean="0"/>
+              <a:rPr lang="ru-RU"/>
               <a:t>Четвертый уровень</a:t>
             </a:r>
           </a:p>
           <a:p>
             <a:pPr lvl="4"/>
             <a:r>
-              <a:rPr lang="ru-RU" smtClean="0"/>
+              <a:rPr lang="ru-RU"/>
               <a:t>Пятый уровень</a:t>
             </a:r>
             <a:endParaRPr lang="en-US" dirty="0"/>
@@ -3492,35 +3494,35 @@
           <a:p>
             <a:pPr lvl="0"/>
             <a:r>
-              <a:rPr lang="ru-RU" smtClean="0"/>
+              <a:rPr lang="ru-RU"/>
               <a:t>Образец текста</a:t>
             </a:r>
           </a:p>
           <a:p>
             <a:pPr lvl="1"/>
             <a:r>
-              <a:rPr lang="ru-RU" smtClean="0"/>
+              <a:rPr lang="ru-RU"/>
               <a:t>Второй уровень</a:t>
             </a:r>
           </a:p>
           <a:p>
             <a:pPr lvl="2"/>
             <a:r>
-              <a:rPr lang="ru-RU" smtClean="0"/>
+              <a:rPr lang="ru-RU"/>
               <a:t>Третий уровень</a:t>
             </a:r>
           </a:p>
           <a:p>
             <a:pPr lvl="3"/>
             <a:r>
-              <a:rPr lang="ru-RU" smtClean="0"/>
+              <a:rPr lang="ru-RU"/>
               <a:t>Четвертый уровень</a:t>
             </a:r>
           </a:p>
           <a:p>
             <a:pPr lvl="4"/>
             <a:r>
-              <a:rPr lang="ru-RU" smtClean="0"/>
+              <a:rPr lang="ru-RU"/>
               <a:t>Пятый уровень</a:t>
             </a:r>
             <a:endParaRPr lang="en-US" dirty="0"/>
@@ -3544,7 +3546,7 @@
           <a:p>
             <a:fld id="{7619B51A-FAEE-4495-82D7-18A91D5116D9}" type="datetimeFigureOut">
               <a:rPr lang="ru-RU" smtClean="0"/>
-              <a:t>14.01.2024</a:t>
+              <a:t>25.01.2024</a:t>
             </a:fld>
             <a:endParaRPr lang="ru-RU"/>
           </a:p>
@@ -3725,7 +3727,7 @@
           <a:lstStyle/>
           <a:p>
             <a:r>
-              <a:rPr lang="ru-RU" smtClean="0"/>
+              <a:rPr lang="ru-RU"/>
               <a:t>Образец заголовка</a:t>
             </a:r>
             <a:endParaRPr lang="en-US" dirty="0"/>
@@ -3793,7 +3795,7 @@
           <a:p>
             <a:pPr lvl="0"/>
             <a:r>
-              <a:rPr lang="ru-RU" smtClean="0"/>
+              <a:rPr lang="ru-RU"/>
               <a:t>Образец текста</a:t>
             </a:r>
           </a:p>
@@ -3823,35 +3825,35 @@
           <a:p>
             <a:pPr lvl="0"/>
             <a:r>
-              <a:rPr lang="ru-RU" smtClean="0"/>
+              <a:rPr lang="ru-RU"/>
               <a:t>Образец текста</a:t>
             </a:r>
           </a:p>
           <a:p>
             <a:pPr lvl="1"/>
             <a:r>
-              <a:rPr lang="ru-RU" smtClean="0"/>
+              <a:rPr lang="ru-RU"/>
               <a:t>Второй уровень</a:t>
             </a:r>
           </a:p>
           <a:p>
             <a:pPr lvl="2"/>
             <a:r>
-              <a:rPr lang="ru-RU" smtClean="0"/>
+              <a:rPr lang="ru-RU"/>
               <a:t>Третий уровень</a:t>
             </a:r>
           </a:p>
           <a:p>
             <a:pPr lvl="3"/>
             <a:r>
-              <a:rPr lang="ru-RU" smtClean="0"/>
+              <a:rPr lang="ru-RU"/>
               <a:t>Четвертый уровень</a:t>
             </a:r>
           </a:p>
           <a:p>
             <a:pPr lvl="4"/>
             <a:r>
-              <a:rPr lang="ru-RU" smtClean="0"/>
+              <a:rPr lang="ru-RU"/>
               <a:t>Пятый уровень</a:t>
             </a:r>
             <a:endParaRPr lang="en-US" dirty="0"/>
@@ -3919,7 +3921,7 @@
           <a:p>
             <a:pPr lvl="0"/>
             <a:r>
-              <a:rPr lang="ru-RU" smtClean="0"/>
+              <a:rPr lang="ru-RU"/>
               <a:t>Образец текста</a:t>
             </a:r>
           </a:p>
@@ -3949,35 +3951,35 @@
           <a:p>
             <a:pPr lvl="0"/>
             <a:r>
-              <a:rPr lang="ru-RU" smtClean="0"/>
+              <a:rPr lang="ru-RU"/>
               <a:t>Образец текста</a:t>
             </a:r>
           </a:p>
           <a:p>
             <a:pPr lvl="1"/>
             <a:r>
-              <a:rPr lang="ru-RU" smtClean="0"/>
+              <a:rPr lang="ru-RU"/>
               <a:t>Второй уровень</a:t>
             </a:r>
           </a:p>
           <a:p>
             <a:pPr lvl="2"/>
             <a:r>
-              <a:rPr lang="ru-RU" smtClean="0"/>
+              <a:rPr lang="ru-RU"/>
               <a:t>Третий уровень</a:t>
             </a:r>
           </a:p>
           <a:p>
             <a:pPr lvl="3"/>
             <a:r>
-              <a:rPr lang="ru-RU" smtClean="0"/>
+              <a:rPr lang="ru-RU"/>
               <a:t>Четвертый уровень</a:t>
             </a:r>
           </a:p>
           <a:p>
             <a:pPr lvl="4"/>
             <a:r>
-              <a:rPr lang="ru-RU" smtClean="0"/>
+              <a:rPr lang="ru-RU"/>
               <a:t>Пятый уровень</a:t>
             </a:r>
             <a:endParaRPr lang="en-US" dirty="0"/>
@@ -4001,7 +4003,7 @@
           <a:p>
             <a:fld id="{7619B51A-FAEE-4495-82D7-18A91D5116D9}" type="datetimeFigureOut">
               <a:rPr lang="ru-RU" smtClean="0"/>
-              <a:t>14.01.2024</a:t>
+              <a:t>25.01.2024</a:t>
             </a:fld>
             <a:endParaRPr lang="ru-RU"/>
           </a:p>
@@ -4182,7 +4184,7 @@
           <a:lstStyle/>
           <a:p>
             <a:r>
-              <a:rPr lang="ru-RU" smtClean="0"/>
+              <a:rPr lang="ru-RU"/>
               <a:t>Образец заголовка</a:t>
             </a:r>
             <a:endParaRPr lang="en-US" dirty="0"/>
@@ -4206,7 +4208,7 @@
           <a:p>
             <a:fld id="{7619B51A-FAEE-4495-82D7-18A91D5116D9}" type="datetimeFigureOut">
               <a:rPr lang="ru-RU" smtClean="0"/>
-              <a:t>14.01.2024</a:t>
+              <a:t>25.01.2024</a:t>
             </a:fld>
             <a:endParaRPr lang="ru-RU"/>
           </a:p>
@@ -4383,7 +4385,7 @@
           <a:p>
             <a:fld id="{7619B51A-FAEE-4495-82D7-18A91D5116D9}" type="datetimeFigureOut">
               <a:rPr lang="ru-RU" smtClean="0"/>
-              <a:t>14.01.2024</a:t>
+              <a:t>25.01.2024</a:t>
             </a:fld>
             <a:endParaRPr lang="ru-RU"/>
           </a:p>
@@ -4568,7 +4570,7 @@
           </a:lstStyle>
           <a:p>
             <a:r>
-              <a:rPr lang="ru-RU" smtClean="0"/>
+              <a:rPr lang="ru-RU"/>
               <a:t>Образец заголовка</a:t>
             </a:r>
             <a:endParaRPr lang="en-US" dirty="0"/>
@@ -4599,35 +4601,35 @@
           <a:p>
             <a:pPr lvl="0"/>
             <a:r>
-              <a:rPr lang="ru-RU" smtClean="0"/>
+              <a:rPr lang="ru-RU"/>
               <a:t>Образец текста</a:t>
             </a:r>
           </a:p>
           <a:p>
             <a:pPr lvl="1"/>
             <a:r>
-              <a:rPr lang="ru-RU" smtClean="0"/>
+              <a:rPr lang="ru-RU"/>
               <a:t>Второй уровень</a:t>
             </a:r>
           </a:p>
           <a:p>
             <a:pPr lvl="2"/>
             <a:r>
-              <a:rPr lang="ru-RU" smtClean="0"/>
+              <a:rPr lang="ru-RU"/>
               <a:t>Третий уровень</a:t>
             </a:r>
           </a:p>
           <a:p>
             <a:pPr lvl="3"/>
             <a:r>
-              <a:rPr lang="ru-RU" smtClean="0"/>
+              <a:rPr lang="ru-RU"/>
               <a:t>Четвертый уровень</a:t>
             </a:r>
           </a:p>
           <a:p>
             <a:pPr lvl="4"/>
             <a:r>
-              <a:rPr lang="ru-RU" smtClean="0"/>
+              <a:rPr lang="ru-RU"/>
               <a:t>Пятый уровень</a:t>
             </a:r>
             <a:endParaRPr lang="en-US" dirty="0"/>
@@ -4693,7 +4695,7 @@
           <a:p>
             <a:pPr lvl="0"/>
             <a:r>
-              <a:rPr lang="ru-RU" smtClean="0"/>
+              <a:rPr lang="ru-RU"/>
               <a:t>Образец текста</a:t>
             </a:r>
           </a:p>
@@ -4716,7 +4718,7 @@
           <a:p>
             <a:fld id="{7619B51A-FAEE-4495-82D7-18A91D5116D9}" type="datetimeFigureOut">
               <a:rPr lang="ru-RU" smtClean="0"/>
-              <a:t>14.01.2024</a:t>
+              <a:t>25.01.2024</a:t>
             </a:fld>
             <a:endParaRPr lang="ru-RU"/>
           </a:p>
@@ -4903,7 +4905,7 @@
           </a:lstStyle>
           <a:p>
             <a:r>
-              <a:rPr lang="ru-RU" smtClean="0"/>
+              <a:rPr lang="ru-RU"/>
               <a:t>Образец заголовка</a:t>
             </a:r>
             <a:endParaRPr lang="en-US" dirty="0"/>
@@ -4970,7 +4972,7 @@
           </a:lstStyle>
           <a:p>
             <a:r>
-              <a:rPr lang="ru-RU" smtClean="0"/>
+              <a:rPr lang="ru-RU"/>
               <a:t>Вставка рисунка</a:t>
             </a:r>
             <a:endParaRPr lang="en-US" dirty="0"/>
@@ -5038,7 +5040,7 @@
           <a:p>
             <a:pPr lvl="0"/>
             <a:r>
-              <a:rPr lang="ru-RU" smtClean="0"/>
+              <a:rPr lang="ru-RU"/>
               <a:t>Образец текста</a:t>
             </a:r>
           </a:p>
@@ -5061,7 +5063,7 @@
           <a:p>
             <a:fld id="{7619B51A-FAEE-4495-82D7-18A91D5116D9}" type="datetimeFigureOut">
               <a:rPr lang="ru-RU" smtClean="0"/>
-              <a:t>14.01.2024</a:t>
+              <a:t>25.01.2024</a:t>
             </a:fld>
             <a:endParaRPr lang="ru-RU"/>
           </a:p>
@@ -7074,7 +7076,7 @@
           <a:lstStyle/>
           <a:p>
             <a:r>
-              <a:rPr lang="ru-RU" smtClean="0"/>
+              <a:rPr lang="ru-RU"/>
               <a:t>Образец заголовка</a:t>
             </a:r>
             <a:endParaRPr lang="en-US" dirty="0"/>
@@ -7108,35 +7110,35 @@
           <a:p>
             <a:pPr lvl="0"/>
             <a:r>
-              <a:rPr lang="ru-RU" smtClean="0"/>
+              <a:rPr lang="ru-RU"/>
               <a:t>Образец текста</a:t>
             </a:r>
           </a:p>
           <a:p>
             <a:pPr lvl="1"/>
             <a:r>
-              <a:rPr lang="ru-RU" smtClean="0"/>
+              <a:rPr lang="ru-RU"/>
               <a:t>Второй уровень</a:t>
             </a:r>
           </a:p>
           <a:p>
             <a:pPr lvl="2"/>
             <a:r>
-              <a:rPr lang="ru-RU" smtClean="0"/>
+              <a:rPr lang="ru-RU"/>
               <a:t>Третий уровень</a:t>
             </a:r>
           </a:p>
           <a:p>
             <a:pPr lvl="3"/>
             <a:r>
-              <a:rPr lang="ru-RU" smtClean="0"/>
+              <a:rPr lang="ru-RU"/>
               <a:t>Четвертый уровень</a:t>
             </a:r>
           </a:p>
           <a:p>
             <a:pPr lvl="4"/>
             <a:r>
-              <a:rPr lang="ru-RU" smtClean="0"/>
+              <a:rPr lang="ru-RU"/>
               <a:t>Пятый уровень</a:t>
             </a:r>
             <a:endParaRPr lang="en-US" dirty="0"/>
@@ -7178,7 +7180,7 @@
           <a:p>
             <a:fld id="{7619B51A-FAEE-4495-82D7-18A91D5116D9}" type="datetimeFigureOut">
               <a:rPr lang="ru-RU" smtClean="0"/>
-              <a:t>14.01.2024</a:t>
+              <a:t>25.01.2024</a:t>
             </a:fld>
             <a:endParaRPr lang="ru-RU"/>
           </a:p>
@@ -7725,13 +7727,6 @@
               </a:rPr>
               <a:t>КУРСОВОЙ ПРОЕКТ</a:t>
             </a:r>
-            <a:r>
-              <a:rPr lang="ru-RU" sz="3600" dirty="0">
-                <a:latin typeface="Times New Roman" panose="02020603050405020304" pitchFamily="18" charset="0"/>
-                <a:cs typeface="Times New Roman" panose="02020603050405020304" pitchFamily="18" charset="0"/>
-              </a:rPr>
-              <a:t/>
-            </a:r>
             <a:br>
               <a:rPr lang="ru-RU" sz="3600" dirty="0">
                 <a:latin typeface="Times New Roman" panose="02020603050405020304" pitchFamily="18" charset="0"/>
@@ -7739,18 +7734,11 @@
               </a:rPr>
             </a:br>
             <a:r>
-              <a:rPr lang="ru-RU" sz="3600" dirty="0" smtClean="0">
-                <a:latin typeface="Times New Roman" panose="02020603050405020304" pitchFamily="18" charset="0"/>
-                <a:cs typeface="Times New Roman" panose="02020603050405020304" pitchFamily="18" charset="0"/>
-              </a:rPr>
-              <a:t>по </a:t>
-            </a:r>
-            <a:r>
               <a:rPr lang="ru-RU" sz="3600" dirty="0">
                 <a:latin typeface="Times New Roman" panose="02020603050405020304" pitchFamily="18" charset="0"/>
                 <a:cs typeface="Times New Roman" panose="02020603050405020304" pitchFamily="18" charset="0"/>
               </a:rPr>
-              <a:t>автоматизации работ сотрудников склада»</a:t>
+              <a:t>по автоматизации работ сотрудников склада»</a:t>
             </a:r>
             <a:br>
               <a:rPr lang="ru-RU" sz="3600" dirty="0">
@@ -7764,10 +7752,6 @@
                 <a:cs typeface="Times New Roman" panose="02020603050405020304" pitchFamily="18" charset="0"/>
               </a:rPr>
               <a:t>МДК 02.01 «Технология разработки программного обеспечения»</a:t>
-            </a:r>
-            <a:r>
-              <a:rPr lang="ru-RU" sz="3600" dirty="0"/>
-              <a:t/>
             </a:r>
             <a:br>
               <a:rPr lang="ru-RU" sz="3600" dirty="0"/>
@@ -7807,11 +7791,7 @@
           <a:p>
             <a:r>
               <a:rPr lang="ru-RU" u="sng" dirty="0"/>
-              <a:t>Стародубцев Максим </a:t>
-            </a:r>
-            <a:r>
-              <a:rPr lang="ru-RU" u="sng" dirty="0" smtClean="0"/>
-              <a:t>Сергеевич</a:t>
+              <a:t>Стародубцев Максим Сергеевич</a:t>
             </a:r>
             <a:endParaRPr lang="ru-RU" dirty="0"/>
           </a:p>
@@ -7864,1847 +7844,6 @@
             <a:spLocks noGrp="1"/>
           </p:cNvSpPr>
           <p:nvPr>
-            <p:ph type="ctrTitle"/>
-          </p:nvPr>
-        </p:nvSpPr>
-        <p:spPr>
-          <a:xfrm>
-            <a:off x="1457498" y="1612669"/>
-            <a:ext cx="9144000" cy="2595563"/>
-          </a:xfrm>
-        </p:spPr>
-        <p:txBody>
-          <a:bodyPr>
-            <a:noAutofit/>
-          </a:bodyPr>
-          <a:lstStyle/>
-          <a:p>
-            <a:r>
-              <a:rPr lang="ru-RU" sz="3600" b="1" dirty="0">
-                <a:latin typeface="Times New Roman" panose="02020603050405020304" pitchFamily="18" charset="0"/>
-                <a:cs typeface="Times New Roman" panose="02020603050405020304" pitchFamily="18" charset="0"/>
-              </a:rPr>
-              <a:t>КУРСОВОЙ ПРОЕКТ</a:t>
-            </a:r>
-            <a:r>
-              <a:rPr lang="ru-RU" sz="3600" dirty="0">
-                <a:latin typeface="Times New Roman" panose="02020603050405020304" pitchFamily="18" charset="0"/>
-                <a:cs typeface="Times New Roman" panose="02020603050405020304" pitchFamily="18" charset="0"/>
-              </a:rPr>
-              <a:t/>
-            </a:r>
-            <a:br>
-              <a:rPr lang="ru-RU" sz="3600" dirty="0">
-                <a:latin typeface="Times New Roman" panose="02020603050405020304" pitchFamily="18" charset="0"/>
-                <a:cs typeface="Times New Roman" panose="02020603050405020304" pitchFamily="18" charset="0"/>
-              </a:rPr>
-            </a:br>
-            <a:r>
-              <a:rPr lang="ru-RU" sz="3600" dirty="0" smtClean="0">
-                <a:latin typeface="Times New Roman" panose="02020603050405020304" pitchFamily="18" charset="0"/>
-                <a:cs typeface="Times New Roman" panose="02020603050405020304" pitchFamily="18" charset="0"/>
-              </a:rPr>
-              <a:t>по </a:t>
-            </a:r>
-            <a:r>
-              <a:rPr lang="ru-RU" sz="3600" dirty="0">
-                <a:latin typeface="Times New Roman" panose="02020603050405020304" pitchFamily="18" charset="0"/>
-                <a:cs typeface="Times New Roman" panose="02020603050405020304" pitchFamily="18" charset="0"/>
-              </a:rPr>
-              <a:t>автоматизации работ сотрудников склада»</a:t>
-            </a:r>
-            <a:br>
-              <a:rPr lang="ru-RU" sz="3600" dirty="0">
-                <a:latin typeface="Times New Roman" panose="02020603050405020304" pitchFamily="18" charset="0"/>
-                <a:cs typeface="Times New Roman" panose="02020603050405020304" pitchFamily="18" charset="0"/>
-              </a:rPr>
-            </a:br>
-            <a:r>
-              <a:rPr lang="ru-RU" sz="3600" u="sng" dirty="0">
-                <a:latin typeface="Times New Roman" panose="02020603050405020304" pitchFamily="18" charset="0"/>
-                <a:cs typeface="Times New Roman" panose="02020603050405020304" pitchFamily="18" charset="0"/>
-              </a:rPr>
-              <a:t>МДК 02.01 «Технология разработки программного обеспечения»</a:t>
-            </a:r>
-            <a:r>
-              <a:rPr lang="ru-RU" sz="3600" dirty="0"/>
-              <a:t/>
-            </a:r>
-            <a:br>
-              <a:rPr lang="ru-RU" sz="3600" dirty="0"/>
-            </a:br>
-            <a:endParaRPr lang="ru-RU" sz="3600" dirty="0"/>
-          </a:p>
-        </p:txBody>
-      </p:sp>
-      <p:sp>
-        <p:nvSpPr>
-          <p:cNvPr id="3" name="Подзаголовок 2"/>
-          <p:cNvSpPr>
-            <a:spLocks noGrp="1"/>
-          </p:cNvSpPr>
-          <p:nvPr>
-            <p:ph type="subTitle" idx="1"/>
-          </p:nvPr>
-        </p:nvSpPr>
-        <p:spPr>
-          <a:xfrm>
-            <a:off x="6999316" y="4854632"/>
-            <a:ext cx="4948844" cy="1313411"/>
-          </a:xfrm>
-        </p:spPr>
-        <p:txBody>
-          <a:bodyPr>
-            <a:normAutofit/>
-          </a:bodyPr>
-          <a:lstStyle/>
-          <a:p>
-            <a:r>
-              <a:rPr lang="ru-RU" b="1" dirty="0"/>
-              <a:t>Выполнил:</a:t>
-            </a:r>
-            <a:endParaRPr lang="ru-RU" dirty="0"/>
-          </a:p>
-          <a:p>
-            <a:r>
-              <a:rPr lang="ru-RU" u="sng" dirty="0"/>
-              <a:t>Стародубцев Максим </a:t>
-            </a:r>
-            <a:r>
-              <a:rPr lang="ru-RU" u="sng" dirty="0" smtClean="0"/>
-              <a:t>Сергеевич</a:t>
-            </a:r>
-            <a:endParaRPr lang="ru-RU" dirty="0"/>
-          </a:p>
-          <a:p>
-            <a:r>
-              <a:rPr lang="ru-RU" u="sng" dirty="0"/>
-              <a:t>Студент 4 курса группы ИСП.20А</a:t>
-            </a:r>
-            <a:endParaRPr lang="ru-RU" dirty="0"/>
-          </a:p>
-          <a:p>
-            <a:endParaRPr lang="ru-RU" dirty="0"/>
-          </a:p>
-        </p:txBody>
-      </p:sp>
-    </p:spTree>
-    <p:extLst>
-      <p:ext uri="{BB962C8B-B14F-4D97-AF65-F5344CB8AC3E}">
-        <p14:creationId xmlns:p14="http://schemas.microsoft.com/office/powerpoint/2010/main" val="2937290106"/>
-      </p:ext>
-    </p:extLst>
-  </p:cSld>
-  <p:clrMapOvr>
-    <a:masterClrMapping/>
-  </p:clrMapOvr>
-</p:sld>
-</file>
-
-<file path=ppt/slides/slide2.xml><?xml version="1.0" encoding="utf-8"?>
-<p:sld xmlns:a="http://schemas.openxmlformats.org/drawingml/2006/main" xmlns:r="http://schemas.openxmlformats.org/officeDocument/2006/relationships" xmlns:p="http://schemas.openxmlformats.org/presentationml/2006/main">
-  <p:cSld>
-    <p:spTree>
-      <p:nvGrpSpPr>
-        <p:cNvPr id="1" name=""/>
-        <p:cNvGrpSpPr/>
-        <p:nvPr/>
-      </p:nvGrpSpPr>
-      <p:grpSpPr>
-        <a:xfrm>
-          <a:off x="0" y="0"/>
-          <a:ext cx="0" cy="0"/>
-          <a:chOff x="0" y="0"/>
-          <a:chExt cx="0" cy="0"/>
-        </a:xfrm>
-      </p:grpSpPr>
-      <p:sp>
-        <p:nvSpPr>
-          <p:cNvPr id="2" name="Заголовок 1"/>
-          <p:cNvSpPr>
-            <a:spLocks noGrp="1"/>
-          </p:cNvSpPr>
-          <p:nvPr>
-            <p:ph type="title"/>
-          </p:nvPr>
-        </p:nvSpPr>
-        <p:spPr/>
-        <p:txBody>
-          <a:bodyPr/>
-          <a:lstStyle/>
-          <a:p>
-            <a:r>
-              <a:rPr lang="ru-RU" dirty="0" smtClean="0">
-                <a:latin typeface="Times New Roman" panose="02020603050405020304" pitchFamily="18" charset="0"/>
-                <a:cs typeface="Times New Roman" panose="02020603050405020304" pitchFamily="18" charset="0"/>
-              </a:rPr>
-              <a:t>Постановка задачи</a:t>
-            </a:r>
-            <a:endParaRPr lang="ru-RU" dirty="0">
-              <a:latin typeface="Times New Roman" panose="02020603050405020304" pitchFamily="18" charset="0"/>
-              <a:cs typeface="Times New Roman" panose="02020603050405020304" pitchFamily="18" charset="0"/>
-            </a:endParaRPr>
-          </a:p>
-        </p:txBody>
-      </p:sp>
-      <p:sp>
-        <p:nvSpPr>
-          <p:cNvPr id="3" name="Объект 2"/>
-          <p:cNvSpPr>
-            <a:spLocks noGrp="1"/>
-          </p:cNvSpPr>
-          <p:nvPr>
-            <p:ph idx="1"/>
-          </p:nvPr>
-        </p:nvSpPr>
-        <p:spPr>
-          <a:xfrm>
-            <a:off x="838199" y="1825625"/>
-            <a:ext cx="10882745" cy="4351338"/>
-          </a:xfrm>
-        </p:spPr>
-        <p:txBody>
-          <a:bodyPr>
-            <a:noAutofit/>
-          </a:bodyPr>
-          <a:lstStyle/>
-          <a:p>
-            <a:r>
-              <a:rPr lang="ru-RU" sz="2400" dirty="0">
-                <a:latin typeface="Times New Roman" panose="02020603050405020304" pitchFamily="18" charset="0"/>
-                <a:cs typeface="Times New Roman" panose="02020603050405020304" pitchFamily="18" charset="0"/>
-              </a:rPr>
-              <a:t>Автоматизированная информационная система «</a:t>
-            </a:r>
-            <a:r>
-              <a:rPr lang="en-US" sz="2400" dirty="0" err="1">
-                <a:latin typeface="Times New Roman" panose="02020603050405020304" pitchFamily="18" charset="0"/>
-                <a:cs typeface="Times New Roman" panose="02020603050405020304" pitchFamily="18" charset="0"/>
-              </a:rPr>
-              <a:t>SalesOfMaterials</a:t>
-            </a:r>
-            <a:r>
-              <a:rPr lang="ru-RU" sz="2400" dirty="0">
-                <a:latin typeface="Times New Roman" panose="02020603050405020304" pitchFamily="18" charset="0"/>
-                <a:cs typeface="Times New Roman" panose="02020603050405020304" pitchFamily="18" charset="0"/>
-              </a:rPr>
-              <a:t>» предназначена для продажи товара со склада для оптовой торговли. Пользователями программы выступают сотрудник, кладовщик и администратор. Продажа товаров к заказчикам осуществляется на основании договоров купли-продажи, в которых оговариваются условия поставки. Акте приема-передачи указываются координаты, где продукция будет передана покупателю, наименование товара, количество, цена и сумму. Товарная накладная предназначена для оформления операций по отпуску и приёму товаров со склада. Данные первичных документов по сбыту товаров, содержащем название документа по разгрузке, его дату и номер, краткую характеристику документа, дату регистрации документа, сведения о проданных товаров. </a:t>
-            </a:r>
-          </a:p>
-        </p:txBody>
-      </p:sp>
-    </p:spTree>
-    <p:extLst>
-      <p:ext uri="{BB962C8B-B14F-4D97-AF65-F5344CB8AC3E}">
-        <p14:creationId xmlns:p14="http://schemas.microsoft.com/office/powerpoint/2010/main" val="3866756729"/>
-      </p:ext>
-    </p:extLst>
-  </p:cSld>
-  <p:clrMapOvr>
-    <a:masterClrMapping/>
-  </p:clrMapOvr>
-</p:sld>
-</file>
-
-<file path=ppt/slides/slide3.xml><?xml version="1.0" encoding="utf-8"?>
-<p:sld xmlns:a="http://schemas.openxmlformats.org/drawingml/2006/main" xmlns:r="http://schemas.openxmlformats.org/officeDocument/2006/relationships" xmlns:p="http://schemas.openxmlformats.org/presentationml/2006/main">
-  <p:cSld>
-    <p:spTree>
-      <p:nvGrpSpPr>
-        <p:cNvPr id="1" name=""/>
-        <p:cNvGrpSpPr/>
-        <p:nvPr/>
-      </p:nvGrpSpPr>
-      <p:grpSpPr>
-        <a:xfrm>
-          <a:off x="0" y="0"/>
-          <a:ext cx="0" cy="0"/>
-          <a:chOff x="0" y="0"/>
-          <a:chExt cx="0" cy="0"/>
-        </a:xfrm>
-      </p:grpSpPr>
-      <p:sp>
-        <p:nvSpPr>
-          <p:cNvPr id="2" name="Заголовок 1"/>
-          <p:cNvSpPr>
-            <a:spLocks noGrp="1"/>
-          </p:cNvSpPr>
-          <p:nvPr>
-            <p:ph type="title"/>
-          </p:nvPr>
-        </p:nvSpPr>
-        <p:spPr/>
-        <p:txBody>
-          <a:bodyPr/>
-          <a:lstStyle/>
-          <a:p>
-            <a:r>
-              <a:rPr lang="ru-RU" dirty="0" smtClean="0">
-                <a:latin typeface="Times New Roman" panose="02020603050405020304" pitchFamily="18" charset="0"/>
-                <a:cs typeface="Times New Roman" panose="02020603050405020304" pitchFamily="18" charset="0"/>
-              </a:rPr>
-              <a:t>Проектирование</a:t>
-            </a:r>
-            <a:endParaRPr lang="ru-RU" dirty="0">
-              <a:latin typeface="Times New Roman" panose="02020603050405020304" pitchFamily="18" charset="0"/>
-              <a:cs typeface="Times New Roman" panose="02020603050405020304" pitchFamily="18" charset="0"/>
-            </a:endParaRPr>
-          </a:p>
-        </p:txBody>
-      </p:sp>
-      <p:pic>
-        <p:nvPicPr>
-          <p:cNvPr id="10" name="Объект 9"/>
-          <p:cNvPicPr>
-            <a:picLocks noGrp="1"/>
-          </p:cNvPicPr>
-          <p:nvPr>
-            <p:ph idx="1"/>
-          </p:nvPr>
-        </p:nvPicPr>
-        <p:blipFill>
-          <a:blip r:embed="rId2"/>
-          <a:stretch>
-            <a:fillRect/>
-          </a:stretch>
-        </p:blipFill>
-        <p:spPr>
-          <a:xfrm>
-            <a:off x="365760" y="1690688"/>
-            <a:ext cx="5730240" cy="3513079"/>
-          </a:xfrm>
-          <a:prstGeom prst="rect">
-            <a:avLst/>
-          </a:prstGeom>
-        </p:spPr>
-      </p:pic>
-      <p:sp>
-        <p:nvSpPr>
-          <p:cNvPr id="11" name="Прямоугольник 10"/>
-          <p:cNvSpPr/>
-          <p:nvPr/>
-        </p:nvSpPr>
-        <p:spPr>
-          <a:xfrm>
-            <a:off x="1991983" y="5322516"/>
-            <a:ext cx="2477794" cy="369332"/>
-          </a:xfrm>
-          <a:prstGeom prst="rect">
-            <a:avLst/>
-          </a:prstGeom>
-        </p:spPr>
-        <p:txBody>
-          <a:bodyPr wrap="none">
-            <a:spAutoFit/>
-          </a:bodyPr>
-          <a:lstStyle/>
-          <a:p>
-            <a:r>
-              <a:rPr lang="ru-RU" dirty="0">
-                <a:latin typeface="Times New Roman" panose="02020603050405020304" pitchFamily="18" charset="0"/>
-                <a:ea typeface="Calibri" panose="020F0502020204030204" pitchFamily="34" charset="0"/>
-              </a:rPr>
-              <a:t>Процесс декомпозиции</a:t>
-            </a:r>
-            <a:endParaRPr lang="ru-RU" dirty="0"/>
-          </a:p>
-        </p:txBody>
-      </p:sp>
-      <p:pic>
-        <p:nvPicPr>
-          <p:cNvPr id="12" name="Рисунок 11"/>
-          <p:cNvPicPr/>
-          <p:nvPr/>
-        </p:nvPicPr>
-        <p:blipFill>
-          <a:blip r:embed="rId3"/>
-          <a:stretch>
-            <a:fillRect/>
-          </a:stretch>
-        </p:blipFill>
-        <p:spPr>
-          <a:xfrm>
-            <a:off x="6230620" y="1690688"/>
-            <a:ext cx="5595620" cy="3513079"/>
-          </a:xfrm>
-          <a:prstGeom prst="rect">
-            <a:avLst/>
-          </a:prstGeom>
-        </p:spPr>
-      </p:pic>
-      <p:sp>
-        <p:nvSpPr>
-          <p:cNvPr id="13" name="Прямоугольник 12"/>
-          <p:cNvSpPr/>
-          <p:nvPr/>
-        </p:nvSpPr>
-        <p:spPr>
-          <a:xfrm>
-            <a:off x="7947236" y="5322516"/>
-            <a:ext cx="2162387" cy="369332"/>
-          </a:xfrm>
-          <a:prstGeom prst="rect">
-            <a:avLst/>
-          </a:prstGeom>
-        </p:spPr>
-        <p:txBody>
-          <a:bodyPr wrap="none">
-            <a:spAutoFit/>
-          </a:bodyPr>
-          <a:lstStyle/>
-          <a:p>
-            <a:r>
-              <a:rPr lang="ru-RU" dirty="0">
-                <a:latin typeface="Times New Roman" panose="02020603050405020304" pitchFamily="18" charset="0"/>
-                <a:ea typeface="Calibri" panose="020F0502020204030204" pitchFamily="34" charset="0"/>
-              </a:rPr>
-              <a:t>Технология </a:t>
-            </a:r>
-            <a:r>
-              <a:rPr lang="en-US" dirty="0">
-                <a:latin typeface="Times New Roman" panose="02020603050405020304" pitchFamily="18" charset="0"/>
-                <a:ea typeface="Calibri" panose="020F0502020204030204" pitchFamily="34" charset="0"/>
-              </a:rPr>
-              <a:t>IDEF</a:t>
-            </a:r>
-            <a:r>
-              <a:rPr lang="ru-RU" dirty="0">
-                <a:latin typeface="Times New Roman" panose="02020603050405020304" pitchFamily="18" charset="0"/>
-                <a:ea typeface="Calibri" panose="020F0502020204030204" pitchFamily="34" charset="0"/>
-              </a:rPr>
-              <a:t>(3)</a:t>
-            </a:r>
-            <a:endParaRPr lang="ru-RU" dirty="0"/>
-          </a:p>
-        </p:txBody>
-      </p:sp>
-    </p:spTree>
-    <p:extLst>
-      <p:ext uri="{BB962C8B-B14F-4D97-AF65-F5344CB8AC3E}">
-        <p14:creationId xmlns:p14="http://schemas.microsoft.com/office/powerpoint/2010/main" val="3855955168"/>
-      </p:ext>
-    </p:extLst>
-  </p:cSld>
-  <p:clrMapOvr>
-    <a:masterClrMapping/>
-  </p:clrMapOvr>
-</p:sld>
-</file>
-
-<file path=ppt/slides/slide4.xml><?xml version="1.0" encoding="utf-8"?>
-<p:sld xmlns:a="http://schemas.openxmlformats.org/drawingml/2006/main" xmlns:r="http://schemas.openxmlformats.org/officeDocument/2006/relationships" xmlns:p="http://schemas.openxmlformats.org/presentationml/2006/main">
-  <p:cSld>
-    <p:spTree>
-      <p:nvGrpSpPr>
-        <p:cNvPr id="1" name=""/>
-        <p:cNvGrpSpPr/>
-        <p:nvPr/>
-      </p:nvGrpSpPr>
-      <p:grpSpPr>
-        <a:xfrm>
-          <a:off x="0" y="0"/>
-          <a:ext cx="0" cy="0"/>
-          <a:chOff x="0" y="0"/>
-          <a:chExt cx="0" cy="0"/>
-        </a:xfrm>
-      </p:grpSpPr>
-      <p:sp>
-        <p:nvSpPr>
-          <p:cNvPr id="2" name="Заголовок 1"/>
-          <p:cNvSpPr>
-            <a:spLocks noGrp="1"/>
-          </p:cNvSpPr>
-          <p:nvPr>
-            <p:ph type="title"/>
-          </p:nvPr>
-        </p:nvSpPr>
-        <p:spPr/>
-        <p:txBody>
-          <a:bodyPr/>
-          <a:lstStyle/>
-          <a:p>
-            <a:r>
-              <a:rPr lang="ru-RU" dirty="0" smtClean="0">
-                <a:latin typeface="Times New Roman" panose="02020603050405020304" pitchFamily="18" charset="0"/>
-                <a:cs typeface="Times New Roman" panose="02020603050405020304" pitchFamily="18" charset="0"/>
-              </a:rPr>
-              <a:t>Проектирование</a:t>
-            </a:r>
-            <a:endParaRPr lang="ru-RU" dirty="0">
-              <a:latin typeface="Times New Roman" panose="02020603050405020304" pitchFamily="18" charset="0"/>
-              <a:cs typeface="Times New Roman" panose="02020603050405020304" pitchFamily="18" charset="0"/>
-            </a:endParaRPr>
-          </a:p>
-        </p:txBody>
-      </p:sp>
-      <p:pic>
-        <p:nvPicPr>
-          <p:cNvPr id="5" name="Объект 4"/>
-          <p:cNvPicPr>
-            <a:picLocks noGrp="1"/>
-          </p:cNvPicPr>
-          <p:nvPr>
-            <p:ph idx="1"/>
-          </p:nvPr>
-        </p:nvPicPr>
-        <p:blipFill>
-          <a:blip r:embed="rId2"/>
-          <a:stretch>
-            <a:fillRect/>
-          </a:stretch>
-        </p:blipFill>
-        <p:spPr>
-          <a:xfrm>
-            <a:off x="2816629" y="1690688"/>
-            <a:ext cx="6316126" cy="4351338"/>
-          </a:xfrm>
-          <a:prstGeom prst="rect">
-            <a:avLst/>
-          </a:prstGeom>
-        </p:spPr>
-      </p:pic>
-      <p:sp>
-        <p:nvSpPr>
-          <p:cNvPr id="6" name="Прямоугольник 5"/>
-          <p:cNvSpPr/>
-          <p:nvPr/>
-        </p:nvSpPr>
-        <p:spPr>
-          <a:xfrm>
-            <a:off x="5030644" y="6042026"/>
-            <a:ext cx="2130711" cy="369332"/>
-          </a:xfrm>
-          <a:prstGeom prst="rect">
-            <a:avLst/>
-          </a:prstGeom>
-        </p:spPr>
-        <p:txBody>
-          <a:bodyPr wrap="none">
-            <a:spAutoFit/>
-          </a:bodyPr>
-          <a:lstStyle/>
-          <a:p>
-            <a:r>
-              <a:rPr lang="ru-RU" dirty="0">
-                <a:latin typeface="Times New Roman" panose="02020603050405020304" pitchFamily="18" charset="0"/>
-                <a:ea typeface="Calibri" panose="020F0502020204030204" pitchFamily="34" charset="0"/>
-              </a:rPr>
-              <a:t>Хранилище данных</a:t>
-            </a:r>
-            <a:endParaRPr lang="ru-RU" dirty="0"/>
-          </a:p>
-        </p:txBody>
-      </p:sp>
-    </p:spTree>
-    <p:extLst>
-      <p:ext uri="{BB962C8B-B14F-4D97-AF65-F5344CB8AC3E}">
-        <p14:creationId xmlns:p14="http://schemas.microsoft.com/office/powerpoint/2010/main" val="4065303022"/>
-      </p:ext>
-    </p:extLst>
-  </p:cSld>
-  <p:clrMapOvr>
-    <a:masterClrMapping/>
-  </p:clrMapOvr>
-</p:sld>
-</file>
-
-<file path=ppt/slides/slide5.xml><?xml version="1.0" encoding="utf-8"?>
-<p:sld xmlns:a="http://schemas.openxmlformats.org/drawingml/2006/main" xmlns:r="http://schemas.openxmlformats.org/officeDocument/2006/relationships" xmlns:p="http://schemas.openxmlformats.org/presentationml/2006/main">
-  <p:cSld>
-    <p:spTree>
-      <p:nvGrpSpPr>
-        <p:cNvPr id="1" name=""/>
-        <p:cNvGrpSpPr/>
-        <p:nvPr/>
-      </p:nvGrpSpPr>
-      <p:grpSpPr>
-        <a:xfrm>
-          <a:off x="0" y="0"/>
-          <a:ext cx="0" cy="0"/>
-          <a:chOff x="0" y="0"/>
-          <a:chExt cx="0" cy="0"/>
-        </a:xfrm>
-      </p:grpSpPr>
-      <p:sp>
-        <p:nvSpPr>
-          <p:cNvPr id="2" name="Заголовок 1"/>
-          <p:cNvSpPr>
-            <a:spLocks noGrp="1"/>
-          </p:cNvSpPr>
-          <p:nvPr>
-            <p:ph type="title"/>
-          </p:nvPr>
-        </p:nvSpPr>
-        <p:spPr/>
-        <p:txBody>
-          <a:bodyPr/>
-          <a:lstStyle/>
-          <a:p>
-            <a:r>
-              <a:rPr lang="ru-RU" dirty="0" smtClean="0">
-                <a:latin typeface="Times New Roman" panose="02020603050405020304" pitchFamily="18" charset="0"/>
-                <a:cs typeface="Times New Roman" panose="02020603050405020304" pitchFamily="18" charset="0"/>
-              </a:rPr>
-              <a:t>Разработка</a:t>
-            </a:r>
-            <a:endParaRPr lang="ru-RU" dirty="0">
-              <a:latin typeface="Times New Roman" panose="02020603050405020304" pitchFamily="18" charset="0"/>
-              <a:cs typeface="Times New Roman" panose="02020603050405020304" pitchFamily="18" charset="0"/>
-            </a:endParaRPr>
-          </a:p>
-        </p:txBody>
-      </p:sp>
-      <p:sp>
-        <p:nvSpPr>
-          <p:cNvPr id="3" name="Объект 2"/>
-          <p:cNvSpPr>
-            <a:spLocks noGrp="1"/>
-          </p:cNvSpPr>
-          <p:nvPr>
-            <p:ph idx="1"/>
-          </p:nvPr>
-        </p:nvSpPr>
-        <p:spPr/>
-        <p:txBody>
-          <a:bodyPr/>
-          <a:lstStyle/>
-          <a:p>
-            <a:pPr marL="0" indent="0">
-              <a:buNone/>
-            </a:pPr>
-            <a:r>
-              <a:rPr lang="ru-RU" dirty="0">
-                <a:latin typeface="Times New Roman" panose="02020603050405020304" pitchFamily="18" charset="0"/>
-                <a:cs typeface="Times New Roman" panose="02020603050405020304" pitchFamily="18" charset="0"/>
-              </a:rPr>
-              <a:t>В качестве среды разработки </a:t>
-            </a:r>
-            <a:r>
-              <a:rPr lang="ru-RU" dirty="0" smtClean="0">
-                <a:latin typeface="Times New Roman" panose="02020603050405020304" pitchFamily="18" charset="0"/>
-                <a:cs typeface="Times New Roman" panose="02020603050405020304" pitchFamily="18" charset="0"/>
-              </a:rPr>
-              <a:t>выбран</a:t>
-            </a:r>
-            <a:r>
-              <a:rPr lang="en-US" dirty="0" smtClean="0">
-                <a:latin typeface="Times New Roman" panose="02020603050405020304" pitchFamily="18" charset="0"/>
-                <a:cs typeface="Times New Roman" panose="02020603050405020304" pitchFamily="18" charset="0"/>
-              </a:rPr>
-              <a:t>:</a:t>
-            </a:r>
-            <a:endParaRPr lang="ru-RU" dirty="0" smtClean="0">
-              <a:latin typeface="Times New Roman" panose="02020603050405020304" pitchFamily="18" charset="0"/>
-              <a:cs typeface="Times New Roman" panose="02020603050405020304" pitchFamily="18" charset="0"/>
-            </a:endParaRPr>
-          </a:p>
-          <a:p>
-            <a:r>
-              <a:rPr lang="ru-RU" dirty="0" err="1" smtClean="0">
-                <a:latin typeface="Times New Roman" panose="02020603050405020304" pitchFamily="18" charset="0"/>
-                <a:cs typeface="Times New Roman" panose="02020603050405020304" pitchFamily="18" charset="0"/>
-              </a:rPr>
-              <a:t>Visual</a:t>
-            </a:r>
-            <a:r>
-              <a:rPr lang="ru-RU" dirty="0" smtClean="0">
-                <a:latin typeface="Times New Roman" panose="02020603050405020304" pitchFamily="18" charset="0"/>
-                <a:cs typeface="Times New Roman" panose="02020603050405020304" pitchFamily="18" charset="0"/>
-              </a:rPr>
-              <a:t> </a:t>
-            </a:r>
-            <a:r>
-              <a:rPr lang="ru-RU" dirty="0" err="1" smtClean="0">
-                <a:latin typeface="Times New Roman" panose="02020603050405020304" pitchFamily="18" charset="0"/>
-                <a:cs typeface="Times New Roman" panose="02020603050405020304" pitchFamily="18" charset="0"/>
-              </a:rPr>
-              <a:t>Studio</a:t>
-            </a:r>
-            <a:r>
-              <a:rPr lang="ru-RU" dirty="0" smtClean="0">
-                <a:latin typeface="Times New Roman" panose="02020603050405020304" pitchFamily="18" charset="0"/>
-                <a:cs typeface="Times New Roman" panose="02020603050405020304" pitchFamily="18" charset="0"/>
-              </a:rPr>
-              <a:t> 2022</a:t>
-            </a:r>
-            <a:endParaRPr lang="en-US" dirty="0" smtClean="0">
-              <a:latin typeface="Times New Roman" panose="02020603050405020304" pitchFamily="18" charset="0"/>
-              <a:cs typeface="Times New Roman" panose="02020603050405020304" pitchFamily="18" charset="0"/>
-            </a:endParaRPr>
-          </a:p>
-          <a:p>
-            <a:r>
-              <a:rPr lang="ru-RU" dirty="0" err="1" smtClean="0">
-                <a:latin typeface="Times New Roman" panose="02020603050405020304" pitchFamily="18" charset="0"/>
-                <a:cs typeface="Times New Roman" panose="02020603050405020304" pitchFamily="18" charset="0"/>
-              </a:rPr>
-              <a:t>Microsoft</a:t>
-            </a:r>
-            <a:r>
-              <a:rPr lang="ru-RU" dirty="0" smtClean="0">
-                <a:latin typeface="Times New Roman" panose="02020603050405020304" pitchFamily="18" charset="0"/>
-                <a:cs typeface="Times New Roman" panose="02020603050405020304" pitchFamily="18" charset="0"/>
-              </a:rPr>
-              <a:t> SQL </a:t>
-            </a:r>
-            <a:r>
-              <a:rPr lang="ru-RU" dirty="0" err="1" smtClean="0">
-                <a:latin typeface="Times New Roman" panose="02020603050405020304" pitchFamily="18" charset="0"/>
-                <a:cs typeface="Times New Roman" panose="02020603050405020304" pitchFamily="18" charset="0"/>
-              </a:rPr>
-              <a:t>Server</a:t>
-            </a:r>
-            <a:r>
-              <a:rPr lang="ru-RU" dirty="0" smtClean="0">
-                <a:latin typeface="Times New Roman" panose="02020603050405020304" pitchFamily="18" charset="0"/>
-                <a:cs typeface="Times New Roman" panose="02020603050405020304" pitchFamily="18" charset="0"/>
-              </a:rPr>
-              <a:t> 20</a:t>
-            </a:r>
-            <a:r>
-              <a:rPr lang="en-US" dirty="0" smtClean="0">
-                <a:latin typeface="Times New Roman" panose="02020603050405020304" pitchFamily="18" charset="0"/>
-                <a:cs typeface="Times New Roman" panose="02020603050405020304" pitchFamily="18" charset="0"/>
-              </a:rPr>
-              <a:t>18</a:t>
-            </a:r>
-            <a:endParaRPr lang="ru-RU" dirty="0" smtClean="0">
-              <a:latin typeface="Times New Roman" panose="02020603050405020304" pitchFamily="18" charset="0"/>
-              <a:cs typeface="Times New Roman" panose="02020603050405020304" pitchFamily="18" charset="0"/>
-            </a:endParaRPr>
-          </a:p>
-          <a:p>
-            <a:endParaRPr lang="ru-RU" dirty="0"/>
-          </a:p>
-        </p:txBody>
-      </p:sp>
-    </p:spTree>
-    <p:extLst>
-      <p:ext uri="{BB962C8B-B14F-4D97-AF65-F5344CB8AC3E}">
-        <p14:creationId xmlns:p14="http://schemas.microsoft.com/office/powerpoint/2010/main" val="4128202909"/>
-      </p:ext>
-    </p:extLst>
-  </p:cSld>
-  <p:clrMapOvr>
-    <a:masterClrMapping/>
-  </p:clrMapOvr>
-</p:sld>
-</file>
-
-<file path=ppt/slides/slide6.xml><?xml version="1.0" encoding="utf-8"?>
-<p:sld xmlns:a="http://schemas.openxmlformats.org/drawingml/2006/main" xmlns:r="http://schemas.openxmlformats.org/officeDocument/2006/relationships" xmlns:p="http://schemas.openxmlformats.org/presentationml/2006/main">
-  <p:cSld>
-    <p:spTree>
-      <p:nvGrpSpPr>
-        <p:cNvPr id="1" name=""/>
-        <p:cNvGrpSpPr/>
-        <p:nvPr/>
-      </p:nvGrpSpPr>
-      <p:grpSpPr>
-        <a:xfrm>
-          <a:off x="0" y="0"/>
-          <a:ext cx="0" cy="0"/>
-          <a:chOff x="0" y="0"/>
-          <a:chExt cx="0" cy="0"/>
-        </a:xfrm>
-      </p:grpSpPr>
-      <p:sp>
-        <p:nvSpPr>
-          <p:cNvPr id="2" name="Заголовок 1"/>
-          <p:cNvSpPr>
-            <a:spLocks noGrp="1"/>
-          </p:cNvSpPr>
-          <p:nvPr>
-            <p:ph type="title"/>
-          </p:nvPr>
-        </p:nvSpPr>
-        <p:spPr/>
-        <p:txBody>
-          <a:bodyPr/>
-          <a:lstStyle/>
-          <a:p>
-            <a:r>
-              <a:rPr lang="ru-RU" dirty="0" smtClean="0">
-                <a:latin typeface="Times New Roman" panose="02020603050405020304" pitchFamily="18" charset="0"/>
-                <a:cs typeface="Times New Roman" panose="02020603050405020304" pitchFamily="18" charset="0"/>
-              </a:rPr>
-              <a:t>Тестирование</a:t>
-            </a:r>
-            <a:endParaRPr lang="ru-RU" dirty="0">
-              <a:latin typeface="Times New Roman" panose="02020603050405020304" pitchFamily="18" charset="0"/>
-              <a:cs typeface="Times New Roman" panose="02020603050405020304" pitchFamily="18" charset="0"/>
-            </a:endParaRPr>
-          </a:p>
-        </p:txBody>
-      </p:sp>
-      <p:sp>
-        <p:nvSpPr>
-          <p:cNvPr id="3" name="Объект 2"/>
-          <p:cNvSpPr>
-            <a:spLocks noGrp="1"/>
-          </p:cNvSpPr>
-          <p:nvPr>
-            <p:ph idx="1"/>
-          </p:nvPr>
-        </p:nvSpPr>
-        <p:spPr>
-          <a:xfrm>
-            <a:off x="838199" y="1825625"/>
-            <a:ext cx="11148753" cy="1250084"/>
-          </a:xfrm>
-        </p:spPr>
-        <p:txBody>
-          <a:bodyPr/>
-          <a:lstStyle/>
-          <a:p>
-            <a:r>
-              <a:rPr lang="ru-RU" sz="2400" dirty="0">
-                <a:latin typeface="Times New Roman" panose="02020603050405020304" pitchFamily="18" charset="0"/>
-                <a:cs typeface="Times New Roman" panose="02020603050405020304" pitchFamily="18" charset="0"/>
-              </a:rPr>
-              <a:t>Тестирование – процесс исследования и контроль качества, который состоит из планирования, проектирования, собственно проверки и анализа ее результатов</a:t>
-            </a:r>
-            <a:r>
-              <a:rPr lang="ru-RU" sz="2400" dirty="0" smtClean="0">
-                <a:latin typeface="Times New Roman" panose="02020603050405020304" pitchFamily="18" charset="0"/>
-                <a:cs typeface="Times New Roman" panose="02020603050405020304" pitchFamily="18" charset="0"/>
-              </a:rPr>
-              <a:t>.</a:t>
-            </a:r>
-          </a:p>
-          <a:p>
-            <a:endParaRPr lang="ru-RU" dirty="0"/>
-          </a:p>
-        </p:txBody>
-      </p:sp>
-      <p:pic>
-        <p:nvPicPr>
-          <p:cNvPr id="6" name="Рисунок 5"/>
-          <p:cNvPicPr/>
-          <p:nvPr/>
-        </p:nvPicPr>
-        <p:blipFill>
-          <a:blip r:embed="rId2"/>
-          <a:stretch>
-            <a:fillRect/>
-          </a:stretch>
-        </p:blipFill>
-        <p:spPr>
-          <a:xfrm>
-            <a:off x="491835" y="3429000"/>
-            <a:ext cx="5604165" cy="2024149"/>
-          </a:xfrm>
-          <a:prstGeom prst="rect">
-            <a:avLst/>
-          </a:prstGeom>
-        </p:spPr>
-      </p:pic>
-      <p:pic>
-        <p:nvPicPr>
-          <p:cNvPr id="7" name="Рисунок 6"/>
-          <p:cNvPicPr/>
-          <p:nvPr/>
-        </p:nvPicPr>
-        <p:blipFill>
-          <a:blip r:embed="rId3"/>
-          <a:stretch>
-            <a:fillRect/>
-          </a:stretch>
-        </p:blipFill>
-        <p:spPr>
-          <a:xfrm>
-            <a:off x="6544599" y="4141036"/>
-            <a:ext cx="5125085" cy="600075"/>
-          </a:xfrm>
-          <a:prstGeom prst="rect">
-            <a:avLst/>
-          </a:prstGeom>
-        </p:spPr>
-      </p:pic>
-    </p:spTree>
-    <p:extLst>
-      <p:ext uri="{BB962C8B-B14F-4D97-AF65-F5344CB8AC3E}">
-        <p14:creationId xmlns:p14="http://schemas.microsoft.com/office/powerpoint/2010/main" val="1284108603"/>
-      </p:ext>
-    </p:extLst>
-  </p:cSld>
-  <p:clrMapOvr>
-    <a:masterClrMapping/>
-  </p:clrMapOvr>
-</p:sld>
-</file>
-
-<file path=ppt/slides/slide7.xml><?xml version="1.0" encoding="utf-8"?>
-<p:sld xmlns:a="http://schemas.openxmlformats.org/drawingml/2006/main" xmlns:r="http://schemas.openxmlformats.org/officeDocument/2006/relationships" xmlns:p="http://schemas.openxmlformats.org/presentationml/2006/main">
-  <p:cSld>
-    <p:spTree>
-      <p:nvGrpSpPr>
-        <p:cNvPr id="1" name=""/>
-        <p:cNvGrpSpPr/>
-        <p:nvPr/>
-      </p:nvGrpSpPr>
-      <p:grpSpPr>
-        <a:xfrm>
-          <a:off x="0" y="0"/>
-          <a:ext cx="0" cy="0"/>
-          <a:chOff x="0" y="0"/>
-          <a:chExt cx="0" cy="0"/>
-        </a:xfrm>
-      </p:grpSpPr>
-      <p:sp>
-        <p:nvSpPr>
-          <p:cNvPr id="2" name="Заголовок 1"/>
-          <p:cNvSpPr>
-            <a:spLocks noGrp="1"/>
-          </p:cNvSpPr>
-          <p:nvPr>
-            <p:ph type="title"/>
-          </p:nvPr>
-        </p:nvSpPr>
-        <p:spPr/>
-        <p:txBody>
-          <a:bodyPr/>
-          <a:lstStyle/>
-          <a:p>
-            <a:r>
-              <a:rPr lang="ru-RU" dirty="0" smtClean="0">
-                <a:latin typeface="Times New Roman" panose="02020603050405020304" pitchFamily="18" charset="0"/>
-                <a:cs typeface="Times New Roman" panose="02020603050405020304" pitchFamily="18" charset="0"/>
-              </a:rPr>
-              <a:t>Тестирование</a:t>
-            </a:r>
-            <a:endParaRPr lang="ru-RU" dirty="0"/>
-          </a:p>
-        </p:txBody>
-      </p:sp>
-      <p:pic>
-        <p:nvPicPr>
-          <p:cNvPr id="4" name="Объект 3"/>
-          <p:cNvPicPr>
-            <a:picLocks noGrp="1"/>
-          </p:cNvPicPr>
-          <p:nvPr>
-            <p:ph idx="1"/>
-          </p:nvPr>
-        </p:nvPicPr>
-        <p:blipFill>
-          <a:blip r:embed="rId2"/>
-          <a:stretch>
-            <a:fillRect/>
-          </a:stretch>
-        </p:blipFill>
-        <p:spPr>
-          <a:xfrm>
-            <a:off x="221211" y="2120091"/>
-            <a:ext cx="5542280" cy="2135337"/>
-          </a:xfrm>
-          <a:prstGeom prst="rect">
-            <a:avLst/>
-          </a:prstGeom>
-        </p:spPr>
-      </p:pic>
-      <p:pic>
-        <p:nvPicPr>
-          <p:cNvPr id="5" name="Рисунок 4"/>
-          <p:cNvPicPr/>
-          <p:nvPr/>
-        </p:nvPicPr>
-        <p:blipFill>
-          <a:blip r:embed="rId3"/>
-          <a:stretch>
-            <a:fillRect/>
-          </a:stretch>
-        </p:blipFill>
-        <p:spPr>
-          <a:xfrm>
-            <a:off x="221211" y="4684831"/>
-            <a:ext cx="5344160" cy="809625"/>
-          </a:xfrm>
-          <a:prstGeom prst="rect">
-            <a:avLst/>
-          </a:prstGeom>
-        </p:spPr>
-      </p:pic>
-      <p:graphicFrame>
-        <p:nvGraphicFramePr>
-          <p:cNvPr id="6" name="Таблица 5"/>
-          <p:cNvGraphicFramePr>
-            <a:graphicFrameLocks noGrp="1"/>
-          </p:cNvGraphicFramePr>
-          <p:nvPr>
-            <p:extLst>
-              <p:ext uri="{D42A27DB-BD31-4B8C-83A1-F6EECF244321}">
-                <p14:modId xmlns:p14="http://schemas.microsoft.com/office/powerpoint/2010/main" val="3449721773"/>
-              </p:ext>
-            </p:extLst>
-          </p:nvPr>
-        </p:nvGraphicFramePr>
-        <p:xfrm>
-          <a:off x="6448473" y="1690688"/>
-          <a:ext cx="4905327" cy="5263234"/>
-        </p:xfrm>
-        <a:graphic>
-          <a:graphicData uri="http://schemas.openxmlformats.org/drawingml/2006/table">
-            <a:tbl>
-              <a:tblPr>
-                <a:tableStyleId>{5C22544A-7EE6-4342-B048-85BDC9FD1C3A}</a:tableStyleId>
-              </a:tblPr>
-              <a:tblGrid>
-                <a:gridCol w="1681054">
-                  <a:extLst>
-                    <a:ext uri="{9D8B030D-6E8A-4147-A177-3AD203B41FA5}">
-                      <a16:colId xmlns:a16="http://schemas.microsoft.com/office/drawing/2014/main" val="4254779627"/>
-                    </a:ext>
-                  </a:extLst>
-                </a:gridCol>
-                <a:gridCol w="3224273">
-                  <a:extLst>
-                    <a:ext uri="{9D8B030D-6E8A-4147-A177-3AD203B41FA5}">
-                      <a16:colId xmlns:a16="http://schemas.microsoft.com/office/drawing/2014/main" val="2649389331"/>
-                    </a:ext>
-                  </a:extLst>
-                </a:gridCol>
-              </a:tblGrid>
-              <a:tr h="229018">
-                <a:tc>
-                  <a:txBody>
-                    <a:bodyPr/>
-                    <a:lstStyle/>
-                    <a:p>
-                      <a:pPr indent="48260" algn="ctr">
-                        <a:lnSpc>
-                          <a:spcPct val="150000"/>
-                        </a:lnSpc>
-                        <a:spcAft>
-                          <a:spcPts val="0"/>
-                        </a:spcAft>
-                      </a:pPr>
-                      <a:r>
-                        <a:rPr lang="ru-RU" sz="1000">
-                          <a:effectLst/>
-                        </a:rPr>
-                        <a:t>Поле</a:t>
-                      </a:r>
-                      <a:endParaRPr lang="ru-RU" sz="1200">
-                        <a:effectLst/>
-                        <a:latin typeface="Times New Roman" panose="02020603050405020304" pitchFamily="18" charset="0"/>
-                        <a:ea typeface="Calibri" panose="020F0502020204030204" pitchFamily="34" charset="0"/>
-                        <a:cs typeface="Times New Roman" panose="02020603050405020304" pitchFamily="18" charset="0"/>
-                      </a:endParaRPr>
-                    </a:p>
-                  </a:txBody>
-                  <a:tcPr marL="57254" marR="57254" marT="0" marB="0"/>
-                </a:tc>
-                <a:tc>
-                  <a:txBody>
-                    <a:bodyPr/>
-                    <a:lstStyle/>
-                    <a:p>
-                      <a:pPr indent="450215" algn="ctr">
-                        <a:lnSpc>
-                          <a:spcPct val="150000"/>
-                        </a:lnSpc>
-                        <a:spcAft>
-                          <a:spcPts val="0"/>
-                        </a:spcAft>
-                      </a:pPr>
-                      <a:r>
-                        <a:rPr lang="ru-RU" sz="1000">
-                          <a:effectLst/>
-                        </a:rPr>
-                        <a:t>Описание</a:t>
-                      </a:r>
-                      <a:endParaRPr lang="ru-RU" sz="1200">
-                        <a:effectLst/>
-                        <a:latin typeface="Times New Roman" panose="02020603050405020304" pitchFamily="18" charset="0"/>
-                        <a:ea typeface="Calibri" panose="020F0502020204030204" pitchFamily="34" charset="0"/>
-                        <a:cs typeface="Times New Roman" panose="02020603050405020304" pitchFamily="18" charset="0"/>
-                      </a:endParaRPr>
-                    </a:p>
-                  </a:txBody>
-                  <a:tcPr marL="57254" marR="57254" marT="0" marB="0"/>
-                </a:tc>
-                <a:extLst>
-                  <a:ext uri="{0D108BD9-81ED-4DB2-BD59-A6C34878D82A}">
-                    <a16:rowId xmlns:a16="http://schemas.microsoft.com/office/drawing/2014/main" val="2211678112"/>
-                  </a:ext>
-                </a:extLst>
-              </a:tr>
-              <a:tr h="229018">
-                <a:tc>
-                  <a:txBody>
-                    <a:bodyPr/>
-                    <a:lstStyle/>
-                    <a:p>
-                      <a:pPr indent="48260" algn="just">
-                        <a:lnSpc>
-                          <a:spcPct val="150000"/>
-                        </a:lnSpc>
-                        <a:spcAft>
-                          <a:spcPts val="0"/>
-                        </a:spcAft>
-                      </a:pPr>
-                      <a:r>
-                        <a:rPr lang="ru-RU" sz="1000">
-                          <a:effectLst/>
-                        </a:rPr>
-                        <a:t>Тестовый пример #</a:t>
-                      </a:r>
-                      <a:endParaRPr lang="ru-RU" sz="1200">
-                        <a:effectLst/>
-                        <a:latin typeface="Times New Roman" panose="02020603050405020304" pitchFamily="18" charset="0"/>
-                        <a:ea typeface="Calibri" panose="020F0502020204030204" pitchFamily="34" charset="0"/>
-                        <a:cs typeface="Times New Roman" panose="02020603050405020304" pitchFamily="18" charset="0"/>
-                      </a:endParaRPr>
-                    </a:p>
-                  </a:txBody>
-                  <a:tcPr marL="57254" marR="57254" marT="0" marB="0"/>
-                </a:tc>
-                <a:tc>
-                  <a:txBody>
-                    <a:bodyPr/>
-                    <a:lstStyle/>
-                    <a:p>
-                      <a:pPr indent="450215" algn="l">
-                        <a:lnSpc>
-                          <a:spcPct val="150000"/>
-                        </a:lnSpc>
-                        <a:spcAft>
-                          <a:spcPts val="0"/>
-                        </a:spcAft>
-                      </a:pPr>
-                      <a:r>
-                        <a:rPr lang="en-US" sz="1000">
-                          <a:effectLst/>
-                        </a:rPr>
-                        <a:t>Test2</a:t>
-                      </a:r>
-                      <a:endParaRPr lang="ru-RU" sz="1200">
-                        <a:effectLst/>
-                        <a:latin typeface="Times New Roman" panose="02020603050405020304" pitchFamily="18" charset="0"/>
-                        <a:ea typeface="Calibri" panose="020F0502020204030204" pitchFamily="34" charset="0"/>
-                        <a:cs typeface="Times New Roman" panose="02020603050405020304" pitchFamily="18" charset="0"/>
-                      </a:endParaRPr>
-                    </a:p>
-                  </a:txBody>
-                  <a:tcPr marL="57254" marR="57254" marT="0" marB="0"/>
-                </a:tc>
-                <a:extLst>
-                  <a:ext uri="{0D108BD9-81ED-4DB2-BD59-A6C34878D82A}">
-                    <a16:rowId xmlns:a16="http://schemas.microsoft.com/office/drawing/2014/main" val="3807397061"/>
-                  </a:ext>
-                </a:extLst>
-              </a:tr>
-              <a:tr h="458036">
-                <a:tc>
-                  <a:txBody>
-                    <a:bodyPr/>
-                    <a:lstStyle/>
-                    <a:p>
-                      <a:pPr indent="48260" algn="just">
-                        <a:lnSpc>
-                          <a:spcPct val="150000"/>
-                        </a:lnSpc>
-                        <a:spcAft>
-                          <a:spcPts val="0"/>
-                        </a:spcAft>
-                      </a:pPr>
-                      <a:r>
-                        <a:rPr lang="ru-RU" sz="1000">
-                          <a:effectLst/>
-                        </a:rPr>
-                        <a:t>Приоритет тестирования</a:t>
-                      </a:r>
-                      <a:endParaRPr lang="ru-RU" sz="1200">
-                        <a:effectLst/>
-                      </a:endParaRPr>
-                    </a:p>
-                    <a:p>
-                      <a:pPr indent="48260" algn="just">
-                        <a:lnSpc>
-                          <a:spcPct val="150000"/>
-                        </a:lnSpc>
-                        <a:spcAft>
-                          <a:spcPts val="0"/>
-                        </a:spcAft>
-                      </a:pPr>
-                      <a:r>
-                        <a:rPr lang="ru-RU" sz="1000">
-                          <a:effectLst/>
-                        </a:rPr>
-                        <a:t>(Низкий/Средний/Высокий)</a:t>
-                      </a:r>
-                      <a:endParaRPr lang="ru-RU" sz="1200">
-                        <a:effectLst/>
-                        <a:latin typeface="Times New Roman" panose="02020603050405020304" pitchFamily="18" charset="0"/>
-                        <a:ea typeface="Calibri" panose="020F0502020204030204" pitchFamily="34" charset="0"/>
-                        <a:cs typeface="Times New Roman" panose="02020603050405020304" pitchFamily="18" charset="0"/>
-                      </a:endParaRPr>
-                    </a:p>
-                  </a:txBody>
-                  <a:tcPr marL="57254" marR="57254" marT="0" marB="0"/>
-                </a:tc>
-                <a:tc>
-                  <a:txBody>
-                    <a:bodyPr/>
-                    <a:lstStyle/>
-                    <a:p>
-                      <a:pPr indent="450215" algn="just">
-                        <a:lnSpc>
-                          <a:spcPct val="150000"/>
-                        </a:lnSpc>
-                        <a:spcAft>
-                          <a:spcPts val="0"/>
-                        </a:spcAft>
-                      </a:pPr>
-                      <a:r>
-                        <a:rPr lang="ru-RU" sz="1000">
-                          <a:effectLst/>
-                        </a:rPr>
-                        <a:t>Средний</a:t>
-                      </a:r>
-                      <a:endParaRPr lang="ru-RU" sz="1200">
-                        <a:effectLst/>
-                        <a:latin typeface="Times New Roman" panose="02020603050405020304" pitchFamily="18" charset="0"/>
-                        <a:ea typeface="Calibri" panose="020F0502020204030204" pitchFamily="34" charset="0"/>
-                        <a:cs typeface="Times New Roman" panose="02020603050405020304" pitchFamily="18" charset="0"/>
-                      </a:endParaRPr>
-                    </a:p>
-                  </a:txBody>
-                  <a:tcPr marL="57254" marR="57254" marT="0" marB="0"/>
-                </a:tc>
-                <a:extLst>
-                  <a:ext uri="{0D108BD9-81ED-4DB2-BD59-A6C34878D82A}">
-                    <a16:rowId xmlns:a16="http://schemas.microsoft.com/office/drawing/2014/main" val="2263653567"/>
-                  </a:ext>
-                </a:extLst>
-              </a:tr>
-              <a:tr h="229018">
-                <a:tc>
-                  <a:txBody>
-                    <a:bodyPr/>
-                    <a:lstStyle/>
-                    <a:p>
-                      <a:pPr indent="48260" algn="just">
-                        <a:lnSpc>
-                          <a:spcPct val="150000"/>
-                        </a:lnSpc>
-                        <a:spcAft>
-                          <a:spcPts val="0"/>
-                        </a:spcAft>
-                      </a:pPr>
-                      <a:r>
-                        <a:rPr lang="ru-RU" sz="1000">
-                          <a:effectLst/>
-                        </a:rPr>
-                        <a:t>Заголовок/название теста</a:t>
-                      </a:r>
-                      <a:endParaRPr lang="ru-RU" sz="1200">
-                        <a:effectLst/>
-                        <a:latin typeface="Times New Roman" panose="02020603050405020304" pitchFamily="18" charset="0"/>
-                        <a:ea typeface="Calibri" panose="020F0502020204030204" pitchFamily="34" charset="0"/>
-                        <a:cs typeface="Times New Roman" panose="02020603050405020304" pitchFamily="18" charset="0"/>
-                      </a:endParaRPr>
-                    </a:p>
-                  </a:txBody>
-                  <a:tcPr marL="57254" marR="57254" marT="0" marB="0"/>
-                </a:tc>
-                <a:tc>
-                  <a:txBody>
-                    <a:bodyPr/>
-                    <a:lstStyle/>
-                    <a:p>
-                      <a:pPr indent="450215" algn="just">
-                        <a:lnSpc>
-                          <a:spcPct val="150000"/>
-                        </a:lnSpc>
-                        <a:spcAft>
-                          <a:spcPts val="0"/>
-                        </a:spcAft>
-                      </a:pPr>
-                      <a:r>
-                        <a:rPr lang="ru-RU" sz="1000">
-                          <a:effectLst/>
-                        </a:rPr>
-                        <a:t>Удаление запись.</a:t>
-                      </a:r>
-                      <a:endParaRPr lang="ru-RU" sz="1200">
-                        <a:effectLst/>
-                        <a:latin typeface="Times New Roman" panose="02020603050405020304" pitchFamily="18" charset="0"/>
-                        <a:ea typeface="Calibri" panose="020F0502020204030204" pitchFamily="34" charset="0"/>
-                        <a:cs typeface="Times New Roman" panose="02020603050405020304" pitchFamily="18" charset="0"/>
-                      </a:endParaRPr>
-                    </a:p>
-                  </a:txBody>
-                  <a:tcPr marL="57254" marR="57254" marT="0" marB="0"/>
-                </a:tc>
-                <a:extLst>
-                  <a:ext uri="{0D108BD9-81ED-4DB2-BD59-A6C34878D82A}">
-                    <a16:rowId xmlns:a16="http://schemas.microsoft.com/office/drawing/2014/main" val="2797836454"/>
-                  </a:ext>
-                </a:extLst>
-              </a:tr>
-              <a:tr h="458036">
-                <a:tc>
-                  <a:txBody>
-                    <a:bodyPr/>
-                    <a:lstStyle/>
-                    <a:p>
-                      <a:pPr indent="48260" algn="just">
-                        <a:lnSpc>
-                          <a:spcPct val="150000"/>
-                        </a:lnSpc>
-                        <a:spcAft>
-                          <a:spcPts val="0"/>
-                        </a:spcAft>
-                      </a:pPr>
-                      <a:r>
-                        <a:rPr lang="ru-RU" sz="1000">
-                          <a:effectLst/>
-                        </a:rPr>
-                        <a:t>Краткое изложение теста</a:t>
-                      </a:r>
-                      <a:endParaRPr lang="ru-RU" sz="1200">
-                        <a:effectLst/>
-                        <a:latin typeface="Times New Roman" panose="02020603050405020304" pitchFamily="18" charset="0"/>
-                        <a:ea typeface="Calibri" panose="020F0502020204030204" pitchFamily="34" charset="0"/>
-                        <a:cs typeface="Times New Roman" panose="02020603050405020304" pitchFamily="18" charset="0"/>
-                      </a:endParaRPr>
-                    </a:p>
-                  </a:txBody>
-                  <a:tcPr marL="57254" marR="57254" marT="0" marB="0"/>
-                </a:tc>
-                <a:tc>
-                  <a:txBody>
-                    <a:bodyPr/>
-                    <a:lstStyle/>
-                    <a:p>
-                      <a:pPr indent="450215" algn="just">
-                        <a:lnSpc>
-                          <a:spcPct val="150000"/>
-                        </a:lnSpc>
-                        <a:spcAft>
-                          <a:spcPts val="0"/>
-                        </a:spcAft>
-                      </a:pPr>
-                      <a:r>
-                        <a:rPr lang="ru-RU" sz="1000">
-                          <a:effectLst/>
-                        </a:rPr>
-                        <a:t>Попытка удаление записи из таблице «Контрагентов».</a:t>
-                      </a:r>
-                      <a:endParaRPr lang="ru-RU" sz="1200">
-                        <a:effectLst/>
-                        <a:latin typeface="Times New Roman" panose="02020603050405020304" pitchFamily="18" charset="0"/>
-                        <a:ea typeface="Calibri" panose="020F0502020204030204" pitchFamily="34" charset="0"/>
-                        <a:cs typeface="Times New Roman" panose="02020603050405020304" pitchFamily="18" charset="0"/>
-                      </a:endParaRPr>
-                    </a:p>
-                  </a:txBody>
-                  <a:tcPr marL="57254" marR="57254" marT="0" marB="0"/>
-                </a:tc>
-                <a:extLst>
-                  <a:ext uri="{0D108BD9-81ED-4DB2-BD59-A6C34878D82A}">
-                    <a16:rowId xmlns:a16="http://schemas.microsoft.com/office/drawing/2014/main" val="354365469"/>
-                  </a:ext>
-                </a:extLst>
-              </a:tr>
-              <a:tr h="458036">
-                <a:tc>
-                  <a:txBody>
-                    <a:bodyPr/>
-                    <a:lstStyle/>
-                    <a:p>
-                      <a:pPr indent="48260" algn="just">
-                        <a:lnSpc>
-                          <a:spcPct val="150000"/>
-                        </a:lnSpc>
-                        <a:spcAft>
-                          <a:spcPts val="0"/>
-                        </a:spcAft>
-                      </a:pPr>
-                      <a:r>
-                        <a:rPr lang="ru-RU" sz="1000">
-                          <a:effectLst/>
-                        </a:rPr>
-                        <a:t>Этапы теста</a:t>
-                      </a:r>
-                      <a:endParaRPr lang="ru-RU" sz="1200">
-                        <a:effectLst/>
-                        <a:latin typeface="Times New Roman" panose="02020603050405020304" pitchFamily="18" charset="0"/>
-                        <a:ea typeface="Calibri" panose="020F0502020204030204" pitchFamily="34" charset="0"/>
-                        <a:cs typeface="Times New Roman" panose="02020603050405020304" pitchFamily="18" charset="0"/>
-                      </a:endParaRPr>
-                    </a:p>
-                  </a:txBody>
-                  <a:tcPr marL="57254" marR="57254" marT="0" marB="0"/>
-                </a:tc>
-                <a:tc>
-                  <a:txBody>
-                    <a:bodyPr/>
-                    <a:lstStyle/>
-                    <a:p>
-                      <a:pPr indent="450215" algn="just">
-                        <a:lnSpc>
-                          <a:spcPct val="150000"/>
-                        </a:lnSpc>
-                        <a:spcAft>
-                          <a:spcPts val="0"/>
-                        </a:spcAft>
-                      </a:pPr>
-                      <a:r>
-                        <a:rPr lang="ru-RU" sz="1000">
-                          <a:effectLst/>
-                        </a:rPr>
-                        <a:t>Нажать на таблицу с помощью ПКМ и выбрать из списка пункт «Удалить»</a:t>
-                      </a:r>
-                      <a:endParaRPr lang="ru-RU" sz="1200">
-                        <a:effectLst/>
-                        <a:latin typeface="Times New Roman" panose="02020603050405020304" pitchFamily="18" charset="0"/>
-                        <a:ea typeface="Calibri" panose="020F0502020204030204" pitchFamily="34" charset="0"/>
-                        <a:cs typeface="Times New Roman" panose="02020603050405020304" pitchFamily="18" charset="0"/>
-                      </a:endParaRPr>
-                    </a:p>
-                  </a:txBody>
-                  <a:tcPr marL="57254" marR="57254" marT="0" marB="0"/>
-                </a:tc>
-                <a:extLst>
-                  <a:ext uri="{0D108BD9-81ED-4DB2-BD59-A6C34878D82A}">
-                    <a16:rowId xmlns:a16="http://schemas.microsoft.com/office/drawing/2014/main" val="2442112476"/>
-                  </a:ext>
-                </a:extLst>
-              </a:tr>
-              <a:tr h="458036">
-                <a:tc>
-                  <a:txBody>
-                    <a:bodyPr/>
-                    <a:lstStyle/>
-                    <a:p>
-                      <a:pPr indent="48260" algn="just">
-                        <a:lnSpc>
-                          <a:spcPct val="150000"/>
-                        </a:lnSpc>
-                        <a:spcAft>
-                          <a:spcPts val="0"/>
-                        </a:spcAft>
-                      </a:pPr>
-                      <a:r>
-                        <a:rPr lang="ru-RU" sz="1000">
-                          <a:effectLst/>
-                        </a:rPr>
-                        <a:t>Тестовые данные</a:t>
-                      </a:r>
-                      <a:endParaRPr lang="ru-RU" sz="1200">
-                        <a:effectLst/>
-                        <a:latin typeface="Times New Roman" panose="02020603050405020304" pitchFamily="18" charset="0"/>
-                        <a:ea typeface="Calibri" panose="020F0502020204030204" pitchFamily="34" charset="0"/>
-                        <a:cs typeface="Times New Roman" panose="02020603050405020304" pitchFamily="18" charset="0"/>
-                      </a:endParaRPr>
-                    </a:p>
-                  </a:txBody>
-                  <a:tcPr marL="57254" marR="57254" marT="0" marB="0"/>
-                </a:tc>
-                <a:tc>
-                  <a:txBody>
-                    <a:bodyPr/>
-                    <a:lstStyle/>
-                    <a:p>
-                      <a:pPr indent="450215" algn="just">
-                        <a:lnSpc>
-                          <a:spcPct val="150000"/>
-                        </a:lnSpc>
-                        <a:spcAft>
-                          <a:spcPts val="0"/>
-                        </a:spcAft>
-                      </a:pPr>
-                      <a:r>
-                        <a:rPr lang="ru-RU" sz="1000">
-                          <a:effectLst/>
-                        </a:rPr>
-                        <a:t>Название контрагенты: ООО «Вера», ИНН: 134537592602, Адрес: Москва.</a:t>
-                      </a:r>
-                      <a:endParaRPr lang="ru-RU" sz="1200">
-                        <a:effectLst/>
-                        <a:latin typeface="Times New Roman" panose="02020603050405020304" pitchFamily="18" charset="0"/>
-                        <a:ea typeface="Calibri" panose="020F0502020204030204" pitchFamily="34" charset="0"/>
-                        <a:cs typeface="Times New Roman" panose="02020603050405020304" pitchFamily="18" charset="0"/>
-                      </a:endParaRPr>
-                    </a:p>
-                  </a:txBody>
-                  <a:tcPr marL="57254" marR="57254" marT="0" marB="0"/>
-                </a:tc>
-                <a:extLst>
-                  <a:ext uri="{0D108BD9-81ED-4DB2-BD59-A6C34878D82A}">
-                    <a16:rowId xmlns:a16="http://schemas.microsoft.com/office/drawing/2014/main" val="2609801295"/>
-                  </a:ext>
-                </a:extLst>
-              </a:tr>
-              <a:tr h="458036">
-                <a:tc>
-                  <a:txBody>
-                    <a:bodyPr/>
-                    <a:lstStyle/>
-                    <a:p>
-                      <a:pPr indent="48260" algn="just">
-                        <a:lnSpc>
-                          <a:spcPct val="150000"/>
-                        </a:lnSpc>
-                        <a:spcAft>
-                          <a:spcPts val="0"/>
-                        </a:spcAft>
-                      </a:pPr>
-                      <a:r>
-                        <a:rPr lang="ru-RU" sz="1000">
-                          <a:effectLst/>
-                        </a:rPr>
-                        <a:t>Ожидаемый результат</a:t>
-                      </a:r>
-                      <a:endParaRPr lang="ru-RU" sz="1200">
-                        <a:effectLst/>
-                        <a:latin typeface="Times New Roman" panose="02020603050405020304" pitchFamily="18" charset="0"/>
-                        <a:ea typeface="Calibri" panose="020F0502020204030204" pitchFamily="34" charset="0"/>
-                        <a:cs typeface="Times New Roman" panose="02020603050405020304" pitchFamily="18" charset="0"/>
-                      </a:endParaRPr>
-                    </a:p>
-                  </a:txBody>
-                  <a:tcPr marL="57254" marR="57254" marT="0" marB="0"/>
-                </a:tc>
-                <a:tc>
-                  <a:txBody>
-                    <a:bodyPr/>
-                    <a:lstStyle/>
-                    <a:p>
-                      <a:pPr indent="450215" algn="just">
-                        <a:lnSpc>
-                          <a:spcPct val="150000"/>
-                        </a:lnSpc>
-                        <a:spcAft>
-                          <a:spcPts val="0"/>
-                        </a:spcAft>
-                      </a:pPr>
-                      <a:r>
-                        <a:rPr lang="ru-RU" sz="1000">
-                          <a:effectLst/>
-                        </a:rPr>
-                        <a:t>Предупреждающее сообщение об удалении данных в таблице «Контрагентов».</a:t>
-                      </a:r>
-                      <a:endParaRPr lang="ru-RU" sz="1200">
-                        <a:effectLst/>
-                        <a:latin typeface="Times New Roman" panose="02020603050405020304" pitchFamily="18" charset="0"/>
-                        <a:ea typeface="Calibri" panose="020F0502020204030204" pitchFamily="34" charset="0"/>
-                        <a:cs typeface="Times New Roman" panose="02020603050405020304" pitchFamily="18" charset="0"/>
-                      </a:endParaRPr>
-                    </a:p>
-                  </a:txBody>
-                  <a:tcPr marL="57254" marR="57254" marT="0" marB="0"/>
-                </a:tc>
-                <a:extLst>
-                  <a:ext uri="{0D108BD9-81ED-4DB2-BD59-A6C34878D82A}">
-                    <a16:rowId xmlns:a16="http://schemas.microsoft.com/office/drawing/2014/main" val="3100308639"/>
-                  </a:ext>
-                </a:extLst>
-              </a:tr>
-              <a:tr h="229018">
-                <a:tc>
-                  <a:txBody>
-                    <a:bodyPr/>
-                    <a:lstStyle/>
-                    <a:p>
-                      <a:pPr indent="48260" algn="just">
-                        <a:lnSpc>
-                          <a:spcPct val="150000"/>
-                        </a:lnSpc>
-                        <a:spcAft>
-                          <a:spcPts val="0"/>
-                        </a:spcAft>
-                      </a:pPr>
-                      <a:r>
-                        <a:rPr lang="ru-RU" sz="1000">
-                          <a:effectLst/>
-                        </a:rPr>
-                        <a:t>Фактический результат</a:t>
-                      </a:r>
-                      <a:endParaRPr lang="ru-RU" sz="1200">
-                        <a:effectLst/>
-                        <a:latin typeface="Times New Roman" panose="02020603050405020304" pitchFamily="18" charset="0"/>
-                        <a:ea typeface="Calibri" panose="020F0502020204030204" pitchFamily="34" charset="0"/>
-                        <a:cs typeface="Times New Roman" panose="02020603050405020304" pitchFamily="18" charset="0"/>
-                      </a:endParaRPr>
-                    </a:p>
-                  </a:txBody>
-                  <a:tcPr marL="57254" marR="57254" marT="0" marB="0"/>
-                </a:tc>
-                <a:tc>
-                  <a:txBody>
-                    <a:bodyPr/>
-                    <a:lstStyle/>
-                    <a:p>
-                      <a:pPr indent="450215" algn="just">
-                        <a:lnSpc>
-                          <a:spcPct val="150000"/>
-                        </a:lnSpc>
-                        <a:spcAft>
-                          <a:spcPts val="0"/>
-                        </a:spcAft>
-                      </a:pPr>
-                      <a:r>
-                        <a:rPr lang="ru-RU" sz="1000">
-                          <a:effectLst/>
-                        </a:rPr>
-                        <a:t>Запись удалена!</a:t>
-                      </a:r>
-                      <a:endParaRPr lang="ru-RU" sz="1200">
-                        <a:effectLst/>
-                        <a:latin typeface="Times New Roman" panose="02020603050405020304" pitchFamily="18" charset="0"/>
-                        <a:ea typeface="Calibri" panose="020F0502020204030204" pitchFamily="34" charset="0"/>
-                        <a:cs typeface="Times New Roman" panose="02020603050405020304" pitchFamily="18" charset="0"/>
-                      </a:endParaRPr>
-                    </a:p>
-                  </a:txBody>
-                  <a:tcPr marL="57254" marR="57254" marT="0" marB="0"/>
-                </a:tc>
-                <a:extLst>
-                  <a:ext uri="{0D108BD9-81ED-4DB2-BD59-A6C34878D82A}">
-                    <a16:rowId xmlns:a16="http://schemas.microsoft.com/office/drawing/2014/main" val="3319811771"/>
-                  </a:ext>
-                </a:extLst>
-              </a:tr>
-              <a:tr h="687053">
-                <a:tc>
-                  <a:txBody>
-                    <a:bodyPr/>
-                    <a:lstStyle/>
-                    <a:p>
-                      <a:pPr indent="48260" algn="just">
-                        <a:lnSpc>
-                          <a:spcPct val="150000"/>
-                        </a:lnSpc>
-                        <a:spcAft>
-                          <a:spcPts val="0"/>
-                        </a:spcAft>
-                      </a:pPr>
-                      <a:r>
-                        <a:rPr lang="ru-RU" sz="1000">
-                          <a:effectLst/>
-                        </a:rPr>
-                        <a:t>Предварительное условие</a:t>
-                      </a:r>
-                      <a:endParaRPr lang="ru-RU" sz="1200">
-                        <a:effectLst/>
-                        <a:latin typeface="Times New Roman" panose="02020603050405020304" pitchFamily="18" charset="0"/>
-                        <a:ea typeface="Calibri" panose="020F0502020204030204" pitchFamily="34" charset="0"/>
-                        <a:cs typeface="Times New Roman" panose="02020603050405020304" pitchFamily="18" charset="0"/>
-                      </a:endParaRPr>
-                    </a:p>
-                  </a:txBody>
-                  <a:tcPr marL="57254" marR="57254" marT="0" marB="0"/>
-                </a:tc>
-                <a:tc>
-                  <a:txBody>
-                    <a:bodyPr/>
-                    <a:lstStyle/>
-                    <a:p>
-                      <a:pPr indent="450215" algn="just">
-                        <a:lnSpc>
-                          <a:spcPct val="150000"/>
-                        </a:lnSpc>
-                        <a:spcAft>
-                          <a:spcPts val="0"/>
-                        </a:spcAft>
-                      </a:pPr>
-                      <a:r>
-                        <a:rPr lang="ru-RU" sz="1000">
-                          <a:effectLst/>
-                        </a:rPr>
-                        <a:t>На главном меню пользовательского интерфейса должна быть кнопка, в которой хранится нужная нам страница для удаления данных из базы данных.</a:t>
-                      </a:r>
-                      <a:endParaRPr lang="ru-RU" sz="1200">
-                        <a:effectLst/>
-                        <a:latin typeface="Times New Roman" panose="02020603050405020304" pitchFamily="18" charset="0"/>
-                        <a:ea typeface="Calibri" panose="020F0502020204030204" pitchFamily="34" charset="0"/>
-                        <a:cs typeface="Times New Roman" panose="02020603050405020304" pitchFamily="18" charset="0"/>
-                      </a:endParaRPr>
-                    </a:p>
-                  </a:txBody>
-                  <a:tcPr marL="57254" marR="57254" marT="0" marB="0"/>
-                </a:tc>
-                <a:extLst>
-                  <a:ext uri="{0D108BD9-81ED-4DB2-BD59-A6C34878D82A}">
-                    <a16:rowId xmlns:a16="http://schemas.microsoft.com/office/drawing/2014/main" val="463248777"/>
-                  </a:ext>
-                </a:extLst>
-              </a:tr>
-              <a:tr h="229018">
-                <a:tc>
-                  <a:txBody>
-                    <a:bodyPr/>
-                    <a:lstStyle/>
-                    <a:p>
-                      <a:pPr indent="48260" algn="just">
-                        <a:lnSpc>
-                          <a:spcPct val="150000"/>
-                        </a:lnSpc>
-                        <a:spcAft>
-                          <a:spcPts val="0"/>
-                        </a:spcAft>
-                      </a:pPr>
-                      <a:r>
-                        <a:rPr lang="ru-RU" sz="1000">
-                          <a:effectLst/>
-                        </a:rPr>
-                        <a:t>Постусловие</a:t>
-                      </a:r>
-                      <a:endParaRPr lang="ru-RU" sz="1200">
-                        <a:effectLst/>
-                        <a:latin typeface="Times New Roman" panose="02020603050405020304" pitchFamily="18" charset="0"/>
-                        <a:ea typeface="Calibri" panose="020F0502020204030204" pitchFamily="34" charset="0"/>
-                        <a:cs typeface="Times New Roman" panose="02020603050405020304" pitchFamily="18" charset="0"/>
-                      </a:endParaRPr>
-                    </a:p>
-                  </a:txBody>
-                  <a:tcPr marL="57254" marR="57254" marT="0" marB="0"/>
-                </a:tc>
-                <a:tc>
-                  <a:txBody>
-                    <a:bodyPr/>
-                    <a:lstStyle/>
-                    <a:p>
-                      <a:pPr indent="450215" algn="just">
-                        <a:lnSpc>
-                          <a:spcPct val="150000"/>
-                        </a:lnSpc>
-                        <a:spcAft>
-                          <a:spcPts val="0"/>
-                        </a:spcAft>
-                      </a:pPr>
-                      <a:r>
-                        <a:rPr lang="ru-RU" sz="1000">
-                          <a:effectLst/>
-                        </a:rPr>
-                        <a:t>Запись была удалена.</a:t>
-                      </a:r>
-                      <a:endParaRPr lang="ru-RU" sz="1200">
-                        <a:effectLst/>
-                        <a:latin typeface="Times New Roman" panose="02020603050405020304" pitchFamily="18" charset="0"/>
-                        <a:ea typeface="Calibri" panose="020F0502020204030204" pitchFamily="34" charset="0"/>
-                        <a:cs typeface="Times New Roman" panose="02020603050405020304" pitchFamily="18" charset="0"/>
-                      </a:endParaRPr>
-                    </a:p>
-                  </a:txBody>
-                  <a:tcPr marL="57254" marR="57254" marT="0" marB="0"/>
-                </a:tc>
-                <a:extLst>
-                  <a:ext uri="{0D108BD9-81ED-4DB2-BD59-A6C34878D82A}">
-                    <a16:rowId xmlns:a16="http://schemas.microsoft.com/office/drawing/2014/main" val="1407148114"/>
-                  </a:ext>
-                </a:extLst>
-              </a:tr>
-              <a:tr h="229018">
-                <a:tc>
-                  <a:txBody>
-                    <a:bodyPr/>
-                    <a:lstStyle/>
-                    <a:p>
-                      <a:pPr indent="48260" algn="just">
-                        <a:lnSpc>
-                          <a:spcPct val="150000"/>
-                        </a:lnSpc>
-                        <a:spcAft>
-                          <a:spcPts val="0"/>
-                        </a:spcAft>
-                      </a:pPr>
-                      <a:r>
-                        <a:rPr lang="ru-RU" sz="1000">
-                          <a:effectLst/>
-                        </a:rPr>
-                        <a:t>Статус (Зачет/Незачет)</a:t>
-                      </a:r>
-                      <a:endParaRPr lang="ru-RU" sz="1200">
-                        <a:effectLst/>
-                        <a:latin typeface="Times New Roman" panose="02020603050405020304" pitchFamily="18" charset="0"/>
-                        <a:ea typeface="Calibri" panose="020F0502020204030204" pitchFamily="34" charset="0"/>
-                        <a:cs typeface="Times New Roman" panose="02020603050405020304" pitchFamily="18" charset="0"/>
-                      </a:endParaRPr>
-                    </a:p>
-                  </a:txBody>
-                  <a:tcPr marL="57254" marR="57254" marT="0" marB="0"/>
-                </a:tc>
-                <a:tc>
-                  <a:txBody>
-                    <a:bodyPr/>
-                    <a:lstStyle/>
-                    <a:p>
-                      <a:pPr indent="450215" algn="just">
-                        <a:lnSpc>
-                          <a:spcPct val="150000"/>
-                        </a:lnSpc>
-                        <a:spcAft>
-                          <a:spcPts val="0"/>
-                        </a:spcAft>
-                      </a:pPr>
-                      <a:r>
-                        <a:rPr lang="ru-RU" sz="1000" dirty="0">
-                          <a:effectLst/>
-                        </a:rPr>
-                        <a:t>Зачет</a:t>
-                      </a:r>
-                      <a:endParaRPr lang="ru-RU" sz="1200" dirty="0">
-                        <a:effectLst/>
-                        <a:latin typeface="Times New Roman" panose="02020603050405020304" pitchFamily="18" charset="0"/>
-                        <a:ea typeface="Calibri" panose="020F0502020204030204" pitchFamily="34" charset="0"/>
-                        <a:cs typeface="Times New Roman" panose="02020603050405020304" pitchFamily="18" charset="0"/>
-                      </a:endParaRPr>
-                    </a:p>
-                  </a:txBody>
-                  <a:tcPr marL="57254" marR="57254" marT="0" marB="0"/>
-                </a:tc>
-                <a:extLst>
-                  <a:ext uri="{0D108BD9-81ED-4DB2-BD59-A6C34878D82A}">
-                    <a16:rowId xmlns:a16="http://schemas.microsoft.com/office/drawing/2014/main" val="991529115"/>
-                  </a:ext>
-                </a:extLst>
-              </a:tr>
-            </a:tbl>
-          </a:graphicData>
-        </a:graphic>
-      </p:graphicFrame>
-    </p:spTree>
-    <p:extLst>
-      <p:ext uri="{BB962C8B-B14F-4D97-AF65-F5344CB8AC3E}">
-        <p14:creationId xmlns:p14="http://schemas.microsoft.com/office/powerpoint/2010/main" val="972491507"/>
-      </p:ext>
-    </p:extLst>
-  </p:cSld>
-  <p:clrMapOvr>
-    <a:masterClrMapping/>
-  </p:clrMapOvr>
-</p:sld>
-</file>
-
-<file path=ppt/slides/slide8.xml><?xml version="1.0" encoding="utf-8"?>
-<p:sld xmlns:a="http://schemas.openxmlformats.org/drawingml/2006/main" xmlns:r="http://schemas.openxmlformats.org/officeDocument/2006/relationships" xmlns:p="http://schemas.openxmlformats.org/presentationml/2006/main">
-  <p:cSld>
-    <p:spTree>
-      <p:nvGrpSpPr>
-        <p:cNvPr id="1" name=""/>
-        <p:cNvGrpSpPr/>
-        <p:nvPr/>
-      </p:nvGrpSpPr>
-      <p:grpSpPr>
-        <a:xfrm>
-          <a:off x="0" y="0"/>
-          <a:ext cx="0" cy="0"/>
-          <a:chOff x="0" y="0"/>
-          <a:chExt cx="0" cy="0"/>
-        </a:xfrm>
-      </p:grpSpPr>
-      <p:sp>
-        <p:nvSpPr>
-          <p:cNvPr id="2" name="Заголовок 1"/>
-          <p:cNvSpPr>
-            <a:spLocks noGrp="1"/>
-          </p:cNvSpPr>
-          <p:nvPr>
             <p:ph type="title"/>
           </p:nvPr>
         </p:nvSpPr>
@@ -9719,7 +7858,7 @@
           <a:lstStyle/>
           <a:p>
             <a:r>
-              <a:rPr lang="ru-RU" dirty="0" smtClean="0">
+              <a:rPr lang="ru-RU" dirty="0">
                 <a:latin typeface="Times New Roman" panose="02020603050405020304" pitchFamily="18" charset="0"/>
                 <a:cs typeface="Times New Roman" panose="02020603050405020304" pitchFamily="18" charset="0"/>
               </a:rPr>
@@ -9745,7 +7884,7 @@
         </p:nvGraphicFramePr>
         <p:xfrm>
           <a:off x="923042" y="1289680"/>
-          <a:ext cx="4905327" cy="5263234"/>
+          <a:ext cx="4905327" cy="5180176"/>
         </p:xfrm>
         <a:graphic>
           <a:graphicData uri="http://schemas.openxmlformats.org/drawingml/2006/table">
@@ -10588,7 +8727,7 @@
         </p:nvGraphicFramePr>
         <p:xfrm>
           <a:off x="6718093" y="1258418"/>
-          <a:ext cx="4957280" cy="5537135"/>
+          <a:ext cx="4957280" cy="5426391"/>
         </p:xfrm>
         <a:graphic>
           <a:graphicData uri="http://schemas.openxmlformats.org/drawingml/2006/table">
@@ -10757,31 +8896,31 @@
                         </a:spcAft>
                       </a:pPr>
                       <a:r>
-                        <a:rPr lang="ru-RU" sz="1000" dirty="0" smtClean="0">
+                        <a:rPr lang="ru-RU" sz="1000" dirty="0">
                           <a:effectLst/>
                         </a:rPr>
                         <a:t>Приоритет</a:t>
                       </a:r>
                       <a:r>
-                        <a:rPr lang="ru-RU" sz="1000" baseline="0" dirty="0" smtClean="0">
+                        <a:rPr lang="ru-RU" sz="1000" baseline="0" dirty="0">
                           <a:effectLst/>
                         </a:rPr>
                         <a:t> </a:t>
                       </a:r>
                       <a:r>
-                        <a:rPr lang="ru-RU" sz="1000" dirty="0" smtClean="0">
+                        <a:rPr lang="ru-RU" sz="1000" dirty="0">
                           <a:effectLst/>
                         </a:rPr>
                         <a:t>тестирования</a:t>
                       </a:r>
                       <a:r>
-                        <a:rPr lang="ru-RU" sz="1200" baseline="0" dirty="0" smtClean="0">
+                        <a:rPr lang="ru-RU" sz="1200" baseline="0" dirty="0">
                           <a:effectLst/>
                         </a:rPr>
                         <a:t> </a:t>
                       </a:r>
                       <a:r>
-                        <a:rPr lang="ru-RU" sz="1000" dirty="0" smtClean="0">
+                        <a:rPr lang="ru-RU" sz="1000" dirty="0">
                           <a:effectLst/>
                         </a:rPr>
                         <a:t>(Низкий/Средний/Высокий)</a:t>
@@ -11433,6 +9572,1304 @@
 </p:sld>
 </file>
 
+<file path=ppt/slides/slide11.xml><?xml version="1.0" encoding="utf-8"?>
+<p:sld xmlns:a="http://schemas.openxmlformats.org/drawingml/2006/main" xmlns:r="http://schemas.openxmlformats.org/officeDocument/2006/relationships" xmlns:p="http://schemas.openxmlformats.org/presentationml/2006/main">
+  <p:cSld>
+    <p:spTree>
+      <p:nvGrpSpPr>
+        <p:cNvPr id="1" name=""/>
+        <p:cNvGrpSpPr/>
+        <p:nvPr/>
+      </p:nvGrpSpPr>
+      <p:grpSpPr>
+        <a:xfrm>
+          <a:off x="0" y="0"/>
+          <a:ext cx="0" cy="0"/>
+          <a:chOff x="0" y="0"/>
+          <a:chExt cx="0" cy="0"/>
+        </a:xfrm>
+      </p:grpSpPr>
+      <p:sp>
+        <p:nvSpPr>
+          <p:cNvPr id="2" name="Заголовок 1"/>
+          <p:cNvSpPr>
+            <a:spLocks noGrp="1"/>
+          </p:cNvSpPr>
+          <p:nvPr>
+            <p:ph type="title"/>
+          </p:nvPr>
+        </p:nvSpPr>
+        <p:spPr/>
+        <p:txBody>
+          <a:bodyPr/>
+          <a:lstStyle/>
+          <a:p>
+            <a:r>
+              <a:rPr lang="ru-RU" dirty="0"/>
+              <a:t>Заключение</a:t>
+            </a:r>
+          </a:p>
+        </p:txBody>
+      </p:sp>
+      <p:sp>
+        <p:nvSpPr>
+          <p:cNvPr id="3" name="Объект 2"/>
+          <p:cNvSpPr>
+            <a:spLocks noGrp="1"/>
+          </p:cNvSpPr>
+          <p:nvPr>
+            <p:ph idx="1"/>
+          </p:nvPr>
+        </p:nvSpPr>
+        <p:spPr>
+          <a:xfrm>
+            <a:off x="2592925" y="1690540"/>
+            <a:ext cx="8915400" cy="4484016"/>
+          </a:xfrm>
+        </p:spPr>
+        <p:txBody>
+          <a:bodyPr>
+            <a:normAutofit fontScale="70000" lnSpcReduction="20000"/>
+          </a:bodyPr>
+          <a:lstStyle/>
+          <a:p>
+            <a:pPr marL="0" indent="0">
+              <a:buNone/>
+            </a:pPr>
+            <a:r>
+              <a:rPr lang="ru-RU" sz="2600" dirty="0"/>
+              <a:t>В ходе работы над курсовым проектом разработано приложение с этапами жизненного цикла программного продукта.</a:t>
+            </a:r>
+          </a:p>
+          <a:p>
+            <a:pPr marL="0" indent="0">
+              <a:buNone/>
+            </a:pPr>
+            <a:r>
+              <a:rPr lang="ru-RU" sz="2600" dirty="0"/>
+              <a:t>В начале разработана назначение разработки где написано для чего создаётся программа.</a:t>
+            </a:r>
+          </a:p>
+          <a:p>
+            <a:pPr marL="0" indent="0">
+              <a:buNone/>
+            </a:pPr>
+            <a:r>
+              <a:rPr lang="ru-RU" sz="2600" dirty="0"/>
+              <a:t>Требование к программе. В этом пункте написано какие функции входят в программу, насколько программа надёжна, требования к характеристикам компьютера и какие приложения нужны для полного использования программы.</a:t>
+            </a:r>
+          </a:p>
+          <a:p>
+            <a:pPr marL="0" indent="0">
+              <a:buNone/>
+            </a:pPr>
+            <a:r>
+              <a:rPr lang="ru-RU" sz="2600" dirty="0"/>
+              <a:t>Разработка технического проекта. В этом пункте написано, как выбиралось </a:t>
+            </a:r>
+            <a:r>
+              <a:rPr lang="en-US" sz="2600" dirty="0"/>
+              <a:t>CASE</a:t>
+            </a:r>
+            <a:r>
+              <a:rPr lang="ru-RU" sz="2600" dirty="0"/>
+              <a:t>-средство </a:t>
+            </a:r>
+            <a:r>
+              <a:rPr lang="en-US" sz="2600" dirty="0" err="1"/>
+              <a:t>BPWin</a:t>
+            </a:r>
+            <a:r>
+              <a:rPr lang="ru-RU" sz="2600" dirty="0"/>
+              <a:t>, описание процесса проектирование предметной области.</a:t>
+            </a:r>
+          </a:p>
+          <a:p>
+            <a:pPr marL="0" indent="0">
+              <a:buNone/>
+            </a:pPr>
+            <a:r>
+              <a:rPr lang="ru-RU" sz="2600" dirty="0"/>
+              <a:t>Реализация. В этом пункте было написано, как выбиралось средство разработки программы. Руководство программиста разработана для понимания как сделана программа. Руководство пользователя разработана для обучения пользователя как работать с программой.</a:t>
+            </a:r>
+          </a:p>
+          <a:p>
+            <a:pPr marL="0" indent="0">
+              <a:buNone/>
+            </a:pPr>
+            <a:r>
+              <a:rPr lang="ru-RU" sz="2600" dirty="0"/>
+              <a:t>Тестирование и откладка. В этом пункте проведён тест на правильность результата функций программы и откладка.</a:t>
+            </a:r>
+          </a:p>
+          <a:p>
+            <a:endParaRPr lang="ru-RU" dirty="0"/>
+          </a:p>
+        </p:txBody>
+      </p:sp>
+    </p:spTree>
+    <p:extLst>
+      <p:ext uri="{BB962C8B-B14F-4D97-AF65-F5344CB8AC3E}">
+        <p14:creationId xmlns:p14="http://schemas.microsoft.com/office/powerpoint/2010/main" val="3716705104"/>
+      </p:ext>
+    </p:extLst>
+  </p:cSld>
+  <p:clrMapOvr>
+    <a:masterClrMapping/>
+  </p:clrMapOvr>
+</p:sld>
+</file>
+
+<file path=ppt/slides/slide12.xml><?xml version="1.0" encoding="utf-8"?>
+<p:sld xmlns:a="http://schemas.openxmlformats.org/drawingml/2006/main" xmlns:r="http://schemas.openxmlformats.org/officeDocument/2006/relationships" xmlns:p="http://schemas.openxmlformats.org/presentationml/2006/main">
+  <p:cSld>
+    <p:spTree>
+      <p:nvGrpSpPr>
+        <p:cNvPr id="1" name=""/>
+        <p:cNvGrpSpPr/>
+        <p:nvPr/>
+      </p:nvGrpSpPr>
+      <p:grpSpPr>
+        <a:xfrm>
+          <a:off x="0" y="0"/>
+          <a:ext cx="0" cy="0"/>
+          <a:chOff x="0" y="0"/>
+          <a:chExt cx="0" cy="0"/>
+        </a:xfrm>
+      </p:grpSpPr>
+      <p:sp>
+        <p:nvSpPr>
+          <p:cNvPr id="2" name="Заголовок 1"/>
+          <p:cNvSpPr>
+            <a:spLocks noGrp="1"/>
+          </p:cNvSpPr>
+          <p:nvPr>
+            <p:ph type="ctrTitle"/>
+          </p:nvPr>
+        </p:nvSpPr>
+        <p:spPr>
+          <a:xfrm>
+            <a:off x="1457498" y="1612669"/>
+            <a:ext cx="9144000" cy="2595563"/>
+          </a:xfrm>
+        </p:spPr>
+        <p:txBody>
+          <a:bodyPr>
+            <a:noAutofit/>
+          </a:bodyPr>
+          <a:lstStyle/>
+          <a:p>
+            <a:r>
+              <a:rPr lang="ru-RU" sz="3600" b="1" dirty="0">
+                <a:latin typeface="Times New Roman" panose="02020603050405020304" pitchFamily="18" charset="0"/>
+                <a:cs typeface="Times New Roman" panose="02020603050405020304" pitchFamily="18" charset="0"/>
+              </a:rPr>
+              <a:t>КУРСОВОЙ ПРОЕКТ</a:t>
+            </a:r>
+            <a:br>
+              <a:rPr lang="ru-RU" sz="3600" dirty="0">
+                <a:latin typeface="Times New Roman" panose="02020603050405020304" pitchFamily="18" charset="0"/>
+                <a:cs typeface="Times New Roman" panose="02020603050405020304" pitchFamily="18" charset="0"/>
+              </a:rPr>
+            </a:br>
+            <a:r>
+              <a:rPr lang="ru-RU" sz="3600" dirty="0">
+                <a:latin typeface="Times New Roman" panose="02020603050405020304" pitchFamily="18" charset="0"/>
+                <a:cs typeface="Times New Roman" panose="02020603050405020304" pitchFamily="18" charset="0"/>
+              </a:rPr>
+              <a:t>по автоматизации работ сотрудников склада»</a:t>
+            </a:r>
+            <a:br>
+              <a:rPr lang="ru-RU" sz="3600" dirty="0">
+                <a:latin typeface="Times New Roman" panose="02020603050405020304" pitchFamily="18" charset="0"/>
+                <a:cs typeface="Times New Roman" panose="02020603050405020304" pitchFamily="18" charset="0"/>
+              </a:rPr>
+            </a:br>
+            <a:r>
+              <a:rPr lang="ru-RU" sz="3600" u="sng" dirty="0">
+                <a:latin typeface="Times New Roman" panose="02020603050405020304" pitchFamily="18" charset="0"/>
+                <a:cs typeface="Times New Roman" panose="02020603050405020304" pitchFamily="18" charset="0"/>
+              </a:rPr>
+              <a:t>МДК 02.01 «Технология разработки программного обеспечения»</a:t>
+            </a:r>
+            <a:br>
+              <a:rPr lang="ru-RU" sz="3600" dirty="0"/>
+            </a:br>
+            <a:endParaRPr lang="ru-RU" sz="3600" dirty="0"/>
+          </a:p>
+        </p:txBody>
+      </p:sp>
+      <p:sp>
+        <p:nvSpPr>
+          <p:cNvPr id="3" name="Подзаголовок 2"/>
+          <p:cNvSpPr>
+            <a:spLocks noGrp="1"/>
+          </p:cNvSpPr>
+          <p:nvPr>
+            <p:ph type="subTitle" idx="1"/>
+          </p:nvPr>
+        </p:nvSpPr>
+        <p:spPr>
+          <a:xfrm>
+            <a:off x="6999316" y="4854632"/>
+            <a:ext cx="4948844" cy="1313411"/>
+          </a:xfrm>
+        </p:spPr>
+        <p:txBody>
+          <a:bodyPr>
+            <a:normAutofit/>
+          </a:bodyPr>
+          <a:lstStyle/>
+          <a:p>
+            <a:r>
+              <a:rPr lang="ru-RU" b="1" dirty="0"/>
+              <a:t>Выполнил:</a:t>
+            </a:r>
+            <a:endParaRPr lang="ru-RU" dirty="0"/>
+          </a:p>
+          <a:p>
+            <a:r>
+              <a:rPr lang="ru-RU" u="sng" dirty="0"/>
+              <a:t>Стародубцев Максим Сергеевич</a:t>
+            </a:r>
+            <a:endParaRPr lang="ru-RU" dirty="0"/>
+          </a:p>
+          <a:p>
+            <a:r>
+              <a:rPr lang="ru-RU" u="sng" dirty="0"/>
+              <a:t>Студент 4 курса группы ИСП.20А</a:t>
+            </a:r>
+            <a:endParaRPr lang="ru-RU" dirty="0"/>
+          </a:p>
+          <a:p>
+            <a:endParaRPr lang="ru-RU" dirty="0"/>
+          </a:p>
+        </p:txBody>
+      </p:sp>
+    </p:spTree>
+    <p:extLst>
+      <p:ext uri="{BB962C8B-B14F-4D97-AF65-F5344CB8AC3E}">
+        <p14:creationId xmlns:p14="http://schemas.microsoft.com/office/powerpoint/2010/main" val="2937290106"/>
+      </p:ext>
+    </p:extLst>
+  </p:cSld>
+  <p:clrMapOvr>
+    <a:masterClrMapping/>
+  </p:clrMapOvr>
+</p:sld>
+</file>
+
+<file path=ppt/slides/slide2.xml><?xml version="1.0" encoding="utf-8"?>
+<p:sld xmlns:a="http://schemas.openxmlformats.org/drawingml/2006/main" xmlns:r="http://schemas.openxmlformats.org/officeDocument/2006/relationships" xmlns:p="http://schemas.openxmlformats.org/presentationml/2006/main">
+  <p:cSld>
+    <p:spTree>
+      <p:nvGrpSpPr>
+        <p:cNvPr id="1" name=""/>
+        <p:cNvGrpSpPr/>
+        <p:nvPr/>
+      </p:nvGrpSpPr>
+      <p:grpSpPr>
+        <a:xfrm>
+          <a:off x="0" y="0"/>
+          <a:ext cx="0" cy="0"/>
+          <a:chOff x="0" y="0"/>
+          <a:chExt cx="0" cy="0"/>
+        </a:xfrm>
+      </p:grpSpPr>
+      <p:sp>
+        <p:nvSpPr>
+          <p:cNvPr id="2" name="Заголовок 1"/>
+          <p:cNvSpPr>
+            <a:spLocks noGrp="1"/>
+          </p:cNvSpPr>
+          <p:nvPr>
+            <p:ph type="title"/>
+          </p:nvPr>
+        </p:nvSpPr>
+        <p:spPr/>
+        <p:txBody>
+          <a:bodyPr/>
+          <a:lstStyle/>
+          <a:p>
+            <a:r>
+              <a:rPr lang="ru-RU" dirty="0">
+                <a:latin typeface="Times New Roman" panose="02020603050405020304" pitchFamily="18" charset="0"/>
+                <a:cs typeface="Times New Roman" panose="02020603050405020304" pitchFamily="18" charset="0"/>
+              </a:rPr>
+              <a:t>Постановка задачи</a:t>
+            </a:r>
+          </a:p>
+        </p:txBody>
+      </p:sp>
+      <p:sp>
+        <p:nvSpPr>
+          <p:cNvPr id="3" name="Объект 2"/>
+          <p:cNvSpPr>
+            <a:spLocks noGrp="1"/>
+          </p:cNvSpPr>
+          <p:nvPr>
+            <p:ph idx="1"/>
+          </p:nvPr>
+        </p:nvSpPr>
+        <p:spPr>
+          <a:xfrm>
+            <a:off x="838199" y="1825625"/>
+            <a:ext cx="10882745" cy="4351338"/>
+          </a:xfrm>
+        </p:spPr>
+        <p:txBody>
+          <a:bodyPr>
+            <a:noAutofit/>
+          </a:bodyPr>
+          <a:lstStyle/>
+          <a:p>
+            <a:r>
+              <a:rPr lang="ru-RU" sz="2400" dirty="0">
+                <a:latin typeface="Times New Roman" panose="02020603050405020304" pitchFamily="18" charset="0"/>
+                <a:cs typeface="Times New Roman" panose="02020603050405020304" pitchFamily="18" charset="0"/>
+              </a:rPr>
+              <a:t>Автоматизированная информационная система «</a:t>
+            </a:r>
+            <a:r>
+              <a:rPr lang="en-US" sz="2400" dirty="0" err="1">
+                <a:latin typeface="Times New Roman" panose="02020603050405020304" pitchFamily="18" charset="0"/>
+                <a:cs typeface="Times New Roman" panose="02020603050405020304" pitchFamily="18" charset="0"/>
+              </a:rPr>
+              <a:t>SalesOfMaterials</a:t>
+            </a:r>
+            <a:r>
+              <a:rPr lang="ru-RU" sz="2400" dirty="0">
+                <a:latin typeface="Times New Roman" panose="02020603050405020304" pitchFamily="18" charset="0"/>
+                <a:cs typeface="Times New Roman" panose="02020603050405020304" pitchFamily="18" charset="0"/>
+              </a:rPr>
+              <a:t>» предназначена для продажи товара со склада для оптовой торговли. Пользователями программы выступают сотрудник, кладовщик и администратор. Продажа товаров к заказчикам осуществляется на основании договоров купли-продажи, в которых оговариваются условия поставки. Акте приема-передачи указываются координаты, где продукция будет передана покупателю, наименование товара, количество, цена и сумму. Товарная накладная предназначена для оформления операций по отпуску и приёму товаров со склада. Данные первичных документов по сбыту товаров, содержащем название документа по разгрузке, его дату и номер, краткую характеристику документа, дату регистрации документа, сведения о проданных товаров. </a:t>
+            </a:r>
+          </a:p>
+        </p:txBody>
+      </p:sp>
+    </p:spTree>
+    <p:extLst>
+      <p:ext uri="{BB962C8B-B14F-4D97-AF65-F5344CB8AC3E}">
+        <p14:creationId xmlns:p14="http://schemas.microsoft.com/office/powerpoint/2010/main" val="3866756729"/>
+      </p:ext>
+    </p:extLst>
+  </p:cSld>
+  <p:clrMapOvr>
+    <a:masterClrMapping/>
+  </p:clrMapOvr>
+</p:sld>
+</file>
+
+<file path=ppt/slides/slide3.xml><?xml version="1.0" encoding="utf-8"?>
+<p:sld xmlns:a="http://schemas.openxmlformats.org/drawingml/2006/main" xmlns:r="http://schemas.openxmlformats.org/officeDocument/2006/relationships" xmlns:p="http://schemas.openxmlformats.org/presentationml/2006/main">
+  <p:cSld>
+    <p:spTree>
+      <p:nvGrpSpPr>
+        <p:cNvPr id="1" name=""/>
+        <p:cNvGrpSpPr/>
+        <p:nvPr/>
+      </p:nvGrpSpPr>
+      <p:grpSpPr>
+        <a:xfrm>
+          <a:off x="0" y="0"/>
+          <a:ext cx="0" cy="0"/>
+          <a:chOff x="0" y="0"/>
+          <a:chExt cx="0" cy="0"/>
+        </a:xfrm>
+      </p:grpSpPr>
+      <p:sp>
+        <p:nvSpPr>
+          <p:cNvPr id="2" name="Заголовок 1">
+            <a:extLst>
+              <a:ext uri="{FF2B5EF4-FFF2-40B4-BE49-F238E27FC236}">
+                <a16:creationId xmlns:a16="http://schemas.microsoft.com/office/drawing/2014/main" id="{11FC620F-A8DA-488B-ACDE-CBDC7ADB112C}"/>
+              </a:ext>
+            </a:extLst>
+          </p:cNvPr>
+          <p:cNvSpPr>
+            <a:spLocks noGrp="1"/>
+          </p:cNvSpPr>
+          <p:nvPr>
+            <p:ph type="title"/>
+          </p:nvPr>
+        </p:nvSpPr>
+        <p:spPr>
+          <a:xfrm>
+            <a:off x="1776179" y="171349"/>
+            <a:ext cx="8911687" cy="1280890"/>
+          </a:xfrm>
+        </p:spPr>
+        <p:txBody>
+          <a:bodyPr/>
+          <a:lstStyle/>
+          <a:p>
+            <a:r>
+              <a:rPr lang="ru-RU" dirty="0">
+                <a:latin typeface="Times New Roman" panose="02020603050405020304" pitchFamily="18" charset="0"/>
+                <a:cs typeface="Times New Roman" panose="02020603050405020304" pitchFamily="18" charset="0"/>
+              </a:rPr>
+              <a:t>Проектирование</a:t>
+            </a:r>
+            <a:endParaRPr lang="ru-RU" dirty="0"/>
+          </a:p>
+        </p:txBody>
+      </p:sp>
+      <p:pic>
+        <p:nvPicPr>
+          <p:cNvPr id="4" name="Объект 3">
+            <a:extLst>
+              <a:ext uri="{FF2B5EF4-FFF2-40B4-BE49-F238E27FC236}">
+                <a16:creationId xmlns:a16="http://schemas.microsoft.com/office/drawing/2014/main" id="{47042838-15FE-4E30-BDEF-D8963F5BED44}"/>
+              </a:ext>
+            </a:extLst>
+          </p:cNvPr>
+          <p:cNvPicPr>
+            <a:picLocks noGrp="1"/>
+          </p:cNvPicPr>
+          <p:nvPr>
+            <p:ph idx="1"/>
+          </p:nvPr>
+        </p:nvPicPr>
+        <p:blipFill rotWithShape="1">
+          <a:blip r:embed="rId2"/>
+          <a:srcRect l="21281" t="13550" r="15479" b="2097"/>
+          <a:stretch/>
+        </p:blipFill>
+        <p:spPr>
+          <a:xfrm>
+            <a:off x="1776179" y="936081"/>
+            <a:ext cx="9152878" cy="5233900"/>
+          </a:xfrm>
+          <a:prstGeom prst="rect">
+            <a:avLst/>
+          </a:prstGeom>
+        </p:spPr>
+      </p:pic>
+      <p:sp>
+        <p:nvSpPr>
+          <p:cNvPr id="6" name="TextBox 5">
+            <a:extLst>
+              <a:ext uri="{FF2B5EF4-FFF2-40B4-BE49-F238E27FC236}">
+                <a16:creationId xmlns:a16="http://schemas.microsoft.com/office/drawing/2014/main" id="{D3FE1CED-65F4-4431-83FB-FAA9660B5F81}"/>
+              </a:ext>
+            </a:extLst>
+          </p:cNvPr>
+          <p:cNvSpPr txBox="1"/>
+          <p:nvPr/>
+        </p:nvSpPr>
+        <p:spPr>
+          <a:xfrm>
+            <a:off x="5019678" y="6169981"/>
+            <a:ext cx="6094520" cy="369332"/>
+          </a:xfrm>
+          <a:prstGeom prst="rect">
+            <a:avLst/>
+          </a:prstGeom>
+          <a:noFill/>
+        </p:spPr>
+        <p:txBody>
+          <a:bodyPr wrap="square">
+            <a:spAutoFit/>
+          </a:bodyPr>
+          <a:lstStyle/>
+          <a:p>
+            <a:r>
+              <a:rPr lang="ru-RU" sz="1800" dirty="0">
+                <a:solidFill>
+                  <a:schemeClr val="tx1"/>
+                </a:solidFill>
+                <a:latin typeface="Times New Roman" panose="02020603050405020304" pitchFamily="18" charset="0"/>
+                <a:cs typeface="Times New Roman" panose="02020603050405020304" pitchFamily="18" charset="0"/>
+              </a:rPr>
+              <a:t>Контекстная диаграмма</a:t>
+            </a:r>
+          </a:p>
+        </p:txBody>
+      </p:sp>
+    </p:spTree>
+    <p:extLst>
+      <p:ext uri="{BB962C8B-B14F-4D97-AF65-F5344CB8AC3E}">
+        <p14:creationId xmlns:p14="http://schemas.microsoft.com/office/powerpoint/2010/main" val="1479284570"/>
+      </p:ext>
+    </p:extLst>
+  </p:cSld>
+  <p:clrMapOvr>
+    <a:masterClrMapping/>
+  </p:clrMapOvr>
+</p:sld>
+</file>
+
+<file path=ppt/slides/slide4.xml><?xml version="1.0" encoding="utf-8"?>
+<p:sld xmlns:a="http://schemas.openxmlformats.org/drawingml/2006/main" xmlns:r="http://schemas.openxmlformats.org/officeDocument/2006/relationships" xmlns:p="http://schemas.openxmlformats.org/presentationml/2006/main">
+  <p:cSld>
+    <p:spTree>
+      <p:nvGrpSpPr>
+        <p:cNvPr id="1" name=""/>
+        <p:cNvGrpSpPr/>
+        <p:nvPr/>
+      </p:nvGrpSpPr>
+      <p:grpSpPr>
+        <a:xfrm>
+          <a:off x="0" y="0"/>
+          <a:ext cx="0" cy="0"/>
+          <a:chOff x="0" y="0"/>
+          <a:chExt cx="0" cy="0"/>
+        </a:xfrm>
+      </p:grpSpPr>
+      <p:sp>
+        <p:nvSpPr>
+          <p:cNvPr id="2" name="Заголовок 1"/>
+          <p:cNvSpPr>
+            <a:spLocks noGrp="1"/>
+          </p:cNvSpPr>
+          <p:nvPr>
+            <p:ph type="title"/>
+          </p:nvPr>
+        </p:nvSpPr>
+        <p:spPr>
+          <a:xfrm>
+            <a:off x="2592924" y="624111"/>
+            <a:ext cx="8911687" cy="1280890"/>
+          </a:xfrm>
+        </p:spPr>
+        <p:txBody>
+          <a:bodyPr/>
+          <a:lstStyle/>
+          <a:p>
+            <a:r>
+              <a:rPr lang="ru-RU" dirty="0">
+                <a:latin typeface="Times New Roman" panose="02020603050405020304" pitchFamily="18" charset="0"/>
+                <a:cs typeface="Times New Roman" panose="02020603050405020304" pitchFamily="18" charset="0"/>
+              </a:rPr>
+              <a:t>Проектирование</a:t>
+            </a:r>
+          </a:p>
+        </p:txBody>
+      </p:sp>
+      <p:pic>
+        <p:nvPicPr>
+          <p:cNvPr id="10" name="Объект 9"/>
+          <p:cNvPicPr>
+            <a:picLocks noGrp="1"/>
+          </p:cNvPicPr>
+          <p:nvPr>
+            <p:ph idx="1"/>
+          </p:nvPr>
+        </p:nvPicPr>
+        <p:blipFill>
+          <a:blip r:embed="rId2"/>
+          <a:stretch>
+            <a:fillRect/>
+          </a:stretch>
+        </p:blipFill>
+        <p:spPr>
+          <a:xfrm>
+            <a:off x="1686757" y="1358283"/>
+            <a:ext cx="8717871" cy="4875606"/>
+          </a:xfrm>
+          <a:prstGeom prst="rect">
+            <a:avLst/>
+          </a:prstGeom>
+        </p:spPr>
+      </p:pic>
+      <p:sp>
+        <p:nvSpPr>
+          <p:cNvPr id="11" name="Прямоугольник 10"/>
+          <p:cNvSpPr/>
+          <p:nvPr/>
+        </p:nvSpPr>
+        <p:spPr>
+          <a:xfrm>
+            <a:off x="4570974" y="6233889"/>
+            <a:ext cx="2477794" cy="369332"/>
+          </a:xfrm>
+          <a:prstGeom prst="rect">
+            <a:avLst/>
+          </a:prstGeom>
+        </p:spPr>
+        <p:txBody>
+          <a:bodyPr wrap="none">
+            <a:spAutoFit/>
+          </a:bodyPr>
+          <a:lstStyle/>
+          <a:p>
+            <a:r>
+              <a:rPr lang="ru-RU" dirty="0">
+                <a:latin typeface="Times New Roman" panose="02020603050405020304" pitchFamily="18" charset="0"/>
+                <a:ea typeface="Calibri" panose="020F0502020204030204" pitchFamily="34" charset="0"/>
+              </a:rPr>
+              <a:t>Процесс декомпозиции</a:t>
+            </a:r>
+            <a:endParaRPr lang="ru-RU" dirty="0"/>
+          </a:p>
+        </p:txBody>
+      </p:sp>
+    </p:spTree>
+    <p:extLst>
+      <p:ext uri="{BB962C8B-B14F-4D97-AF65-F5344CB8AC3E}">
+        <p14:creationId xmlns:p14="http://schemas.microsoft.com/office/powerpoint/2010/main" val="3855955168"/>
+      </p:ext>
+    </p:extLst>
+  </p:cSld>
+  <p:clrMapOvr>
+    <a:masterClrMapping/>
+  </p:clrMapOvr>
+</p:sld>
+</file>
+
+<file path=ppt/slides/slide5.xml><?xml version="1.0" encoding="utf-8"?>
+<p:sld xmlns:a="http://schemas.openxmlformats.org/drawingml/2006/main" xmlns:r="http://schemas.openxmlformats.org/officeDocument/2006/relationships" xmlns:p="http://schemas.openxmlformats.org/presentationml/2006/main">
+  <p:cSld>
+    <p:spTree>
+      <p:nvGrpSpPr>
+        <p:cNvPr id="1" name=""/>
+        <p:cNvGrpSpPr/>
+        <p:nvPr/>
+      </p:nvGrpSpPr>
+      <p:grpSpPr>
+        <a:xfrm>
+          <a:off x="0" y="0"/>
+          <a:ext cx="0" cy="0"/>
+          <a:chOff x="0" y="0"/>
+          <a:chExt cx="0" cy="0"/>
+        </a:xfrm>
+      </p:grpSpPr>
+      <p:sp>
+        <p:nvSpPr>
+          <p:cNvPr id="2" name="Заголовок 1">
+            <a:extLst>
+              <a:ext uri="{FF2B5EF4-FFF2-40B4-BE49-F238E27FC236}">
+                <a16:creationId xmlns:a16="http://schemas.microsoft.com/office/drawing/2014/main" id="{631BA6A4-E094-4FD7-819C-C40AC8133C83}"/>
+              </a:ext>
+            </a:extLst>
+          </p:cNvPr>
+          <p:cNvSpPr>
+            <a:spLocks noGrp="1"/>
+          </p:cNvSpPr>
+          <p:nvPr>
+            <p:ph type="title"/>
+          </p:nvPr>
+        </p:nvSpPr>
+        <p:spPr>
+          <a:xfrm>
+            <a:off x="2299961" y="464312"/>
+            <a:ext cx="8911687" cy="1280890"/>
+          </a:xfrm>
+        </p:spPr>
+        <p:txBody>
+          <a:bodyPr/>
+          <a:lstStyle/>
+          <a:p>
+            <a:r>
+              <a:rPr lang="ru-RU" dirty="0">
+                <a:latin typeface="Times New Roman" panose="02020603050405020304" pitchFamily="18" charset="0"/>
+                <a:cs typeface="Times New Roman" panose="02020603050405020304" pitchFamily="18" charset="0"/>
+              </a:rPr>
+              <a:t>Проектирование</a:t>
+            </a:r>
+            <a:endParaRPr lang="ru-RU" dirty="0"/>
+          </a:p>
+        </p:txBody>
+      </p:sp>
+      <p:pic>
+        <p:nvPicPr>
+          <p:cNvPr id="4" name="Объект 3">
+            <a:extLst>
+              <a:ext uri="{FF2B5EF4-FFF2-40B4-BE49-F238E27FC236}">
+                <a16:creationId xmlns:a16="http://schemas.microsoft.com/office/drawing/2014/main" id="{1478ED4F-E857-48CF-BEFE-B9617AE5B0B3}"/>
+              </a:ext>
+            </a:extLst>
+          </p:cNvPr>
+          <p:cNvPicPr>
+            <a:picLocks noGrp="1"/>
+          </p:cNvPicPr>
+          <p:nvPr>
+            <p:ph idx="1"/>
+          </p:nvPr>
+        </p:nvPicPr>
+        <p:blipFill>
+          <a:blip r:embed="rId2"/>
+          <a:stretch>
+            <a:fillRect/>
+          </a:stretch>
+        </p:blipFill>
+        <p:spPr>
+          <a:xfrm>
+            <a:off x="1571347" y="1104756"/>
+            <a:ext cx="9064101" cy="5035694"/>
+          </a:xfrm>
+          <a:prstGeom prst="rect">
+            <a:avLst/>
+          </a:prstGeom>
+        </p:spPr>
+      </p:pic>
+      <p:sp>
+        <p:nvSpPr>
+          <p:cNvPr id="6" name="TextBox 5">
+            <a:extLst>
+              <a:ext uri="{FF2B5EF4-FFF2-40B4-BE49-F238E27FC236}">
+                <a16:creationId xmlns:a16="http://schemas.microsoft.com/office/drawing/2014/main" id="{DBA51D2B-9E28-4E82-8EF4-70B9E307C7C8}"/>
+              </a:ext>
+            </a:extLst>
+          </p:cNvPr>
+          <p:cNvSpPr txBox="1"/>
+          <p:nvPr/>
+        </p:nvSpPr>
+        <p:spPr>
+          <a:xfrm>
+            <a:off x="4920448" y="6140450"/>
+            <a:ext cx="6094520" cy="369332"/>
+          </a:xfrm>
+          <a:prstGeom prst="rect">
+            <a:avLst/>
+          </a:prstGeom>
+          <a:noFill/>
+        </p:spPr>
+        <p:txBody>
+          <a:bodyPr wrap="square">
+            <a:spAutoFit/>
+          </a:bodyPr>
+          <a:lstStyle/>
+          <a:p>
+            <a:r>
+              <a:rPr lang="ru-RU" dirty="0">
+                <a:latin typeface="Times New Roman" panose="02020603050405020304" pitchFamily="18" charset="0"/>
+                <a:ea typeface="Calibri" panose="020F0502020204030204" pitchFamily="34" charset="0"/>
+              </a:rPr>
+              <a:t>Технология </a:t>
+            </a:r>
+            <a:r>
+              <a:rPr lang="en-US" dirty="0">
+                <a:latin typeface="Times New Roman" panose="02020603050405020304" pitchFamily="18" charset="0"/>
+                <a:ea typeface="Calibri" panose="020F0502020204030204" pitchFamily="34" charset="0"/>
+              </a:rPr>
+              <a:t>IDEF</a:t>
+            </a:r>
+            <a:r>
+              <a:rPr lang="ru-RU" dirty="0">
+                <a:latin typeface="Times New Roman" panose="02020603050405020304" pitchFamily="18" charset="0"/>
+                <a:ea typeface="Calibri" panose="020F0502020204030204" pitchFamily="34" charset="0"/>
+              </a:rPr>
+              <a:t>(3)</a:t>
+            </a:r>
+            <a:endParaRPr lang="ru-RU" dirty="0"/>
+          </a:p>
+        </p:txBody>
+      </p:sp>
+    </p:spTree>
+    <p:extLst>
+      <p:ext uri="{BB962C8B-B14F-4D97-AF65-F5344CB8AC3E}">
+        <p14:creationId xmlns:p14="http://schemas.microsoft.com/office/powerpoint/2010/main" val="2875295842"/>
+      </p:ext>
+    </p:extLst>
+  </p:cSld>
+  <p:clrMapOvr>
+    <a:masterClrMapping/>
+  </p:clrMapOvr>
+</p:sld>
+</file>
+
+<file path=ppt/slides/slide6.xml><?xml version="1.0" encoding="utf-8"?>
+<p:sld xmlns:a="http://schemas.openxmlformats.org/drawingml/2006/main" xmlns:r="http://schemas.openxmlformats.org/officeDocument/2006/relationships" xmlns:p="http://schemas.openxmlformats.org/presentationml/2006/main">
+  <p:cSld>
+    <p:spTree>
+      <p:nvGrpSpPr>
+        <p:cNvPr id="1" name=""/>
+        <p:cNvGrpSpPr/>
+        <p:nvPr/>
+      </p:nvGrpSpPr>
+      <p:grpSpPr>
+        <a:xfrm>
+          <a:off x="0" y="0"/>
+          <a:ext cx="0" cy="0"/>
+          <a:chOff x="0" y="0"/>
+          <a:chExt cx="0" cy="0"/>
+        </a:xfrm>
+      </p:grpSpPr>
+      <p:sp>
+        <p:nvSpPr>
+          <p:cNvPr id="2" name="Заголовок 1"/>
+          <p:cNvSpPr>
+            <a:spLocks noGrp="1"/>
+          </p:cNvSpPr>
+          <p:nvPr>
+            <p:ph type="title"/>
+          </p:nvPr>
+        </p:nvSpPr>
+        <p:spPr/>
+        <p:txBody>
+          <a:bodyPr/>
+          <a:lstStyle/>
+          <a:p>
+            <a:r>
+              <a:rPr lang="ru-RU" dirty="0">
+                <a:latin typeface="Times New Roman" panose="02020603050405020304" pitchFamily="18" charset="0"/>
+                <a:cs typeface="Times New Roman" panose="02020603050405020304" pitchFamily="18" charset="0"/>
+              </a:rPr>
+              <a:t>Проектирование</a:t>
+            </a:r>
+          </a:p>
+        </p:txBody>
+      </p:sp>
+      <p:pic>
+        <p:nvPicPr>
+          <p:cNvPr id="5" name="Объект 4"/>
+          <p:cNvPicPr>
+            <a:picLocks noGrp="1"/>
+          </p:cNvPicPr>
+          <p:nvPr>
+            <p:ph idx="1"/>
+          </p:nvPr>
+        </p:nvPicPr>
+        <p:blipFill>
+          <a:blip r:embed="rId2"/>
+          <a:stretch>
+            <a:fillRect/>
+          </a:stretch>
+        </p:blipFill>
+        <p:spPr>
+          <a:xfrm>
+            <a:off x="1979721" y="1305017"/>
+            <a:ext cx="8433785" cy="5106341"/>
+          </a:xfrm>
+          <a:prstGeom prst="rect">
+            <a:avLst/>
+          </a:prstGeom>
+        </p:spPr>
+      </p:pic>
+      <p:sp>
+        <p:nvSpPr>
+          <p:cNvPr id="6" name="Прямоугольник 5"/>
+          <p:cNvSpPr/>
+          <p:nvPr/>
+        </p:nvSpPr>
+        <p:spPr>
+          <a:xfrm>
+            <a:off x="5030644" y="6411358"/>
+            <a:ext cx="2130711" cy="369332"/>
+          </a:xfrm>
+          <a:prstGeom prst="rect">
+            <a:avLst/>
+          </a:prstGeom>
+        </p:spPr>
+        <p:txBody>
+          <a:bodyPr wrap="none">
+            <a:spAutoFit/>
+          </a:bodyPr>
+          <a:lstStyle/>
+          <a:p>
+            <a:r>
+              <a:rPr lang="ru-RU" dirty="0">
+                <a:latin typeface="Times New Roman" panose="02020603050405020304" pitchFamily="18" charset="0"/>
+                <a:ea typeface="Calibri" panose="020F0502020204030204" pitchFamily="34" charset="0"/>
+              </a:rPr>
+              <a:t>Хранилище данных</a:t>
+            </a:r>
+            <a:endParaRPr lang="ru-RU" dirty="0"/>
+          </a:p>
+        </p:txBody>
+      </p:sp>
+    </p:spTree>
+    <p:extLst>
+      <p:ext uri="{BB962C8B-B14F-4D97-AF65-F5344CB8AC3E}">
+        <p14:creationId xmlns:p14="http://schemas.microsoft.com/office/powerpoint/2010/main" val="4065303022"/>
+      </p:ext>
+    </p:extLst>
+  </p:cSld>
+  <p:clrMapOvr>
+    <a:masterClrMapping/>
+  </p:clrMapOvr>
+</p:sld>
+</file>
+
+<file path=ppt/slides/slide7.xml><?xml version="1.0" encoding="utf-8"?>
+<p:sld xmlns:a="http://schemas.openxmlformats.org/drawingml/2006/main" xmlns:r="http://schemas.openxmlformats.org/officeDocument/2006/relationships" xmlns:p="http://schemas.openxmlformats.org/presentationml/2006/main">
+  <p:cSld>
+    <p:spTree>
+      <p:nvGrpSpPr>
+        <p:cNvPr id="1" name=""/>
+        <p:cNvGrpSpPr/>
+        <p:nvPr/>
+      </p:nvGrpSpPr>
+      <p:grpSpPr>
+        <a:xfrm>
+          <a:off x="0" y="0"/>
+          <a:ext cx="0" cy="0"/>
+          <a:chOff x="0" y="0"/>
+          <a:chExt cx="0" cy="0"/>
+        </a:xfrm>
+      </p:grpSpPr>
+      <p:sp>
+        <p:nvSpPr>
+          <p:cNvPr id="2" name="Заголовок 1"/>
+          <p:cNvSpPr>
+            <a:spLocks noGrp="1"/>
+          </p:cNvSpPr>
+          <p:nvPr>
+            <p:ph type="title"/>
+          </p:nvPr>
+        </p:nvSpPr>
+        <p:spPr/>
+        <p:txBody>
+          <a:bodyPr/>
+          <a:lstStyle/>
+          <a:p>
+            <a:r>
+              <a:rPr lang="ru-RU" dirty="0">
+                <a:latin typeface="Times New Roman" panose="02020603050405020304" pitchFamily="18" charset="0"/>
+                <a:cs typeface="Times New Roman" panose="02020603050405020304" pitchFamily="18" charset="0"/>
+              </a:rPr>
+              <a:t>Разработка</a:t>
+            </a:r>
+          </a:p>
+        </p:txBody>
+      </p:sp>
+      <p:sp>
+        <p:nvSpPr>
+          <p:cNvPr id="3" name="Объект 2"/>
+          <p:cNvSpPr>
+            <a:spLocks noGrp="1"/>
+          </p:cNvSpPr>
+          <p:nvPr>
+            <p:ph idx="1"/>
+          </p:nvPr>
+        </p:nvSpPr>
+        <p:spPr>
+          <a:xfrm>
+            <a:off x="1409384" y="1905000"/>
+            <a:ext cx="4086796" cy="1524000"/>
+          </a:xfrm>
+        </p:spPr>
+        <p:txBody>
+          <a:bodyPr/>
+          <a:lstStyle/>
+          <a:p>
+            <a:pPr marL="0" indent="0">
+              <a:buNone/>
+            </a:pPr>
+            <a:r>
+              <a:rPr lang="ru-RU" dirty="0">
+                <a:latin typeface="Times New Roman" panose="02020603050405020304" pitchFamily="18" charset="0"/>
+                <a:cs typeface="Times New Roman" panose="02020603050405020304" pitchFamily="18" charset="0"/>
+              </a:rPr>
+              <a:t>В качестве среды разработки выбран</a:t>
+            </a:r>
+            <a:r>
+              <a:rPr lang="en-US" dirty="0">
+                <a:latin typeface="Times New Roman" panose="02020603050405020304" pitchFamily="18" charset="0"/>
+                <a:cs typeface="Times New Roman" panose="02020603050405020304" pitchFamily="18" charset="0"/>
+              </a:rPr>
+              <a:t>:</a:t>
+            </a:r>
+            <a:endParaRPr lang="ru-RU" dirty="0">
+              <a:latin typeface="Times New Roman" panose="02020603050405020304" pitchFamily="18" charset="0"/>
+              <a:cs typeface="Times New Roman" panose="02020603050405020304" pitchFamily="18" charset="0"/>
+            </a:endParaRPr>
+          </a:p>
+          <a:p>
+            <a:r>
+              <a:rPr lang="ru-RU" dirty="0" err="1">
+                <a:latin typeface="Times New Roman" panose="02020603050405020304" pitchFamily="18" charset="0"/>
+                <a:cs typeface="Times New Roman" panose="02020603050405020304" pitchFamily="18" charset="0"/>
+              </a:rPr>
+              <a:t>Visual</a:t>
+            </a:r>
+            <a:r>
+              <a:rPr lang="ru-RU" dirty="0">
+                <a:latin typeface="Times New Roman" panose="02020603050405020304" pitchFamily="18" charset="0"/>
+                <a:cs typeface="Times New Roman" panose="02020603050405020304" pitchFamily="18" charset="0"/>
+              </a:rPr>
+              <a:t> </a:t>
+            </a:r>
+            <a:r>
+              <a:rPr lang="ru-RU" dirty="0" err="1">
+                <a:latin typeface="Times New Roman" panose="02020603050405020304" pitchFamily="18" charset="0"/>
+                <a:cs typeface="Times New Roman" panose="02020603050405020304" pitchFamily="18" charset="0"/>
+              </a:rPr>
+              <a:t>Studio</a:t>
+            </a:r>
+            <a:r>
+              <a:rPr lang="ru-RU" dirty="0">
+                <a:latin typeface="Times New Roman" panose="02020603050405020304" pitchFamily="18" charset="0"/>
+                <a:cs typeface="Times New Roman" panose="02020603050405020304" pitchFamily="18" charset="0"/>
+              </a:rPr>
+              <a:t> 2022</a:t>
+            </a:r>
+            <a:endParaRPr lang="en-US" dirty="0">
+              <a:latin typeface="Times New Roman" panose="02020603050405020304" pitchFamily="18" charset="0"/>
+              <a:cs typeface="Times New Roman" panose="02020603050405020304" pitchFamily="18" charset="0"/>
+            </a:endParaRPr>
+          </a:p>
+          <a:p>
+            <a:r>
+              <a:rPr lang="ru-RU" dirty="0" err="1">
+                <a:latin typeface="Times New Roman" panose="02020603050405020304" pitchFamily="18" charset="0"/>
+                <a:cs typeface="Times New Roman" panose="02020603050405020304" pitchFamily="18" charset="0"/>
+              </a:rPr>
+              <a:t>Microsoft</a:t>
+            </a:r>
+            <a:r>
+              <a:rPr lang="ru-RU" dirty="0">
+                <a:latin typeface="Times New Roman" panose="02020603050405020304" pitchFamily="18" charset="0"/>
+                <a:cs typeface="Times New Roman" panose="02020603050405020304" pitchFamily="18" charset="0"/>
+              </a:rPr>
+              <a:t> SQL </a:t>
+            </a:r>
+            <a:r>
+              <a:rPr lang="ru-RU" dirty="0" err="1">
+                <a:latin typeface="Times New Roman" panose="02020603050405020304" pitchFamily="18" charset="0"/>
+                <a:cs typeface="Times New Roman" panose="02020603050405020304" pitchFamily="18" charset="0"/>
+              </a:rPr>
+              <a:t>Server</a:t>
+            </a:r>
+            <a:r>
+              <a:rPr lang="ru-RU" dirty="0">
+                <a:latin typeface="Times New Roman" panose="02020603050405020304" pitchFamily="18" charset="0"/>
+                <a:cs typeface="Times New Roman" panose="02020603050405020304" pitchFamily="18" charset="0"/>
+              </a:rPr>
+              <a:t> 20</a:t>
+            </a:r>
+            <a:r>
+              <a:rPr lang="en-US" dirty="0">
+                <a:latin typeface="Times New Roman" panose="02020603050405020304" pitchFamily="18" charset="0"/>
+                <a:cs typeface="Times New Roman" panose="02020603050405020304" pitchFamily="18" charset="0"/>
+              </a:rPr>
+              <a:t>18</a:t>
+            </a:r>
+            <a:endParaRPr lang="ru-RU" dirty="0">
+              <a:latin typeface="Times New Roman" panose="02020603050405020304" pitchFamily="18" charset="0"/>
+              <a:cs typeface="Times New Roman" panose="02020603050405020304" pitchFamily="18" charset="0"/>
+            </a:endParaRPr>
+          </a:p>
+          <a:p>
+            <a:endParaRPr lang="ru-RU" dirty="0"/>
+          </a:p>
+        </p:txBody>
+      </p:sp>
+      <p:pic>
+        <p:nvPicPr>
+          <p:cNvPr id="4" name="Рисунок 3">
+            <a:extLst>
+              <a:ext uri="{FF2B5EF4-FFF2-40B4-BE49-F238E27FC236}">
+                <a16:creationId xmlns:a16="http://schemas.microsoft.com/office/drawing/2014/main" id="{0E9779E5-526E-40A2-9D1A-7C5E6815E12E}"/>
+              </a:ext>
+            </a:extLst>
+          </p:cNvPr>
+          <p:cNvPicPr/>
+          <p:nvPr/>
+        </p:nvPicPr>
+        <p:blipFill>
+          <a:blip r:embed="rId2">
+            <a:extLst>
+              <a:ext uri="{28A0092B-C50C-407E-A947-70E740481C1C}">
+                <a14:useLocalDpi xmlns:a14="http://schemas.microsoft.com/office/drawing/2010/main" val="0"/>
+              </a:ext>
+            </a:extLst>
+          </a:blip>
+          <a:srcRect/>
+          <a:stretch>
+            <a:fillRect/>
+          </a:stretch>
+        </p:blipFill>
+        <p:spPr bwMode="auto">
+          <a:xfrm>
+            <a:off x="5770485" y="1264554"/>
+            <a:ext cx="6008432" cy="5082979"/>
+          </a:xfrm>
+          <a:prstGeom prst="rect">
+            <a:avLst/>
+          </a:prstGeom>
+          <a:noFill/>
+          <a:ln>
+            <a:noFill/>
+          </a:ln>
+        </p:spPr>
+      </p:pic>
+      <p:sp>
+        <p:nvSpPr>
+          <p:cNvPr id="6" name="TextBox 5">
+            <a:extLst>
+              <a:ext uri="{FF2B5EF4-FFF2-40B4-BE49-F238E27FC236}">
+                <a16:creationId xmlns:a16="http://schemas.microsoft.com/office/drawing/2014/main" id="{C6C48834-C41F-4D4B-8238-C4AC44B3C72D}"/>
+              </a:ext>
+            </a:extLst>
+          </p:cNvPr>
+          <p:cNvSpPr txBox="1"/>
+          <p:nvPr/>
+        </p:nvSpPr>
+        <p:spPr>
+          <a:xfrm>
+            <a:off x="8107532" y="6347533"/>
+            <a:ext cx="2982963" cy="369332"/>
+          </a:xfrm>
+          <a:prstGeom prst="rect">
+            <a:avLst/>
+          </a:prstGeom>
+          <a:noFill/>
+        </p:spPr>
+        <p:txBody>
+          <a:bodyPr wrap="square">
+            <a:spAutoFit/>
+          </a:bodyPr>
+          <a:lstStyle/>
+          <a:p>
+            <a:r>
+              <a:rPr lang="ru-RU" sz="1800" dirty="0">
+                <a:effectLst/>
+                <a:latin typeface="Times New Roman" panose="02020603050405020304" pitchFamily="18" charset="0"/>
+                <a:ea typeface="Calibri" panose="020F0502020204030204" pitchFamily="34" charset="0"/>
+              </a:rPr>
+              <a:t>Модель данных</a:t>
+            </a:r>
+            <a:endParaRPr lang="ru-RU" dirty="0"/>
+          </a:p>
+        </p:txBody>
+      </p:sp>
+    </p:spTree>
+    <p:extLst>
+      <p:ext uri="{BB962C8B-B14F-4D97-AF65-F5344CB8AC3E}">
+        <p14:creationId xmlns:p14="http://schemas.microsoft.com/office/powerpoint/2010/main" val="4128202909"/>
+      </p:ext>
+    </p:extLst>
+  </p:cSld>
+  <p:clrMapOvr>
+    <a:masterClrMapping/>
+  </p:clrMapOvr>
+</p:sld>
+</file>
+
+<file path=ppt/slides/slide8.xml><?xml version="1.0" encoding="utf-8"?>
+<p:sld xmlns:a="http://schemas.openxmlformats.org/drawingml/2006/main" xmlns:r="http://schemas.openxmlformats.org/officeDocument/2006/relationships" xmlns:p="http://schemas.openxmlformats.org/presentationml/2006/main">
+  <p:cSld>
+    <p:spTree>
+      <p:nvGrpSpPr>
+        <p:cNvPr id="1" name=""/>
+        <p:cNvGrpSpPr/>
+        <p:nvPr/>
+      </p:nvGrpSpPr>
+      <p:grpSpPr>
+        <a:xfrm>
+          <a:off x="0" y="0"/>
+          <a:ext cx="0" cy="0"/>
+          <a:chOff x="0" y="0"/>
+          <a:chExt cx="0" cy="0"/>
+        </a:xfrm>
+      </p:grpSpPr>
+      <p:sp>
+        <p:nvSpPr>
+          <p:cNvPr id="2" name="Заголовок 1"/>
+          <p:cNvSpPr>
+            <a:spLocks noGrp="1"/>
+          </p:cNvSpPr>
+          <p:nvPr>
+            <p:ph type="title"/>
+          </p:nvPr>
+        </p:nvSpPr>
+        <p:spPr/>
+        <p:txBody>
+          <a:bodyPr/>
+          <a:lstStyle/>
+          <a:p>
+            <a:r>
+              <a:rPr lang="ru-RU" dirty="0">
+                <a:latin typeface="Times New Roman" panose="02020603050405020304" pitchFamily="18" charset="0"/>
+                <a:cs typeface="Times New Roman" panose="02020603050405020304" pitchFamily="18" charset="0"/>
+              </a:rPr>
+              <a:t>Тестирование</a:t>
+            </a:r>
+          </a:p>
+        </p:txBody>
+      </p:sp>
+      <p:sp>
+        <p:nvSpPr>
+          <p:cNvPr id="3" name="Объект 2"/>
+          <p:cNvSpPr>
+            <a:spLocks noGrp="1"/>
+          </p:cNvSpPr>
+          <p:nvPr>
+            <p:ph idx="1"/>
+          </p:nvPr>
+        </p:nvSpPr>
+        <p:spPr>
+          <a:xfrm>
+            <a:off x="838199" y="1825625"/>
+            <a:ext cx="11148753" cy="1250084"/>
+          </a:xfrm>
+        </p:spPr>
+        <p:txBody>
+          <a:bodyPr/>
+          <a:lstStyle/>
+          <a:p>
+            <a:r>
+              <a:rPr lang="ru-RU" sz="2400" dirty="0">
+                <a:latin typeface="Times New Roman" panose="02020603050405020304" pitchFamily="18" charset="0"/>
+                <a:cs typeface="Times New Roman" panose="02020603050405020304" pitchFamily="18" charset="0"/>
+              </a:rPr>
+              <a:t>Тестирование – процесс исследования и контроль качества, который состоит из планирования, проектирования, собственно проверки и анализа ее результатов.</a:t>
+            </a:r>
+          </a:p>
+          <a:p>
+            <a:endParaRPr lang="ru-RU" dirty="0"/>
+          </a:p>
+        </p:txBody>
+      </p:sp>
+      <p:pic>
+        <p:nvPicPr>
+          <p:cNvPr id="6" name="Рисунок 5"/>
+          <p:cNvPicPr/>
+          <p:nvPr/>
+        </p:nvPicPr>
+        <p:blipFill>
+          <a:blip r:embed="rId2"/>
+          <a:stretch>
+            <a:fillRect/>
+          </a:stretch>
+        </p:blipFill>
+        <p:spPr>
+          <a:xfrm>
+            <a:off x="691011" y="3265148"/>
+            <a:ext cx="5604165" cy="2024149"/>
+          </a:xfrm>
+          <a:prstGeom prst="rect">
+            <a:avLst/>
+          </a:prstGeom>
+        </p:spPr>
+      </p:pic>
+      <p:pic>
+        <p:nvPicPr>
+          <p:cNvPr id="7" name="Рисунок 6"/>
+          <p:cNvPicPr/>
+          <p:nvPr/>
+        </p:nvPicPr>
+        <p:blipFill>
+          <a:blip r:embed="rId3"/>
+          <a:stretch>
+            <a:fillRect/>
+          </a:stretch>
+        </p:blipFill>
+        <p:spPr>
+          <a:xfrm>
+            <a:off x="7066915" y="3782292"/>
+            <a:ext cx="5125085" cy="600075"/>
+          </a:xfrm>
+          <a:prstGeom prst="rect">
+            <a:avLst/>
+          </a:prstGeom>
+        </p:spPr>
+      </p:pic>
+    </p:spTree>
+    <p:extLst>
+      <p:ext uri="{BB962C8B-B14F-4D97-AF65-F5344CB8AC3E}">
+        <p14:creationId xmlns:p14="http://schemas.microsoft.com/office/powerpoint/2010/main" val="1284108603"/>
+      </p:ext>
+    </p:extLst>
+  </p:cSld>
+  <p:clrMapOvr>
+    <a:masterClrMapping/>
+  </p:clrMapOvr>
+</p:sld>
+</file>
+
 <file path=ppt/slides/slide9.xml><?xml version="1.0" encoding="utf-8"?>
 <p:sld xmlns:a="http://schemas.openxmlformats.org/drawingml/2006/main" xmlns:r="http://schemas.openxmlformats.org/officeDocument/2006/relationships" xmlns:p="http://schemas.openxmlformats.org/presentationml/2006/main">
   <p:cSld>
@@ -11466,117 +10903,911 @@
           <a:lstStyle/>
           <a:p>
             <a:r>
-              <a:rPr lang="ru-RU" dirty="0" smtClean="0"/>
-              <a:t>Заключение</a:t>
+              <a:rPr lang="ru-RU" dirty="0">
+                <a:latin typeface="Times New Roman" panose="02020603050405020304" pitchFamily="18" charset="0"/>
+                <a:cs typeface="Times New Roman" panose="02020603050405020304" pitchFamily="18" charset="0"/>
+              </a:rPr>
+              <a:t>Тестирование</a:t>
             </a:r>
             <a:endParaRPr lang="ru-RU" dirty="0"/>
           </a:p>
         </p:txBody>
       </p:sp>
-      <p:sp>
-        <p:nvSpPr>
-          <p:cNvPr id="3" name="Объект 2"/>
-          <p:cNvSpPr>
-            <a:spLocks noGrp="1"/>
-          </p:cNvSpPr>
+      <p:pic>
+        <p:nvPicPr>
+          <p:cNvPr id="4" name="Объект 3"/>
+          <p:cNvPicPr>
+            <a:picLocks noGrp="1"/>
+          </p:cNvPicPr>
           <p:nvPr>
             <p:ph idx="1"/>
           </p:nvPr>
-        </p:nvSpPr>
+        </p:nvPicPr>
+        <p:blipFill>
+          <a:blip r:embed="rId2"/>
+          <a:stretch>
+            <a:fillRect/>
+          </a:stretch>
+        </p:blipFill>
         <p:spPr>
           <a:xfrm>
-            <a:off x="2592925" y="1690540"/>
-            <a:ext cx="8915400" cy="4484016"/>
+            <a:off x="221211" y="2120091"/>
+            <a:ext cx="5542280" cy="2135337"/>
           </a:xfrm>
+          <a:prstGeom prst="rect">
+            <a:avLst/>
+          </a:prstGeom>
         </p:spPr>
-        <p:txBody>
-          <a:bodyPr>
-            <a:normAutofit fontScale="70000" lnSpcReduction="20000"/>
-          </a:bodyPr>
-          <a:lstStyle/>
-          <a:p>
-            <a:pPr marL="0" indent="0">
-              <a:buNone/>
-            </a:pPr>
-            <a:r>
-              <a:rPr lang="ru-RU" sz="2600" dirty="0"/>
-              <a:t>В ходе работы над курсовым проектом разработано приложение с этапами жизненного цикла программного продукта.</a:t>
-            </a:r>
-          </a:p>
-          <a:p>
-            <a:pPr marL="0" indent="0">
-              <a:buNone/>
-            </a:pPr>
-            <a:r>
-              <a:rPr lang="ru-RU" sz="2600" dirty="0"/>
-              <a:t>В начале разработана назначение разработки где написано для чего создаётся программа.</a:t>
-            </a:r>
-          </a:p>
-          <a:p>
-            <a:pPr marL="0" indent="0">
-              <a:buNone/>
-            </a:pPr>
-            <a:r>
-              <a:rPr lang="ru-RU" sz="2600" dirty="0" smtClean="0"/>
-              <a:t>Требование </a:t>
-            </a:r>
-            <a:r>
-              <a:rPr lang="ru-RU" sz="2600" dirty="0"/>
-              <a:t>к программе. В этом пункте написано какие функции входят в программу, насколько программа надёжна, требования к характеристикам компьютера и какие приложения нужны для полного использования программы.</a:t>
-            </a:r>
-          </a:p>
-          <a:p>
-            <a:pPr marL="0" indent="0">
-              <a:buNone/>
-            </a:pPr>
-            <a:r>
-              <a:rPr lang="ru-RU" sz="2600" dirty="0"/>
-              <a:t>Разработка технического проекта. В этом пункте написано, как выбиралось </a:t>
-            </a:r>
-            <a:r>
-              <a:rPr lang="en-US" sz="2600" dirty="0"/>
-              <a:t>CASE</a:t>
-            </a:r>
-            <a:r>
-              <a:rPr lang="ru-RU" sz="2600" dirty="0"/>
-              <a:t>-средство </a:t>
-            </a:r>
-            <a:r>
-              <a:rPr lang="en-US" sz="2600" dirty="0" err="1"/>
-              <a:t>BPWin</a:t>
-            </a:r>
-            <a:r>
-              <a:rPr lang="ru-RU" sz="2600" dirty="0"/>
-              <a:t>, описание процесса проектирование предметной области.</a:t>
-            </a:r>
-          </a:p>
-          <a:p>
-            <a:pPr marL="0" indent="0">
-              <a:buNone/>
-            </a:pPr>
-            <a:r>
-              <a:rPr lang="ru-RU" sz="2600" dirty="0"/>
-              <a:t>Реализация. В этом пункте было написано, как выбиралось средство разработки программы. Руководство программиста разработана для понимания как сделана программа. Руководство пользователя разработана для обучения пользователя как работать с программой.</a:t>
-            </a:r>
-          </a:p>
-          <a:p>
-            <a:pPr marL="0" indent="0">
-              <a:buNone/>
-            </a:pPr>
-            <a:r>
-              <a:rPr lang="ru-RU" sz="2600" dirty="0"/>
-              <a:t>Тестирование и откладка. В этом пункте проведён тест на правильность результата функций программы и откладка.</a:t>
-            </a:r>
-          </a:p>
-          <a:p>
-            <a:endParaRPr lang="ru-RU" dirty="0"/>
-          </a:p>
-        </p:txBody>
-      </p:sp>
+      </p:pic>
+      <p:pic>
+        <p:nvPicPr>
+          <p:cNvPr id="5" name="Рисунок 4"/>
+          <p:cNvPicPr/>
+          <p:nvPr/>
+        </p:nvPicPr>
+        <p:blipFill>
+          <a:blip r:embed="rId3"/>
+          <a:stretch>
+            <a:fillRect/>
+          </a:stretch>
+        </p:blipFill>
+        <p:spPr>
+          <a:xfrm>
+            <a:off x="221211" y="4684831"/>
+            <a:ext cx="5344160" cy="809625"/>
+          </a:xfrm>
+          <a:prstGeom prst="rect">
+            <a:avLst/>
+          </a:prstGeom>
+        </p:spPr>
+      </p:pic>
+      <p:graphicFrame>
+        <p:nvGraphicFramePr>
+          <p:cNvPr id="6" name="Таблица 5"/>
+          <p:cNvGraphicFramePr>
+            <a:graphicFrameLocks noGrp="1"/>
+          </p:cNvGraphicFramePr>
+          <p:nvPr>
+            <p:extLst>
+              <p:ext uri="{D42A27DB-BD31-4B8C-83A1-F6EECF244321}">
+                <p14:modId xmlns:p14="http://schemas.microsoft.com/office/powerpoint/2010/main" val="3449721773"/>
+              </p:ext>
+            </p:extLst>
+          </p:nvPr>
+        </p:nvGraphicFramePr>
+        <p:xfrm>
+          <a:off x="6448473" y="1690688"/>
+          <a:ext cx="4905327" cy="5180176"/>
+        </p:xfrm>
+        <a:graphic>
+          <a:graphicData uri="http://schemas.openxmlformats.org/drawingml/2006/table">
+            <a:tbl>
+              <a:tblPr>
+                <a:tableStyleId>{5C22544A-7EE6-4342-B048-85BDC9FD1C3A}</a:tableStyleId>
+              </a:tblPr>
+              <a:tblGrid>
+                <a:gridCol w="1681054">
+                  <a:extLst>
+                    <a:ext uri="{9D8B030D-6E8A-4147-A177-3AD203B41FA5}">
+                      <a16:colId xmlns:a16="http://schemas.microsoft.com/office/drawing/2014/main" val="4254779627"/>
+                    </a:ext>
+                  </a:extLst>
+                </a:gridCol>
+                <a:gridCol w="3224273">
+                  <a:extLst>
+                    <a:ext uri="{9D8B030D-6E8A-4147-A177-3AD203B41FA5}">
+                      <a16:colId xmlns:a16="http://schemas.microsoft.com/office/drawing/2014/main" val="2649389331"/>
+                    </a:ext>
+                  </a:extLst>
+                </a:gridCol>
+              </a:tblGrid>
+              <a:tr h="229018">
+                <a:tc>
+                  <a:txBody>
+                    <a:bodyPr/>
+                    <a:lstStyle/>
+                    <a:p>
+                      <a:pPr indent="48260" algn="ctr">
+                        <a:lnSpc>
+                          <a:spcPct val="150000"/>
+                        </a:lnSpc>
+                        <a:spcAft>
+                          <a:spcPts val="0"/>
+                        </a:spcAft>
+                      </a:pPr>
+                      <a:r>
+                        <a:rPr lang="ru-RU" sz="1000">
+                          <a:effectLst/>
+                        </a:rPr>
+                        <a:t>Поле</a:t>
+                      </a:r>
+                      <a:endParaRPr lang="ru-RU" sz="1200">
+                        <a:effectLst/>
+                        <a:latin typeface="Times New Roman" panose="02020603050405020304" pitchFamily="18" charset="0"/>
+                        <a:ea typeface="Calibri" panose="020F0502020204030204" pitchFamily="34" charset="0"/>
+                        <a:cs typeface="Times New Roman" panose="02020603050405020304" pitchFamily="18" charset="0"/>
+                      </a:endParaRPr>
+                    </a:p>
+                  </a:txBody>
+                  <a:tcPr marL="57254" marR="57254" marT="0" marB="0"/>
+                </a:tc>
+                <a:tc>
+                  <a:txBody>
+                    <a:bodyPr/>
+                    <a:lstStyle/>
+                    <a:p>
+                      <a:pPr indent="450215" algn="ctr">
+                        <a:lnSpc>
+                          <a:spcPct val="150000"/>
+                        </a:lnSpc>
+                        <a:spcAft>
+                          <a:spcPts val="0"/>
+                        </a:spcAft>
+                      </a:pPr>
+                      <a:r>
+                        <a:rPr lang="ru-RU" sz="1000">
+                          <a:effectLst/>
+                        </a:rPr>
+                        <a:t>Описание</a:t>
+                      </a:r>
+                      <a:endParaRPr lang="ru-RU" sz="1200">
+                        <a:effectLst/>
+                        <a:latin typeface="Times New Roman" panose="02020603050405020304" pitchFamily="18" charset="0"/>
+                        <a:ea typeface="Calibri" panose="020F0502020204030204" pitchFamily="34" charset="0"/>
+                        <a:cs typeface="Times New Roman" panose="02020603050405020304" pitchFamily="18" charset="0"/>
+                      </a:endParaRPr>
+                    </a:p>
+                  </a:txBody>
+                  <a:tcPr marL="57254" marR="57254" marT="0" marB="0"/>
+                </a:tc>
+                <a:extLst>
+                  <a:ext uri="{0D108BD9-81ED-4DB2-BD59-A6C34878D82A}">
+                    <a16:rowId xmlns:a16="http://schemas.microsoft.com/office/drawing/2014/main" val="2211678112"/>
+                  </a:ext>
+                </a:extLst>
+              </a:tr>
+              <a:tr h="229018">
+                <a:tc>
+                  <a:txBody>
+                    <a:bodyPr/>
+                    <a:lstStyle/>
+                    <a:p>
+                      <a:pPr indent="48260" algn="just">
+                        <a:lnSpc>
+                          <a:spcPct val="150000"/>
+                        </a:lnSpc>
+                        <a:spcAft>
+                          <a:spcPts val="0"/>
+                        </a:spcAft>
+                      </a:pPr>
+                      <a:r>
+                        <a:rPr lang="ru-RU" sz="1000">
+                          <a:effectLst/>
+                        </a:rPr>
+                        <a:t>Тестовый пример #</a:t>
+                      </a:r>
+                      <a:endParaRPr lang="ru-RU" sz="1200">
+                        <a:effectLst/>
+                        <a:latin typeface="Times New Roman" panose="02020603050405020304" pitchFamily="18" charset="0"/>
+                        <a:ea typeface="Calibri" panose="020F0502020204030204" pitchFamily="34" charset="0"/>
+                        <a:cs typeface="Times New Roman" panose="02020603050405020304" pitchFamily="18" charset="0"/>
+                      </a:endParaRPr>
+                    </a:p>
+                  </a:txBody>
+                  <a:tcPr marL="57254" marR="57254" marT="0" marB="0"/>
+                </a:tc>
+                <a:tc>
+                  <a:txBody>
+                    <a:bodyPr/>
+                    <a:lstStyle/>
+                    <a:p>
+                      <a:pPr indent="450215" algn="l">
+                        <a:lnSpc>
+                          <a:spcPct val="150000"/>
+                        </a:lnSpc>
+                        <a:spcAft>
+                          <a:spcPts val="0"/>
+                        </a:spcAft>
+                      </a:pPr>
+                      <a:r>
+                        <a:rPr lang="en-US" sz="1000">
+                          <a:effectLst/>
+                        </a:rPr>
+                        <a:t>Test2</a:t>
+                      </a:r>
+                      <a:endParaRPr lang="ru-RU" sz="1200">
+                        <a:effectLst/>
+                        <a:latin typeface="Times New Roman" panose="02020603050405020304" pitchFamily="18" charset="0"/>
+                        <a:ea typeface="Calibri" panose="020F0502020204030204" pitchFamily="34" charset="0"/>
+                        <a:cs typeface="Times New Roman" panose="02020603050405020304" pitchFamily="18" charset="0"/>
+                      </a:endParaRPr>
+                    </a:p>
+                  </a:txBody>
+                  <a:tcPr marL="57254" marR="57254" marT="0" marB="0"/>
+                </a:tc>
+                <a:extLst>
+                  <a:ext uri="{0D108BD9-81ED-4DB2-BD59-A6C34878D82A}">
+                    <a16:rowId xmlns:a16="http://schemas.microsoft.com/office/drawing/2014/main" val="3807397061"/>
+                  </a:ext>
+                </a:extLst>
+              </a:tr>
+              <a:tr h="458036">
+                <a:tc>
+                  <a:txBody>
+                    <a:bodyPr/>
+                    <a:lstStyle/>
+                    <a:p>
+                      <a:pPr indent="48260" algn="just">
+                        <a:lnSpc>
+                          <a:spcPct val="150000"/>
+                        </a:lnSpc>
+                        <a:spcAft>
+                          <a:spcPts val="0"/>
+                        </a:spcAft>
+                      </a:pPr>
+                      <a:r>
+                        <a:rPr lang="ru-RU" sz="1000">
+                          <a:effectLst/>
+                        </a:rPr>
+                        <a:t>Приоритет тестирования</a:t>
+                      </a:r>
+                      <a:endParaRPr lang="ru-RU" sz="1200">
+                        <a:effectLst/>
+                      </a:endParaRPr>
+                    </a:p>
+                    <a:p>
+                      <a:pPr indent="48260" algn="just">
+                        <a:lnSpc>
+                          <a:spcPct val="150000"/>
+                        </a:lnSpc>
+                        <a:spcAft>
+                          <a:spcPts val="0"/>
+                        </a:spcAft>
+                      </a:pPr>
+                      <a:r>
+                        <a:rPr lang="ru-RU" sz="1000">
+                          <a:effectLst/>
+                        </a:rPr>
+                        <a:t>(Низкий/Средний/Высокий)</a:t>
+                      </a:r>
+                      <a:endParaRPr lang="ru-RU" sz="1200">
+                        <a:effectLst/>
+                        <a:latin typeface="Times New Roman" panose="02020603050405020304" pitchFamily="18" charset="0"/>
+                        <a:ea typeface="Calibri" panose="020F0502020204030204" pitchFamily="34" charset="0"/>
+                        <a:cs typeface="Times New Roman" panose="02020603050405020304" pitchFamily="18" charset="0"/>
+                      </a:endParaRPr>
+                    </a:p>
+                  </a:txBody>
+                  <a:tcPr marL="57254" marR="57254" marT="0" marB="0"/>
+                </a:tc>
+                <a:tc>
+                  <a:txBody>
+                    <a:bodyPr/>
+                    <a:lstStyle/>
+                    <a:p>
+                      <a:pPr indent="450215" algn="just">
+                        <a:lnSpc>
+                          <a:spcPct val="150000"/>
+                        </a:lnSpc>
+                        <a:spcAft>
+                          <a:spcPts val="0"/>
+                        </a:spcAft>
+                      </a:pPr>
+                      <a:r>
+                        <a:rPr lang="ru-RU" sz="1000">
+                          <a:effectLst/>
+                        </a:rPr>
+                        <a:t>Средний</a:t>
+                      </a:r>
+                      <a:endParaRPr lang="ru-RU" sz="1200">
+                        <a:effectLst/>
+                        <a:latin typeface="Times New Roman" panose="02020603050405020304" pitchFamily="18" charset="0"/>
+                        <a:ea typeface="Calibri" panose="020F0502020204030204" pitchFamily="34" charset="0"/>
+                        <a:cs typeface="Times New Roman" panose="02020603050405020304" pitchFamily="18" charset="0"/>
+                      </a:endParaRPr>
+                    </a:p>
+                  </a:txBody>
+                  <a:tcPr marL="57254" marR="57254" marT="0" marB="0"/>
+                </a:tc>
+                <a:extLst>
+                  <a:ext uri="{0D108BD9-81ED-4DB2-BD59-A6C34878D82A}">
+                    <a16:rowId xmlns:a16="http://schemas.microsoft.com/office/drawing/2014/main" val="2263653567"/>
+                  </a:ext>
+                </a:extLst>
+              </a:tr>
+              <a:tr h="229018">
+                <a:tc>
+                  <a:txBody>
+                    <a:bodyPr/>
+                    <a:lstStyle/>
+                    <a:p>
+                      <a:pPr indent="48260" algn="just">
+                        <a:lnSpc>
+                          <a:spcPct val="150000"/>
+                        </a:lnSpc>
+                        <a:spcAft>
+                          <a:spcPts val="0"/>
+                        </a:spcAft>
+                      </a:pPr>
+                      <a:r>
+                        <a:rPr lang="ru-RU" sz="1000">
+                          <a:effectLst/>
+                        </a:rPr>
+                        <a:t>Заголовок/название теста</a:t>
+                      </a:r>
+                      <a:endParaRPr lang="ru-RU" sz="1200">
+                        <a:effectLst/>
+                        <a:latin typeface="Times New Roman" panose="02020603050405020304" pitchFamily="18" charset="0"/>
+                        <a:ea typeface="Calibri" panose="020F0502020204030204" pitchFamily="34" charset="0"/>
+                        <a:cs typeface="Times New Roman" panose="02020603050405020304" pitchFamily="18" charset="0"/>
+                      </a:endParaRPr>
+                    </a:p>
+                  </a:txBody>
+                  <a:tcPr marL="57254" marR="57254" marT="0" marB="0"/>
+                </a:tc>
+                <a:tc>
+                  <a:txBody>
+                    <a:bodyPr/>
+                    <a:lstStyle/>
+                    <a:p>
+                      <a:pPr indent="450215" algn="just">
+                        <a:lnSpc>
+                          <a:spcPct val="150000"/>
+                        </a:lnSpc>
+                        <a:spcAft>
+                          <a:spcPts val="0"/>
+                        </a:spcAft>
+                      </a:pPr>
+                      <a:r>
+                        <a:rPr lang="ru-RU" sz="1000">
+                          <a:effectLst/>
+                        </a:rPr>
+                        <a:t>Удаление запись.</a:t>
+                      </a:r>
+                      <a:endParaRPr lang="ru-RU" sz="1200">
+                        <a:effectLst/>
+                        <a:latin typeface="Times New Roman" panose="02020603050405020304" pitchFamily="18" charset="0"/>
+                        <a:ea typeface="Calibri" panose="020F0502020204030204" pitchFamily="34" charset="0"/>
+                        <a:cs typeface="Times New Roman" panose="02020603050405020304" pitchFamily="18" charset="0"/>
+                      </a:endParaRPr>
+                    </a:p>
+                  </a:txBody>
+                  <a:tcPr marL="57254" marR="57254" marT="0" marB="0"/>
+                </a:tc>
+                <a:extLst>
+                  <a:ext uri="{0D108BD9-81ED-4DB2-BD59-A6C34878D82A}">
+                    <a16:rowId xmlns:a16="http://schemas.microsoft.com/office/drawing/2014/main" val="2797836454"/>
+                  </a:ext>
+                </a:extLst>
+              </a:tr>
+              <a:tr h="458036">
+                <a:tc>
+                  <a:txBody>
+                    <a:bodyPr/>
+                    <a:lstStyle/>
+                    <a:p>
+                      <a:pPr indent="48260" algn="just">
+                        <a:lnSpc>
+                          <a:spcPct val="150000"/>
+                        </a:lnSpc>
+                        <a:spcAft>
+                          <a:spcPts val="0"/>
+                        </a:spcAft>
+                      </a:pPr>
+                      <a:r>
+                        <a:rPr lang="ru-RU" sz="1000">
+                          <a:effectLst/>
+                        </a:rPr>
+                        <a:t>Краткое изложение теста</a:t>
+                      </a:r>
+                      <a:endParaRPr lang="ru-RU" sz="1200">
+                        <a:effectLst/>
+                        <a:latin typeface="Times New Roman" panose="02020603050405020304" pitchFamily="18" charset="0"/>
+                        <a:ea typeface="Calibri" panose="020F0502020204030204" pitchFamily="34" charset="0"/>
+                        <a:cs typeface="Times New Roman" panose="02020603050405020304" pitchFamily="18" charset="0"/>
+                      </a:endParaRPr>
+                    </a:p>
+                  </a:txBody>
+                  <a:tcPr marL="57254" marR="57254" marT="0" marB="0"/>
+                </a:tc>
+                <a:tc>
+                  <a:txBody>
+                    <a:bodyPr/>
+                    <a:lstStyle/>
+                    <a:p>
+                      <a:pPr indent="450215" algn="just">
+                        <a:lnSpc>
+                          <a:spcPct val="150000"/>
+                        </a:lnSpc>
+                        <a:spcAft>
+                          <a:spcPts val="0"/>
+                        </a:spcAft>
+                      </a:pPr>
+                      <a:r>
+                        <a:rPr lang="ru-RU" sz="1000">
+                          <a:effectLst/>
+                        </a:rPr>
+                        <a:t>Попытка удаление записи из таблице «Контрагентов».</a:t>
+                      </a:r>
+                      <a:endParaRPr lang="ru-RU" sz="1200">
+                        <a:effectLst/>
+                        <a:latin typeface="Times New Roman" panose="02020603050405020304" pitchFamily="18" charset="0"/>
+                        <a:ea typeface="Calibri" panose="020F0502020204030204" pitchFamily="34" charset="0"/>
+                        <a:cs typeface="Times New Roman" panose="02020603050405020304" pitchFamily="18" charset="0"/>
+                      </a:endParaRPr>
+                    </a:p>
+                  </a:txBody>
+                  <a:tcPr marL="57254" marR="57254" marT="0" marB="0"/>
+                </a:tc>
+                <a:extLst>
+                  <a:ext uri="{0D108BD9-81ED-4DB2-BD59-A6C34878D82A}">
+                    <a16:rowId xmlns:a16="http://schemas.microsoft.com/office/drawing/2014/main" val="354365469"/>
+                  </a:ext>
+                </a:extLst>
+              </a:tr>
+              <a:tr h="458036">
+                <a:tc>
+                  <a:txBody>
+                    <a:bodyPr/>
+                    <a:lstStyle/>
+                    <a:p>
+                      <a:pPr indent="48260" algn="just">
+                        <a:lnSpc>
+                          <a:spcPct val="150000"/>
+                        </a:lnSpc>
+                        <a:spcAft>
+                          <a:spcPts val="0"/>
+                        </a:spcAft>
+                      </a:pPr>
+                      <a:r>
+                        <a:rPr lang="ru-RU" sz="1000">
+                          <a:effectLst/>
+                        </a:rPr>
+                        <a:t>Этапы теста</a:t>
+                      </a:r>
+                      <a:endParaRPr lang="ru-RU" sz="1200">
+                        <a:effectLst/>
+                        <a:latin typeface="Times New Roman" panose="02020603050405020304" pitchFamily="18" charset="0"/>
+                        <a:ea typeface="Calibri" panose="020F0502020204030204" pitchFamily="34" charset="0"/>
+                        <a:cs typeface="Times New Roman" panose="02020603050405020304" pitchFamily="18" charset="0"/>
+                      </a:endParaRPr>
+                    </a:p>
+                  </a:txBody>
+                  <a:tcPr marL="57254" marR="57254" marT="0" marB="0"/>
+                </a:tc>
+                <a:tc>
+                  <a:txBody>
+                    <a:bodyPr/>
+                    <a:lstStyle/>
+                    <a:p>
+                      <a:pPr indent="450215" algn="just">
+                        <a:lnSpc>
+                          <a:spcPct val="150000"/>
+                        </a:lnSpc>
+                        <a:spcAft>
+                          <a:spcPts val="0"/>
+                        </a:spcAft>
+                      </a:pPr>
+                      <a:r>
+                        <a:rPr lang="ru-RU" sz="1000">
+                          <a:effectLst/>
+                        </a:rPr>
+                        <a:t>Нажать на таблицу с помощью ПКМ и выбрать из списка пункт «Удалить»</a:t>
+                      </a:r>
+                      <a:endParaRPr lang="ru-RU" sz="1200">
+                        <a:effectLst/>
+                        <a:latin typeface="Times New Roman" panose="02020603050405020304" pitchFamily="18" charset="0"/>
+                        <a:ea typeface="Calibri" panose="020F0502020204030204" pitchFamily="34" charset="0"/>
+                        <a:cs typeface="Times New Roman" panose="02020603050405020304" pitchFamily="18" charset="0"/>
+                      </a:endParaRPr>
+                    </a:p>
+                  </a:txBody>
+                  <a:tcPr marL="57254" marR="57254" marT="0" marB="0"/>
+                </a:tc>
+                <a:extLst>
+                  <a:ext uri="{0D108BD9-81ED-4DB2-BD59-A6C34878D82A}">
+                    <a16:rowId xmlns:a16="http://schemas.microsoft.com/office/drawing/2014/main" val="2442112476"/>
+                  </a:ext>
+                </a:extLst>
+              </a:tr>
+              <a:tr h="458036">
+                <a:tc>
+                  <a:txBody>
+                    <a:bodyPr/>
+                    <a:lstStyle/>
+                    <a:p>
+                      <a:pPr indent="48260" algn="just">
+                        <a:lnSpc>
+                          <a:spcPct val="150000"/>
+                        </a:lnSpc>
+                        <a:spcAft>
+                          <a:spcPts val="0"/>
+                        </a:spcAft>
+                      </a:pPr>
+                      <a:r>
+                        <a:rPr lang="ru-RU" sz="1000">
+                          <a:effectLst/>
+                        </a:rPr>
+                        <a:t>Тестовые данные</a:t>
+                      </a:r>
+                      <a:endParaRPr lang="ru-RU" sz="1200">
+                        <a:effectLst/>
+                        <a:latin typeface="Times New Roman" panose="02020603050405020304" pitchFamily="18" charset="0"/>
+                        <a:ea typeface="Calibri" panose="020F0502020204030204" pitchFamily="34" charset="0"/>
+                        <a:cs typeface="Times New Roman" panose="02020603050405020304" pitchFamily="18" charset="0"/>
+                      </a:endParaRPr>
+                    </a:p>
+                  </a:txBody>
+                  <a:tcPr marL="57254" marR="57254" marT="0" marB="0"/>
+                </a:tc>
+                <a:tc>
+                  <a:txBody>
+                    <a:bodyPr/>
+                    <a:lstStyle/>
+                    <a:p>
+                      <a:pPr indent="450215" algn="just">
+                        <a:lnSpc>
+                          <a:spcPct val="150000"/>
+                        </a:lnSpc>
+                        <a:spcAft>
+                          <a:spcPts val="0"/>
+                        </a:spcAft>
+                      </a:pPr>
+                      <a:r>
+                        <a:rPr lang="ru-RU" sz="1000">
+                          <a:effectLst/>
+                        </a:rPr>
+                        <a:t>Название контрагенты: ООО «Вера», ИНН: 134537592602, Адрес: Москва.</a:t>
+                      </a:r>
+                      <a:endParaRPr lang="ru-RU" sz="1200">
+                        <a:effectLst/>
+                        <a:latin typeface="Times New Roman" panose="02020603050405020304" pitchFamily="18" charset="0"/>
+                        <a:ea typeface="Calibri" panose="020F0502020204030204" pitchFamily="34" charset="0"/>
+                        <a:cs typeface="Times New Roman" panose="02020603050405020304" pitchFamily="18" charset="0"/>
+                      </a:endParaRPr>
+                    </a:p>
+                  </a:txBody>
+                  <a:tcPr marL="57254" marR="57254" marT="0" marB="0"/>
+                </a:tc>
+                <a:extLst>
+                  <a:ext uri="{0D108BD9-81ED-4DB2-BD59-A6C34878D82A}">
+                    <a16:rowId xmlns:a16="http://schemas.microsoft.com/office/drawing/2014/main" val="2609801295"/>
+                  </a:ext>
+                </a:extLst>
+              </a:tr>
+              <a:tr h="458036">
+                <a:tc>
+                  <a:txBody>
+                    <a:bodyPr/>
+                    <a:lstStyle/>
+                    <a:p>
+                      <a:pPr indent="48260" algn="just">
+                        <a:lnSpc>
+                          <a:spcPct val="150000"/>
+                        </a:lnSpc>
+                        <a:spcAft>
+                          <a:spcPts val="0"/>
+                        </a:spcAft>
+                      </a:pPr>
+                      <a:r>
+                        <a:rPr lang="ru-RU" sz="1000">
+                          <a:effectLst/>
+                        </a:rPr>
+                        <a:t>Ожидаемый результат</a:t>
+                      </a:r>
+                      <a:endParaRPr lang="ru-RU" sz="1200">
+                        <a:effectLst/>
+                        <a:latin typeface="Times New Roman" panose="02020603050405020304" pitchFamily="18" charset="0"/>
+                        <a:ea typeface="Calibri" panose="020F0502020204030204" pitchFamily="34" charset="0"/>
+                        <a:cs typeface="Times New Roman" panose="02020603050405020304" pitchFamily="18" charset="0"/>
+                      </a:endParaRPr>
+                    </a:p>
+                  </a:txBody>
+                  <a:tcPr marL="57254" marR="57254" marT="0" marB="0"/>
+                </a:tc>
+                <a:tc>
+                  <a:txBody>
+                    <a:bodyPr/>
+                    <a:lstStyle/>
+                    <a:p>
+                      <a:pPr indent="450215" algn="just">
+                        <a:lnSpc>
+                          <a:spcPct val="150000"/>
+                        </a:lnSpc>
+                        <a:spcAft>
+                          <a:spcPts val="0"/>
+                        </a:spcAft>
+                      </a:pPr>
+                      <a:r>
+                        <a:rPr lang="ru-RU" sz="1000">
+                          <a:effectLst/>
+                        </a:rPr>
+                        <a:t>Предупреждающее сообщение об удалении данных в таблице «Контрагентов».</a:t>
+                      </a:r>
+                      <a:endParaRPr lang="ru-RU" sz="1200">
+                        <a:effectLst/>
+                        <a:latin typeface="Times New Roman" panose="02020603050405020304" pitchFamily="18" charset="0"/>
+                        <a:ea typeface="Calibri" panose="020F0502020204030204" pitchFamily="34" charset="0"/>
+                        <a:cs typeface="Times New Roman" panose="02020603050405020304" pitchFamily="18" charset="0"/>
+                      </a:endParaRPr>
+                    </a:p>
+                  </a:txBody>
+                  <a:tcPr marL="57254" marR="57254" marT="0" marB="0"/>
+                </a:tc>
+                <a:extLst>
+                  <a:ext uri="{0D108BD9-81ED-4DB2-BD59-A6C34878D82A}">
+                    <a16:rowId xmlns:a16="http://schemas.microsoft.com/office/drawing/2014/main" val="3100308639"/>
+                  </a:ext>
+                </a:extLst>
+              </a:tr>
+              <a:tr h="229018">
+                <a:tc>
+                  <a:txBody>
+                    <a:bodyPr/>
+                    <a:lstStyle/>
+                    <a:p>
+                      <a:pPr indent="48260" algn="just">
+                        <a:lnSpc>
+                          <a:spcPct val="150000"/>
+                        </a:lnSpc>
+                        <a:spcAft>
+                          <a:spcPts val="0"/>
+                        </a:spcAft>
+                      </a:pPr>
+                      <a:r>
+                        <a:rPr lang="ru-RU" sz="1000">
+                          <a:effectLst/>
+                        </a:rPr>
+                        <a:t>Фактический результат</a:t>
+                      </a:r>
+                      <a:endParaRPr lang="ru-RU" sz="1200">
+                        <a:effectLst/>
+                        <a:latin typeface="Times New Roman" panose="02020603050405020304" pitchFamily="18" charset="0"/>
+                        <a:ea typeface="Calibri" panose="020F0502020204030204" pitchFamily="34" charset="0"/>
+                        <a:cs typeface="Times New Roman" panose="02020603050405020304" pitchFamily="18" charset="0"/>
+                      </a:endParaRPr>
+                    </a:p>
+                  </a:txBody>
+                  <a:tcPr marL="57254" marR="57254" marT="0" marB="0"/>
+                </a:tc>
+                <a:tc>
+                  <a:txBody>
+                    <a:bodyPr/>
+                    <a:lstStyle/>
+                    <a:p>
+                      <a:pPr indent="450215" algn="just">
+                        <a:lnSpc>
+                          <a:spcPct val="150000"/>
+                        </a:lnSpc>
+                        <a:spcAft>
+                          <a:spcPts val="0"/>
+                        </a:spcAft>
+                      </a:pPr>
+                      <a:r>
+                        <a:rPr lang="ru-RU" sz="1000">
+                          <a:effectLst/>
+                        </a:rPr>
+                        <a:t>Запись удалена!</a:t>
+                      </a:r>
+                      <a:endParaRPr lang="ru-RU" sz="1200">
+                        <a:effectLst/>
+                        <a:latin typeface="Times New Roman" panose="02020603050405020304" pitchFamily="18" charset="0"/>
+                        <a:ea typeface="Calibri" panose="020F0502020204030204" pitchFamily="34" charset="0"/>
+                        <a:cs typeface="Times New Roman" panose="02020603050405020304" pitchFamily="18" charset="0"/>
+                      </a:endParaRPr>
+                    </a:p>
+                  </a:txBody>
+                  <a:tcPr marL="57254" marR="57254" marT="0" marB="0"/>
+                </a:tc>
+                <a:extLst>
+                  <a:ext uri="{0D108BD9-81ED-4DB2-BD59-A6C34878D82A}">
+                    <a16:rowId xmlns:a16="http://schemas.microsoft.com/office/drawing/2014/main" val="3319811771"/>
+                  </a:ext>
+                </a:extLst>
+              </a:tr>
+              <a:tr h="687053">
+                <a:tc>
+                  <a:txBody>
+                    <a:bodyPr/>
+                    <a:lstStyle/>
+                    <a:p>
+                      <a:pPr indent="48260" algn="just">
+                        <a:lnSpc>
+                          <a:spcPct val="150000"/>
+                        </a:lnSpc>
+                        <a:spcAft>
+                          <a:spcPts val="0"/>
+                        </a:spcAft>
+                      </a:pPr>
+                      <a:r>
+                        <a:rPr lang="ru-RU" sz="1000">
+                          <a:effectLst/>
+                        </a:rPr>
+                        <a:t>Предварительное условие</a:t>
+                      </a:r>
+                      <a:endParaRPr lang="ru-RU" sz="1200">
+                        <a:effectLst/>
+                        <a:latin typeface="Times New Roman" panose="02020603050405020304" pitchFamily="18" charset="0"/>
+                        <a:ea typeface="Calibri" panose="020F0502020204030204" pitchFamily="34" charset="0"/>
+                        <a:cs typeface="Times New Roman" panose="02020603050405020304" pitchFamily="18" charset="0"/>
+                      </a:endParaRPr>
+                    </a:p>
+                  </a:txBody>
+                  <a:tcPr marL="57254" marR="57254" marT="0" marB="0"/>
+                </a:tc>
+                <a:tc>
+                  <a:txBody>
+                    <a:bodyPr/>
+                    <a:lstStyle/>
+                    <a:p>
+                      <a:pPr indent="450215" algn="just">
+                        <a:lnSpc>
+                          <a:spcPct val="150000"/>
+                        </a:lnSpc>
+                        <a:spcAft>
+                          <a:spcPts val="0"/>
+                        </a:spcAft>
+                      </a:pPr>
+                      <a:r>
+                        <a:rPr lang="ru-RU" sz="1000">
+                          <a:effectLst/>
+                        </a:rPr>
+                        <a:t>На главном меню пользовательского интерфейса должна быть кнопка, в которой хранится нужная нам страница для удаления данных из базы данных.</a:t>
+                      </a:r>
+                      <a:endParaRPr lang="ru-RU" sz="1200">
+                        <a:effectLst/>
+                        <a:latin typeface="Times New Roman" panose="02020603050405020304" pitchFamily="18" charset="0"/>
+                        <a:ea typeface="Calibri" panose="020F0502020204030204" pitchFamily="34" charset="0"/>
+                        <a:cs typeface="Times New Roman" panose="02020603050405020304" pitchFamily="18" charset="0"/>
+                      </a:endParaRPr>
+                    </a:p>
+                  </a:txBody>
+                  <a:tcPr marL="57254" marR="57254" marT="0" marB="0"/>
+                </a:tc>
+                <a:extLst>
+                  <a:ext uri="{0D108BD9-81ED-4DB2-BD59-A6C34878D82A}">
+                    <a16:rowId xmlns:a16="http://schemas.microsoft.com/office/drawing/2014/main" val="463248777"/>
+                  </a:ext>
+                </a:extLst>
+              </a:tr>
+              <a:tr h="229018">
+                <a:tc>
+                  <a:txBody>
+                    <a:bodyPr/>
+                    <a:lstStyle/>
+                    <a:p>
+                      <a:pPr indent="48260" algn="just">
+                        <a:lnSpc>
+                          <a:spcPct val="150000"/>
+                        </a:lnSpc>
+                        <a:spcAft>
+                          <a:spcPts val="0"/>
+                        </a:spcAft>
+                      </a:pPr>
+                      <a:r>
+                        <a:rPr lang="ru-RU" sz="1000">
+                          <a:effectLst/>
+                        </a:rPr>
+                        <a:t>Постусловие</a:t>
+                      </a:r>
+                      <a:endParaRPr lang="ru-RU" sz="1200">
+                        <a:effectLst/>
+                        <a:latin typeface="Times New Roman" panose="02020603050405020304" pitchFamily="18" charset="0"/>
+                        <a:ea typeface="Calibri" panose="020F0502020204030204" pitchFamily="34" charset="0"/>
+                        <a:cs typeface="Times New Roman" panose="02020603050405020304" pitchFamily="18" charset="0"/>
+                      </a:endParaRPr>
+                    </a:p>
+                  </a:txBody>
+                  <a:tcPr marL="57254" marR="57254" marT="0" marB="0"/>
+                </a:tc>
+                <a:tc>
+                  <a:txBody>
+                    <a:bodyPr/>
+                    <a:lstStyle/>
+                    <a:p>
+                      <a:pPr indent="450215" algn="just">
+                        <a:lnSpc>
+                          <a:spcPct val="150000"/>
+                        </a:lnSpc>
+                        <a:spcAft>
+                          <a:spcPts val="0"/>
+                        </a:spcAft>
+                      </a:pPr>
+                      <a:r>
+                        <a:rPr lang="ru-RU" sz="1000">
+                          <a:effectLst/>
+                        </a:rPr>
+                        <a:t>Запись была удалена.</a:t>
+                      </a:r>
+                      <a:endParaRPr lang="ru-RU" sz="1200">
+                        <a:effectLst/>
+                        <a:latin typeface="Times New Roman" panose="02020603050405020304" pitchFamily="18" charset="0"/>
+                        <a:ea typeface="Calibri" panose="020F0502020204030204" pitchFamily="34" charset="0"/>
+                        <a:cs typeface="Times New Roman" panose="02020603050405020304" pitchFamily="18" charset="0"/>
+                      </a:endParaRPr>
+                    </a:p>
+                  </a:txBody>
+                  <a:tcPr marL="57254" marR="57254" marT="0" marB="0"/>
+                </a:tc>
+                <a:extLst>
+                  <a:ext uri="{0D108BD9-81ED-4DB2-BD59-A6C34878D82A}">
+                    <a16:rowId xmlns:a16="http://schemas.microsoft.com/office/drawing/2014/main" val="1407148114"/>
+                  </a:ext>
+                </a:extLst>
+              </a:tr>
+              <a:tr h="229018">
+                <a:tc>
+                  <a:txBody>
+                    <a:bodyPr/>
+                    <a:lstStyle/>
+                    <a:p>
+                      <a:pPr indent="48260" algn="just">
+                        <a:lnSpc>
+                          <a:spcPct val="150000"/>
+                        </a:lnSpc>
+                        <a:spcAft>
+                          <a:spcPts val="0"/>
+                        </a:spcAft>
+                      </a:pPr>
+                      <a:r>
+                        <a:rPr lang="ru-RU" sz="1000">
+                          <a:effectLst/>
+                        </a:rPr>
+                        <a:t>Статус (Зачет/Незачет)</a:t>
+                      </a:r>
+                      <a:endParaRPr lang="ru-RU" sz="1200">
+                        <a:effectLst/>
+                        <a:latin typeface="Times New Roman" panose="02020603050405020304" pitchFamily="18" charset="0"/>
+                        <a:ea typeface="Calibri" panose="020F0502020204030204" pitchFamily="34" charset="0"/>
+                        <a:cs typeface="Times New Roman" panose="02020603050405020304" pitchFamily="18" charset="0"/>
+                      </a:endParaRPr>
+                    </a:p>
+                  </a:txBody>
+                  <a:tcPr marL="57254" marR="57254" marT="0" marB="0"/>
+                </a:tc>
+                <a:tc>
+                  <a:txBody>
+                    <a:bodyPr/>
+                    <a:lstStyle/>
+                    <a:p>
+                      <a:pPr indent="450215" algn="just">
+                        <a:lnSpc>
+                          <a:spcPct val="150000"/>
+                        </a:lnSpc>
+                        <a:spcAft>
+                          <a:spcPts val="0"/>
+                        </a:spcAft>
+                      </a:pPr>
+                      <a:r>
+                        <a:rPr lang="ru-RU" sz="1000" dirty="0">
+                          <a:effectLst/>
+                        </a:rPr>
+                        <a:t>Зачет</a:t>
+                      </a:r>
+                      <a:endParaRPr lang="ru-RU" sz="1200" dirty="0">
+                        <a:effectLst/>
+                        <a:latin typeface="Times New Roman" panose="02020603050405020304" pitchFamily="18" charset="0"/>
+                        <a:ea typeface="Calibri" panose="020F0502020204030204" pitchFamily="34" charset="0"/>
+                        <a:cs typeface="Times New Roman" panose="02020603050405020304" pitchFamily="18" charset="0"/>
+                      </a:endParaRPr>
+                    </a:p>
+                  </a:txBody>
+                  <a:tcPr marL="57254" marR="57254" marT="0" marB="0"/>
+                </a:tc>
+                <a:extLst>
+                  <a:ext uri="{0D108BD9-81ED-4DB2-BD59-A6C34878D82A}">
+                    <a16:rowId xmlns:a16="http://schemas.microsoft.com/office/drawing/2014/main" val="991529115"/>
+                  </a:ext>
+                </a:extLst>
+              </a:tr>
+            </a:tbl>
+          </a:graphicData>
+        </a:graphic>
+      </p:graphicFrame>
     </p:spTree>
     <p:extLst>
       <p:ext uri="{BB962C8B-B14F-4D97-AF65-F5344CB8AC3E}">
-        <p14:creationId xmlns:p14="http://schemas.microsoft.com/office/powerpoint/2010/main" val="3716705104"/>
+        <p14:creationId xmlns:p14="http://schemas.microsoft.com/office/powerpoint/2010/main" val="972491507"/>
       </p:ext>
     </p:extLst>
   </p:cSld>
